--- a/darknet_withC.pptx
+++ b/darknet_withC.pptx
@@ -5508,7 +5508,7 @@
         <p:spPr>
           <a:xfrm>
             <a:off x="636755" y="1335974"/>
-            <a:ext cx="5806398" cy="2677656"/>
+            <a:ext cx="10817308" cy="4339650"/>
           </a:xfrm>
           <a:prstGeom prst="rect">
             <a:avLst/>
@@ -5516,7 +5516,7 @@
           <a:noFill/>
         </p:spPr>
         <p:txBody>
-          <a:bodyPr wrap="none" rtlCol="0">
+          <a:bodyPr wrap="square" rtlCol="0">
             <a:spAutoFit/>
           </a:bodyPr>
           <a:lstStyle/>
@@ -5536,6 +5536,18 @@
             <a:r>
               <a:rPr lang="ko-KR" altLang="en-US" sz="1200" dirty="0"/>
               <a:t>함수 </a:t>
+            </a:r>
+            <a:r>
+              <a:rPr lang="en-US" altLang="ko-KR" sz="1200" dirty="0">
+                <a:sym typeface="Wingdings" panose="05000000000000000000" pitchFamily="2" charset="2"/>
+              </a:rPr>
+              <a:t> </a:t>
+            </a:r>
+            <a:r>
+              <a:rPr lang="ko-KR" altLang="en-US" sz="1200" dirty="0">
+                <a:sym typeface="Wingdings" panose="05000000000000000000" pitchFamily="2" charset="2"/>
+              </a:rPr>
+              <a:t>전역의 뜻을 나타냄</a:t>
             </a:r>
             <a:endParaRPr lang="en-US" altLang="ko-KR" sz="1200" dirty="0"/>
           </a:p>
@@ -5581,6 +5593,229 @@
             <a:r>
               <a:rPr lang="en-US" altLang="ko-KR" sz="1200" dirty="0"/>
               <a:t>. </a:t>
+            </a:r>
+          </a:p>
+          <a:p>
+            <a:r>
+              <a:rPr lang="en-US" altLang="ko-KR" sz="1200" dirty="0"/>
+              <a:t> ex) extern int num; extern void fun(); / int num; void fun(); &lt;&lt; extern </a:t>
+            </a:r>
+            <a:r>
+              <a:rPr lang="ko-KR" altLang="en-US" sz="1200" dirty="0"/>
+              <a:t>생략해도 외부에 정의 되어 있다고 컴파일러에게 전달</a:t>
+            </a:r>
+            <a:r>
+              <a:rPr lang="en-US" altLang="ko-KR" sz="1200" dirty="0"/>
+              <a:t>, </a:t>
+            </a:r>
+            <a:r>
+              <a:rPr lang="ko-KR" altLang="en-US" sz="1200" dirty="0"/>
+              <a:t>변수는 생략이 안되지만 함수는 가능하다</a:t>
+            </a:r>
+            <a:r>
+              <a:rPr lang="en-US" altLang="ko-KR" sz="1200" dirty="0"/>
+              <a:t>. </a:t>
+            </a:r>
+            <a:r>
+              <a:rPr lang="ko-KR" altLang="en-US" sz="1200" dirty="0"/>
+              <a:t>또한 </a:t>
+            </a:r>
+            <a:r>
+              <a:rPr lang="en-US" altLang="ko-KR" sz="1200" dirty="0"/>
+              <a:t>extern</a:t>
+            </a:r>
+            <a:r>
+              <a:rPr lang="ko-KR" altLang="en-US" sz="1200" dirty="0"/>
+              <a:t>은 전역의 뜻을 가지고 있으므로 전체적으로 해당 함수</a:t>
+            </a:r>
+            <a:r>
+              <a:rPr lang="en-US" altLang="ko-KR" sz="1200" dirty="0"/>
+              <a:t>or</a:t>
+            </a:r>
+            <a:r>
+              <a:rPr lang="ko-KR" altLang="en-US" sz="1200" dirty="0"/>
+              <a:t>변수를 컴파일 과정에서 찾는다</a:t>
+            </a:r>
+            <a:r>
+              <a:rPr lang="en-US" altLang="ko-KR" sz="1200" dirty="0"/>
+              <a:t>.</a:t>
+            </a:r>
+          </a:p>
+          <a:p>
+            <a:r>
+              <a:rPr lang="en-US" altLang="ko-KR" sz="1200" dirty="0"/>
+              <a:t> Q) extern</a:t>
+            </a:r>
+            <a:r>
+              <a:rPr lang="ko-KR" altLang="en-US" sz="1200" dirty="0"/>
+              <a:t> </a:t>
+            </a:r>
+            <a:r>
+              <a:rPr lang="en-US" altLang="ko-KR" sz="1200" dirty="0"/>
+              <a:t>void</a:t>
+            </a:r>
+            <a:r>
+              <a:rPr lang="ko-KR" altLang="en-US" sz="1200" dirty="0"/>
+              <a:t> </a:t>
+            </a:r>
+            <a:r>
+              <a:rPr lang="en-US" altLang="ko-KR" sz="1200" dirty="0" err="1"/>
+              <a:t>func</a:t>
+            </a:r>
+            <a:r>
+              <a:rPr lang="en-US" altLang="ko-KR" sz="1200" dirty="0"/>
+              <a:t>()</a:t>
+            </a:r>
+            <a:r>
+              <a:rPr lang="ko-KR" altLang="en-US" sz="1200" dirty="0"/>
+              <a:t> </a:t>
+            </a:r>
+            <a:r>
+              <a:rPr lang="en-US" altLang="ko-KR" sz="1200" dirty="0"/>
+              <a:t>=</a:t>
+            </a:r>
+            <a:r>
+              <a:rPr lang="ko-KR" altLang="en-US" sz="1200" dirty="0"/>
+              <a:t> </a:t>
+            </a:r>
+            <a:r>
+              <a:rPr lang="en-US" altLang="ko-KR" sz="1200" dirty="0"/>
+              <a:t>void</a:t>
+            </a:r>
+            <a:r>
+              <a:rPr lang="ko-KR" altLang="en-US" sz="1200" dirty="0"/>
+              <a:t> </a:t>
+            </a:r>
+            <a:r>
+              <a:rPr lang="en-US" altLang="ko-KR" sz="1200" dirty="0" err="1"/>
+              <a:t>func</a:t>
+            </a:r>
+            <a:r>
+              <a:rPr lang="en-US" altLang="ko-KR" sz="1200" dirty="0"/>
+              <a:t>()</a:t>
+            </a:r>
+            <a:r>
+              <a:rPr lang="ko-KR" altLang="en-US" sz="1200" dirty="0"/>
+              <a:t> 로 생략이 가능한데 이는 내부적으로 함수를 </a:t>
+            </a:r>
+            <a:r>
+              <a:rPr lang="ko-KR" altLang="en-US" sz="1200" dirty="0" err="1"/>
+              <a:t>선언할때와</a:t>
+            </a:r>
+            <a:r>
+              <a:rPr lang="ko-KR" altLang="en-US" sz="1200" dirty="0"/>
+              <a:t> 비슷하다</a:t>
+            </a:r>
+            <a:r>
+              <a:rPr lang="en-US" altLang="ko-KR" sz="1200" dirty="0"/>
+              <a:t>. </a:t>
+            </a:r>
+            <a:r>
+              <a:rPr lang="ko-KR" altLang="en-US" sz="1200" dirty="0"/>
+              <a:t>그러나 생략하여도 컴파일 과정에서 </a:t>
+            </a:r>
+            <a:r>
+              <a:rPr lang="en-US" altLang="ko-KR" sz="1200" dirty="0"/>
+              <a:t>void </a:t>
+            </a:r>
+            <a:r>
+              <a:rPr lang="en-US" altLang="ko-KR" sz="1200" dirty="0" err="1"/>
+              <a:t>func</a:t>
+            </a:r>
+            <a:r>
+              <a:rPr lang="en-US" altLang="ko-KR" sz="1200" dirty="0"/>
+              <a:t>()</a:t>
+            </a:r>
+            <a:r>
+              <a:rPr lang="ko-KR" altLang="en-US" sz="1200" dirty="0"/>
+              <a:t>가</a:t>
+            </a:r>
+            <a:r>
+              <a:rPr lang="en-US" altLang="ko-KR" sz="1200" dirty="0"/>
+              <a:t> </a:t>
+            </a:r>
+            <a:r>
+              <a:rPr lang="ko-KR" altLang="en-US" sz="1200" dirty="0"/>
+              <a:t>어디 있는지 암묵적으로 명시해주기 때문에 외부에 있다면 </a:t>
+            </a:r>
+            <a:r>
+              <a:rPr lang="en-US" altLang="ko-KR" sz="1200" dirty="0"/>
+              <a:t>extern</a:t>
+            </a:r>
+            <a:r>
+              <a:rPr lang="ko-KR" altLang="en-US" sz="1200" dirty="0"/>
+              <a:t>이 암묵적으로 붙여진다</a:t>
+            </a:r>
+            <a:r>
+              <a:rPr lang="en-US" altLang="ko-KR" sz="1200" dirty="0"/>
+              <a:t>. </a:t>
+            </a:r>
+            <a:r>
+              <a:rPr lang="ko-KR" altLang="en-US" sz="1200" dirty="0"/>
+              <a:t>그렇다면 이것을 그냥 전역의 의미로서 전체적으로 찾는다고 보는게 맞는 것일까</a:t>
+            </a:r>
+            <a:r>
+              <a:rPr lang="en-US" altLang="ko-KR" sz="1200" dirty="0"/>
+              <a:t>. </a:t>
+            </a:r>
+            <a:r>
+              <a:rPr lang="ko-KR" altLang="en-US" sz="1200" dirty="0"/>
+              <a:t>만약 외부에서 먼저 함수를 찾는다고 한다면 내부에 그 함수가 </a:t>
+            </a:r>
+            <a:r>
+              <a:rPr lang="ko-KR" altLang="en-US" sz="1200" dirty="0" err="1"/>
+              <a:t>있을경우</a:t>
+            </a:r>
+            <a:r>
+              <a:rPr lang="ko-KR" altLang="en-US" sz="1200" dirty="0"/>
+              <a:t> 그만큼 시간이 낭비된다</a:t>
+            </a:r>
+            <a:r>
+              <a:rPr lang="en-US" altLang="ko-KR" sz="1200" dirty="0"/>
+              <a:t>. </a:t>
+            </a:r>
+            <a:r>
+              <a:rPr lang="ko-KR" altLang="en-US" sz="1200" dirty="0"/>
+              <a:t>따라서 함수를 </a:t>
+            </a:r>
+            <a:r>
+              <a:rPr lang="ko-KR" altLang="en-US" sz="1200" dirty="0" err="1"/>
+              <a:t>선언할때</a:t>
+            </a:r>
+            <a:r>
+              <a:rPr lang="ko-KR" altLang="en-US" sz="1200" dirty="0"/>
+              <a:t> 외부에 있다면 </a:t>
+            </a:r>
+            <a:r>
+              <a:rPr lang="en-US" altLang="ko-KR" sz="1200" dirty="0"/>
+              <a:t>extern</a:t>
+            </a:r>
+            <a:r>
+              <a:rPr lang="ko-KR" altLang="en-US" sz="1200" dirty="0"/>
+              <a:t>을 꼭 </a:t>
+            </a:r>
+            <a:r>
+              <a:rPr lang="ko-KR" altLang="en-US" sz="1200" dirty="0" err="1"/>
+              <a:t>붙여줌으로써</a:t>
+            </a:r>
+            <a:r>
+              <a:rPr lang="ko-KR" altLang="en-US" sz="1200" dirty="0"/>
+              <a:t> </a:t>
+            </a:r>
+            <a:r>
+              <a:rPr lang="ko-KR" altLang="en-US" sz="1200" dirty="0" err="1"/>
+              <a:t>확실히하자</a:t>
+            </a:r>
+            <a:r>
+              <a:rPr lang="en-US" altLang="ko-KR" sz="1200"/>
+              <a:t>.</a:t>
+            </a:r>
+            <a:endParaRPr lang="en-US" altLang="ko-KR" sz="1200" dirty="0"/>
+          </a:p>
+          <a:p>
+            <a:r>
+              <a:rPr lang="en-US" altLang="ko-KR" sz="1200" dirty="0"/>
+              <a:t>      </a:t>
             </a:r>
           </a:p>
           <a:p>
@@ -5719,6 +5954,14 @@
               <a:rPr lang="ko-KR" altLang="en-US" sz="1200" dirty="0"/>
               <a:t>해당 소스파일에서만 사용가능 </a:t>
             </a:r>
+            <a:r>
+              <a:rPr lang="en-US" altLang="ko-KR" sz="1200" dirty="0"/>
+              <a:t>, </a:t>
+            </a:r>
+            <a:r>
+              <a:rPr lang="ko-KR" altLang="en-US" sz="1200" dirty="0"/>
+              <a:t>안정성</a:t>
+            </a:r>
             <a:endParaRPr lang="en-US" altLang="ko-KR" sz="1200" dirty="0"/>
           </a:p>
           <a:p>
@@ -5735,9 +5978,69 @@
             </a:r>
             <a:r>
               <a:rPr lang="ko-KR" altLang="en-US" sz="1200" dirty="0"/>
-              <a:t>헤더같은 경우는 선언하게 된다면 </a:t>
+              <a:t>헤더같은 경우는 선언하게 된다면 헤더파일에 저장된 내용을 현재 소스코드에 그대로 가져온다</a:t>
+            </a:r>
+            <a:r>
+              <a:rPr lang="en-US" altLang="ko-KR" sz="1200" dirty="0"/>
+              <a:t>. (</a:t>
+            </a:r>
+            <a:r>
+              <a:rPr lang="ko-KR" altLang="en-US" sz="1200" dirty="0"/>
+              <a:t> 단순한 포함 </a:t>
+            </a:r>
+            <a:r>
+              <a:rPr lang="en-US" altLang="ko-KR" sz="1200" dirty="0"/>
+              <a:t>)</a:t>
+            </a:r>
+          </a:p>
+          <a:p>
+            <a:r>
+              <a:rPr lang="en-US" altLang="ko-KR" sz="1200" dirty="0"/>
+              <a:t>   &lt; &gt; : C </a:t>
+            </a:r>
+            <a:r>
+              <a:rPr lang="ko-KR" altLang="en-US" sz="1200" dirty="0"/>
+              <a:t>표준 헤더파일이 저장되어 있는 디렉터리에서 파일을 찾음</a:t>
             </a:r>
             <a:endParaRPr lang="en-US" altLang="ko-KR" sz="1200" dirty="0"/>
+          </a:p>
+          <a:p>
+            <a:r>
+              <a:rPr lang="en-US" altLang="ko-KR" sz="1200" dirty="0"/>
+              <a:t>   “  “  : </a:t>
+            </a:r>
+            <a:r>
+              <a:rPr lang="ko-KR" altLang="en-US" sz="1200" dirty="0"/>
+              <a:t>소스파일이 저장된 디렉터리에서 파일을 찾음</a:t>
+            </a:r>
+            <a:r>
+              <a:rPr lang="en-US" altLang="ko-KR" sz="1200" dirty="0"/>
+              <a:t>( </a:t>
+            </a:r>
+            <a:r>
+              <a:rPr lang="ko-KR" altLang="en-US" sz="1200" dirty="0"/>
+              <a:t>프로그래머가 정의한 헤더 </a:t>
+            </a:r>
+            <a:r>
+              <a:rPr lang="en-US" altLang="ko-KR" sz="1200" dirty="0"/>
+              <a:t>), </a:t>
+            </a:r>
+            <a:r>
+              <a:rPr lang="ko-KR" altLang="en-US" sz="1200" dirty="0"/>
+              <a:t>절대경로</a:t>
+            </a:r>
+            <a:r>
+              <a:rPr lang="en-US" altLang="ko-KR" sz="1200" dirty="0"/>
+              <a:t>,</a:t>
+            </a:r>
+            <a:r>
+              <a:rPr lang="ko-KR" altLang="en-US" sz="1200" dirty="0"/>
+              <a:t>상대경로 지정할 수 있음</a:t>
+            </a:r>
+            <a:r>
+              <a:rPr lang="en-US" altLang="ko-KR" sz="1200" dirty="0"/>
+              <a:t>.</a:t>
+            </a:r>
           </a:p>
         </p:txBody>
       </p:sp>

--- a/darknet_withC.pptx
+++ b/darknet_withC.pptx
@@ -3521,7 +3521,7 @@
         <p:spPr>
           <a:xfrm>
             <a:off x="693234" y="2149012"/>
-            <a:ext cx="4649597" cy="3482355"/>
+            <a:ext cx="4404633" cy="3298887"/>
           </a:xfrm>
           <a:prstGeom prst="rect">
             <a:avLst/>
@@ -3582,13 +3582,18 @@
         </p:nvSpPr>
         <p:spPr>
           <a:xfrm>
-            <a:off x="5751576" y="2249596"/>
+            <a:off x="5578321" y="764017"/>
             <a:ext cx="6521209" cy="2031325"/>
           </a:xfrm>
           <a:prstGeom prst="rect">
             <a:avLst/>
           </a:prstGeom>
           <a:noFill/>
+          <a:ln>
+            <a:solidFill>
+              <a:schemeClr val="accent1"/>
+            </a:solidFill>
+          </a:ln>
         </p:spPr>
         <p:txBody>
           <a:bodyPr wrap="none" rtlCol="0">
@@ -3679,6 +3684,483 @@
               <a:t> 에러를 발생</a:t>
             </a:r>
             <a:endParaRPr lang="en-US" altLang="ko-KR" dirty="0"/>
+          </a:p>
+        </p:txBody>
+      </p:sp>
+      <p:sp>
+        <p:nvSpPr>
+          <p:cNvPr id="3" name="TextBox 2">
+            <a:extLst>
+              <a:ext uri="{FF2B5EF4-FFF2-40B4-BE49-F238E27FC236}">
+                <a16:creationId xmlns:a16="http://schemas.microsoft.com/office/drawing/2014/main" id="{AC499D05-95D2-453A-94DB-A96D84013CE2}"/>
+              </a:ext>
+            </a:extLst>
+          </p:cNvPr>
+          <p:cNvSpPr txBox="1"/>
+          <p:nvPr/>
+        </p:nvSpPr>
+        <p:spPr>
+          <a:xfrm>
+            <a:off x="5160908" y="2891889"/>
+            <a:ext cx="7031092" cy="3600986"/>
+          </a:xfrm>
+          <a:prstGeom prst="rect">
+            <a:avLst/>
+          </a:prstGeom>
+          <a:noFill/>
+          <a:ln>
+            <a:solidFill>
+              <a:schemeClr val="accent1"/>
+            </a:solidFill>
+          </a:ln>
+        </p:spPr>
+        <p:txBody>
+          <a:bodyPr wrap="square" rtlCol="0">
+            <a:spAutoFit/>
+          </a:bodyPr>
+          <a:lstStyle/>
+          <a:p>
+            <a:pPr algn="l"/>
+            <a:r>
+              <a:rPr lang="ko-KR" altLang="en-US" sz="1200" dirty="0"/>
+              <a:t>컴파일 </a:t>
+            </a:r>
+            <a:r>
+              <a:rPr lang="en-US" altLang="ko-KR" sz="1200" dirty="0"/>
+              <a:t>: </a:t>
+            </a:r>
+            <a:r>
+              <a:rPr lang="ko-KR" altLang="en-US" sz="1200" dirty="0"/>
+              <a:t>고급언어를 컴퓨터가 알아들 수 있는 저급언어</a:t>
+            </a:r>
+            <a:r>
+              <a:rPr lang="en-US" altLang="ko-KR" sz="1200" dirty="0"/>
+              <a:t>(</a:t>
+            </a:r>
+            <a:r>
+              <a:rPr lang="ko-KR" altLang="en-US" sz="1200" dirty="0"/>
+              <a:t>기계어</a:t>
+            </a:r>
+            <a:r>
+              <a:rPr lang="en-US" altLang="ko-KR" sz="1200" dirty="0"/>
+              <a:t>,</a:t>
+            </a:r>
+            <a:r>
+              <a:rPr lang="ko-KR" altLang="en-US" sz="1200" dirty="0"/>
+              <a:t>바이너리</a:t>
+            </a:r>
+            <a:r>
+              <a:rPr lang="en-US" altLang="ko-KR" sz="1200" dirty="0"/>
+              <a:t>)</a:t>
+            </a:r>
+            <a:r>
+              <a:rPr lang="ko-KR" altLang="en-US" sz="1200" dirty="0"/>
+              <a:t>로 변환해 주는 과정</a:t>
+            </a:r>
+            <a:endParaRPr lang="en-US" altLang="ko-KR" sz="1200" dirty="0"/>
+          </a:p>
+          <a:p>
+            <a:pPr algn="l"/>
+            <a:r>
+              <a:rPr lang="en-US" altLang="ko-KR" sz="1200" dirty="0"/>
+              <a:t>           .c </a:t>
+            </a:r>
+            <a:r>
+              <a:rPr lang="ko-KR" altLang="en-US" sz="1200" dirty="0"/>
+              <a:t>파일 </a:t>
+            </a:r>
+            <a:r>
+              <a:rPr lang="en-US" altLang="ko-KR" sz="1200" dirty="0">
+                <a:sym typeface="Wingdings" panose="05000000000000000000" pitchFamily="2" charset="2"/>
+              </a:rPr>
+              <a:t> .obj </a:t>
+            </a:r>
+            <a:r>
+              <a:rPr lang="ko-KR" altLang="en-US" sz="1200" dirty="0">
+                <a:sym typeface="Wingdings" panose="05000000000000000000" pitchFamily="2" charset="2"/>
+              </a:rPr>
+              <a:t>파일</a:t>
+            </a:r>
+            <a:endParaRPr lang="en-US" altLang="ko-KR" sz="1200" dirty="0"/>
+          </a:p>
+          <a:p>
+            <a:pPr algn="l"/>
+            <a:r>
+              <a:rPr lang="ko-KR" altLang="en-US" sz="1200" dirty="0"/>
+              <a:t>컴파일러 </a:t>
+            </a:r>
+            <a:r>
+              <a:rPr lang="en-US" altLang="ko-KR" sz="1200" dirty="0"/>
+              <a:t>: </a:t>
+            </a:r>
+            <a:r>
+              <a:rPr lang="ko-KR" altLang="en-US" sz="1200" dirty="0"/>
+              <a:t>이러한 컴파일 과정을 진행해주는 프로그램</a:t>
+            </a:r>
+            <a:endParaRPr lang="en-US" altLang="ko-KR" sz="1200" dirty="0"/>
+          </a:p>
+          <a:p>
+            <a:pPr algn="l"/>
+            <a:r>
+              <a:rPr lang="ko-KR" altLang="en-US" sz="1200" dirty="0"/>
+              <a:t>링크 </a:t>
+            </a:r>
+            <a:r>
+              <a:rPr lang="en-US" altLang="ko-KR" sz="1200" dirty="0"/>
+              <a:t>: </a:t>
+            </a:r>
+            <a:r>
+              <a:rPr lang="ko-KR" altLang="en-US" sz="1200" dirty="0"/>
+              <a:t>실행파일을 생성하는 작업</a:t>
+            </a:r>
+            <a:r>
+              <a:rPr lang="en-US" altLang="ko-KR" sz="1200" dirty="0"/>
+              <a:t>. </a:t>
+            </a:r>
+            <a:r>
+              <a:rPr lang="ko-KR" altLang="en-US" sz="1200" dirty="0"/>
+              <a:t>컴파일로 만들어진 </a:t>
+            </a:r>
+            <a:r>
+              <a:rPr lang="en-US" altLang="ko-KR" sz="1200" dirty="0"/>
+              <a:t>obj</a:t>
+            </a:r>
+            <a:r>
+              <a:rPr lang="ko-KR" altLang="en-US" sz="1200" dirty="0"/>
+              <a:t>파일을 라이브러리와 연결시켜 </a:t>
+            </a:r>
+            <a:endParaRPr lang="en-US" altLang="ko-KR" sz="1200" dirty="0"/>
+          </a:p>
+          <a:p>
+            <a:pPr algn="l"/>
+            <a:r>
+              <a:rPr lang="en-US" altLang="ko-KR" sz="1200" dirty="0"/>
+              <a:t>         </a:t>
+            </a:r>
+            <a:r>
+              <a:rPr lang="ko-KR" altLang="en-US" sz="1200" dirty="0"/>
+              <a:t>실행 가능한 파일</a:t>
+            </a:r>
+            <a:r>
+              <a:rPr lang="en-US" altLang="ko-KR" sz="1200" dirty="0"/>
+              <a:t>(.exe)</a:t>
+            </a:r>
+            <a:r>
+              <a:rPr lang="ko-KR" altLang="en-US" sz="1200" dirty="0"/>
+              <a:t>로 만들어내는 역할을 함</a:t>
+            </a:r>
+            <a:r>
+              <a:rPr lang="en-US" altLang="ko-KR" sz="1200" dirty="0"/>
+              <a:t>.</a:t>
+            </a:r>
+          </a:p>
+          <a:p>
+            <a:r>
+              <a:rPr lang="en-US" altLang="ko-KR" sz="1200" dirty="0"/>
+              <a:t>         </a:t>
+            </a:r>
+            <a:r>
+              <a:rPr lang="ko-KR" altLang="en-US" sz="1200" dirty="0"/>
+              <a:t>더 자세한 설명 </a:t>
+            </a:r>
+            <a:r>
+              <a:rPr lang="en-US" altLang="ko-KR" sz="1200" dirty="0"/>
+              <a:t>: </a:t>
+            </a:r>
+            <a:r>
+              <a:rPr lang="en-US" altLang="ko-KR" sz="1200" dirty="0">
+                <a:hlinkClick r:id="rId3"/>
+              </a:rPr>
+              <a:t>https://kldp.org/node/71570</a:t>
+            </a:r>
+            <a:endParaRPr lang="en-US" altLang="ko-KR" sz="1200" dirty="0"/>
+          </a:p>
+          <a:p>
+            <a:r>
+              <a:rPr lang="en-US" altLang="ko-KR" sz="1200" dirty="0"/>
+              <a:t>         </a:t>
+            </a:r>
+            <a:r>
+              <a:rPr lang="ko-KR" altLang="en-US" sz="1200" dirty="0"/>
+              <a:t>요약 </a:t>
+            </a:r>
+            <a:r>
+              <a:rPr lang="en-US" altLang="ko-KR" sz="1200" dirty="0"/>
+              <a:t>: </a:t>
+            </a:r>
+            <a:r>
+              <a:rPr lang="ko-KR" altLang="en-US" sz="1200" dirty="0"/>
+              <a:t>링크는 여러 분리된 파일들을 컴파일한 각각의 결과물에서 최종적인 실행파일을 </a:t>
+            </a:r>
+            <a:endParaRPr lang="en-US" altLang="ko-KR" sz="1200" dirty="0"/>
+          </a:p>
+          <a:p>
+            <a:r>
+              <a:rPr lang="en-US" altLang="ko-KR" sz="1200" dirty="0"/>
+              <a:t>                  </a:t>
+            </a:r>
+            <a:r>
+              <a:rPr lang="ko-KR" altLang="en-US" sz="1200" dirty="0"/>
+              <a:t>만드는데 필요한 부분들을 찾아서 연결하는 것</a:t>
+            </a:r>
+            <a:r>
+              <a:rPr lang="en-US" altLang="ko-KR" sz="1200" dirty="0"/>
+              <a:t>. </a:t>
+            </a:r>
+          </a:p>
+          <a:p>
+            <a:r>
+              <a:rPr lang="en-US" altLang="ko-KR" sz="1200" dirty="0"/>
+              <a:t>         </a:t>
+            </a:r>
+            <a:r>
+              <a:rPr lang="ko-KR" altLang="en-US" sz="1200" dirty="0"/>
+              <a:t>내용 </a:t>
+            </a:r>
+            <a:r>
+              <a:rPr lang="en-US" altLang="ko-KR" sz="1200" dirty="0"/>
+              <a:t>: A</a:t>
+            </a:r>
+            <a:r>
+              <a:rPr lang="ko-KR" altLang="en-US" sz="1200" dirty="0"/>
+              <a:t>라는 파일 존재</a:t>
+            </a:r>
+            <a:r>
+              <a:rPr lang="en-US" altLang="ko-KR" sz="1200" dirty="0"/>
+              <a:t>, </a:t>
+            </a:r>
+            <a:r>
+              <a:rPr lang="ko-KR" altLang="en-US" sz="1200" dirty="0"/>
+              <a:t>안에 헤더들 선언</a:t>
+            </a:r>
+            <a:r>
+              <a:rPr lang="en-US" altLang="ko-KR" sz="1200" dirty="0"/>
+              <a:t>, </a:t>
+            </a:r>
+            <a:r>
+              <a:rPr lang="ko-KR" altLang="en-US" sz="1200" dirty="0"/>
+              <a:t>컴파일시 </a:t>
+            </a:r>
+            <a:r>
+              <a:rPr lang="en-US" altLang="ko-KR" sz="1200" dirty="0"/>
+              <a:t>obj</a:t>
+            </a:r>
+            <a:r>
+              <a:rPr lang="ko-KR" altLang="en-US" sz="1200" dirty="0"/>
+              <a:t>파일을 생성하고 선언된 헤더들의</a:t>
+            </a:r>
+            <a:endParaRPr lang="en-US" altLang="ko-KR" sz="1200" dirty="0"/>
+          </a:p>
+          <a:p>
+            <a:r>
+              <a:rPr lang="en-US" altLang="ko-KR" sz="1200" dirty="0"/>
+              <a:t>                  </a:t>
+            </a:r>
+            <a:r>
+              <a:rPr lang="ko-KR" altLang="en-US" sz="1200" dirty="0"/>
+              <a:t>내용들을 연결해주어야 하는데 이를 링크한다고 한다</a:t>
+            </a:r>
+            <a:r>
+              <a:rPr lang="en-US" altLang="ko-KR" sz="1200" dirty="0"/>
+              <a:t>. </a:t>
+            </a:r>
+            <a:r>
+              <a:rPr lang="ko-KR" altLang="en-US" sz="1200" dirty="0" err="1"/>
+              <a:t>그럴려면</a:t>
+            </a:r>
+            <a:r>
+              <a:rPr lang="ko-KR" altLang="en-US" sz="1200" dirty="0"/>
+              <a:t> 해당 헤더들이나 </a:t>
+            </a:r>
+            <a:endParaRPr lang="en-US" altLang="ko-KR" sz="1200" dirty="0"/>
+          </a:p>
+          <a:p>
+            <a:r>
+              <a:rPr lang="en-US" altLang="ko-KR" sz="1200" dirty="0"/>
+              <a:t>	 </a:t>
+            </a:r>
+            <a:r>
+              <a:rPr lang="ko-KR" altLang="en-US" sz="1200" dirty="0"/>
+              <a:t>외부 변수</a:t>
+            </a:r>
+            <a:r>
+              <a:rPr lang="en-US" altLang="ko-KR" sz="1200" dirty="0"/>
+              <a:t>,</a:t>
+            </a:r>
+            <a:r>
+              <a:rPr lang="ko-KR" altLang="en-US" sz="1200" dirty="0"/>
+              <a:t>함수들을 가지고 있는 파일을 컴파일하여 </a:t>
+            </a:r>
+            <a:r>
+              <a:rPr lang="en-US" altLang="ko-KR" sz="1200" dirty="0"/>
+              <a:t>obj</a:t>
+            </a:r>
+            <a:r>
+              <a:rPr lang="ko-KR" altLang="en-US" sz="1200" dirty="0"/>
+              <a:t>파일을 생성하거나 또는 </a:t>
+            </a:r>
+            <a:endParaRPr lang="en-US" altLang="ko-KR" sz="1200" dirty="0"/>
+          </a:p>
+          <a:p>
+            <a:r>
+              <a:rPr lang="en-US" altLang="ko-KR" sz="1200" dirty="0"/>
+              <a:t> 	 </a:t>
+            </a:r>
+            <a:r>
+              <a:rPr lang="ko-KR" altLang="en-US" sz="1200" dirty="0"/>
+              <a:t>그러한 </a:t>
+            </a:r>
+            <a:r>
+              <a:rPr lang="en-US" altLang="ko-KR" sz="1200" dirty="0"/>
+              <a:t>obj</a:t>
+            </a:r>
+            <a:r>
+              <a:rPr lang="ko-KR" altLang="en-US" sz="1200" dirty="0"/>
+              <a:t>파일들을 </a:t>
+            </a:r>
+            <a:r>
+              <a:rPr lang="ko-KR" altLang="en-US" sz="1200" dirty="0" err="1"/>
+              <a:t>모아놓은</a:t>
+            </a:r>
+            <a:r>
+              <a:rPr lang="ko-KR" altLang="en-US" sz="1200" dirty="0"/>
+              <a:t> 라이브러리를 연결하는 것을 말함</a:t>
+            </a:r>
+            <a:r>
+              <a:rPr lang="en-US" altLang="ko-KR" sz="1200" dirty="0"/>
+              <a:t>.</a:t>
+            </a:r>
+          </a:p>
+          <a:p>
+            <a:r>
+              <a:rPr lang="en-US" altLang="ko-KR" sz="1200" dirty="0"/>
+              <a:t>	</a:t>
+            </a:r>
+            <a:r>
+              <a:rPr lang="ko-KR" altLang="en-US" sz="1200" dirty="0"/>
+              <a:t> 그러나 모든 </a:t>
+            </a:r>
+            <a:r>
+              <a:rPr lang="en-US" altLang="ko-KR" sz="1200" dirty="0"/>
+              <a:t>obj</a:t>
+            </a:r>
+            <a:r>
+              <a:rPr lang="ko-KR" altLang="en-US" sz="1200" dirty="0"/>
+              <a:t>파일들을 연결해서 완전히 완성된 프로그램을 만들 수도 있지만</a:t>
+            </a:r>
+            <a:r>
+              <a:rPr lang="en-US" altLang="ko-KR" sz="1200" dirty="0"/>
+              <a:t>(</a:t>
+            </a:r>
+            <a:r>
+              <a:rPr lang="ko-KR" altLang="en-US" sz="1200" dirty="0"/>
+              <a:t>정적</a:t>
+            </a:r>
+            <a:endParaRPr lang="en-US" altLang="ko-KR" sz="1200" dirty="0"/>
+          </a:p>
+          <a:p>
+            <a:r>
+              <a:rPr lang="ko-KR" altLang="en-US" sz="1200" dirty="0"/>
+              <a:t>                  라이브러리</a:t>
+            </a:r>
+            <a:r>
+              <a:rPr lang="en-US" altLang="ko-KR" sz="1200" dirty="0"/>
+              <a:t>), </a:t>
+            </a:r>
+            <a:r>
+              <a:rPr lang="ko-KR" altLang="en-US" sz="1200" dirty="0"/>
+              <a:t>프로그램 실행되는 중간중간에 필요한 </a:t>
+            </a:r>
+            <a:r>
+              <a:rPr lang="en-US" altLang="ko-KR" sz="1200" dirty="0"/>
+              <a:t>obj</a:t>
+            </a:r>
+            <a:r>
+              <a:rPr lang="ko-KR" altLang="en-US" sz="1200" dirty="0"/>
+              <a:t>파일을 연결할 수도 있다</a:t>
+            </a:r>
+            <a:r>
+              <a:rPr lang="en-US" altLang="ko-KR" sz="1200" dirty="0"/>
+              <a:t>(</a:t>
+            </a:r>
+            <a:r>
+              <a:rPr lang="ko-KR" altLang="en-US" sz="1200" dirty="0"/>
+              <a:t>동적</a:t>
+            </a:r>
+            <a:endParaRPr lang="en-US" altLang="ko-KR" sz="1200" dirty="0"/>
+          </a:p>
+          <a:p>
+            <a:r>
+              <a:rPr lang="en-US" altLang="ko-KR" sz="1200" dirty="0"/>
+              <a:t>                  </a:t>
+            </a:r>
+            <a:r>
+              <a:rPr lang="ko-KR" altLang="en-US" sz="1200" dirty="0"/>
+              <a:t>라이브러리</a:t>
+            </a:r>
+            <a:r>
+              <a:rPr lang="en-US" altLang="ko-KR" sz="1200" dirty="0"/>
+              <a:t>).</a:t>
+            </a:r>
+          </a:p>
+          <a:p>
+            <a:pPr algn="l"/>
+            <a:r>
+              <a:rPr lang="ko-KR" altLang="en-US" sz="1200" dirty="0"/>
+              <a:t>빌드 </a:t>
+            </a:r>
+            <a:r>
+              <a:rPr lang="en-US" altLang="ko-KR" sz="1200" dirty="0"/>
+              <a:t>: </a:t>
+            </a:r>
+            <a:r>
+              <a:rPr lang="ko-KR" altLang="en-US" sz="1200" dirty="0"/>
+              <a:t>컴파일 </a:t>
+            </a:r>
+            <a:r>
+              <a:rPr lang="en-US" altLang="ko-KR" sz="1200" dirty="0"/>
+              <a:t>+ </a:t>
+            </a:r>
+            <a:r>
+              <a:rPr lang="ko-KR" altLang="en-US" sz="1200" dirty="0"/>
+              <a:t>링크</a:t>
+            </a:r>
+            <a:endParaRPr lang="en-US" altLang="ko-KR" sz="1200" dirty="0"/>
+          </a:p>
+          <a:p>
+            <a:pPr algn="l"/>
+            <a:endParaRPr lang="en-US" altLang="ko-KR" sz="1200" dirty="0"/>
+          </a:p>
+          <a:p>
+            <a:pPr algn="l"/>
+            <a:r>
+              <a:rPr lang="ko-KR" altLang="en-US" sz="1200" dirty="0"/>
+              <a:t>컴파일 과정을 거친 후에 빌드를 </a:t>
+            </a:r>
+            <a:r>
+              <a:rPr lang="ko-KR" altLang="en-US" sz="1200" dirty="0" err="1"/>
+              <a:t>하게되면</a:t>
+            </a:r>
+            <a:r>
+              <a:rPr lang="ko-KR" altLang="en-US" sz="1200" dirty="0"/>
+              <a:t> 컴파일 과정을 생략하고 생성되어 있는 </a:t>
+            </a:r>
+            <a:r>
+              <a:rPr lang="en-US" altLang="ko-KR" sz="1200" dirty="0"/>
+              <a:t>.obj </a:t>
+            </a:r>
+            <a:r>
+              <a:rPr lang="ko-KR" altLang="en-US" sz="1200" dirty="0"/>
+              <a:t>파일에 </a:t>
+            </a:r>
+            <a:endParaRPr lang="en-US" altLang="ko-KR" sz="1200" dirty="0"/>
+          </a:p>
+          <a:p>
+            <a:pPr algn="l"/>
+            <a:r>
+              <a:rPr lang="ko-KR" altLang="en-US" sz="1200" dirty="0"/>
+              <a:t>링크 과정을 수행하여 실행파일을 만든다</a:t>
+            </a:r>
           </a:p>
         </p:txBody>
       </p:sp>
@@ -5807,10 +6289,9 @@
               <a:t>확실히하자</a:t>
             </a:r>
             <a:r>
-              <a:rPr lang="en-US" altLang="ko-KR" sz="1200"/>
+              <a:rPr lang="en-US" altLang="ko-KR" sz="1200" dirty="0"/>
               <a:t>.</a:t>
             </a:r>
-            <a:endParaRPr lang="en-US" altLang="ko-KR" sz="1200" dirty="0"/>
           </a:p>
           <a:p>
             <a:r>

--- a/darknet_withC.pptx
+++ b/darknet_withC.pptx
@@ -7,11 +7,14 @@
   <p:sldIdLst>
     <p:sldId id="256" r:id="rId2"/>
     <p:sldId id="257" r:id="rId3"/>
-    <p:sldId id="265" r:id="rId4"/>
-    <p:sldId id="263" r:id="rId5"/>
-    <p:sldId id="268" r:id="rId6"/>
-    <p:sldId id="266" r:id="rId7"/>
-    <p:sldId id="267" r:id="rId8"/>
+    <p:sldId id="269" r:id="rId4"/>
+    <p:sldId id="265" r:id="rId5"/>
+    <p:sldId id="263" r:id="rId6"/>
+    <p:sldId id="268" r:id="rId7"/>
+    <p:sldId id="266" r:id="rId8"/>
+    <p:sldId id="267" r:id="rId9"/>
+    <p:sldId id="271" r:id="rId10"/>
+    <p:sldId id="270" r:id="rId11"/>
   </p:sldIdLst>
   <p:sldSz cx="12192000" cy="6858000"/>
   <p:notesSz cx="6858000" cy="9144000"/>
@@ -3451,6 +3454,111 @@
 </p:sld>
 </file>
 
+<file path=ppt/slides/slide10.xml><?xml version="1.0" encoding="utf-8"?>
+<p:sld xmlns:a="http://schemas.openxmlformats.org/drawingml/2006/main" xmlns:r="http://schemas.openxmlformats.org/officeDocument/2006/relationships" xmlns:p="http://schemas.openxmlformats.org/presentationml/2006/main">
+  <p:cSld>
+    <p:spTree>
+      <p:nvGrpSpPr>
+        <p:cNvPr id="1" name=""/>
+        <p:cNvGrpSpPr/>
+        <p:nvPr/>
+      </p:nvGrpSpPr>
+      <p:grpSpPr>
+        <a:xfrm>
+          <a:off x="0" y="0"/>
+          <a:ext cx="0" cy="0"/>
+          <a:chOff x="0" y="0"/>
+          <a:chExt cx="0" cy="0"/>
+        </a:xfrm>
+      </p:grpSpPr>
+      <p:sp>
+        <p:nvSpPr>
+          <p:cNvPr id="2" name="제목 1">
+            <a:extLst>
+              <a:ext uri="{FF2B5EF4-FFF2-40B4-BE49-F238E27FC236}">
+                <a16:creationId xmlns:a16="http://schemas.microsoft.com/office/drawing/2014/main" id="{600EF860-485B-4687-8EA6-1F5A0D2E28C9}"/>
+              </a:ext>
+            </a:extLst>
+          </p:cNvPr>
+          <p:cNvSpPr>
+            <a:spLocks noGrp="1"/>
+          </p:cNvSpPr>
+          <p:nvPr>
+            <p:ph type="title"/>
+          </p:nvPr>
+        </p:nvSpPr>
+        <p:spPr/>
+        <p:txBody>
+          <a:bodyPr/>
+          <a:lstStyle/>
+          <a:p>
+            <a:endParaRPr lang="ko-KR" altLang="en-US"/>
+          </a:p>
+        </p:txBody>
+      </p:sp>
+      <p:sp>
+        <p:nvSpPr>
+          <p:cNvPr id="3" name="내용 개체 틀 2">
+            <a:extLst>
+              <a:ext uri="{FF2B5EF4-FFF2-40B4-BE49-F238E27FC236}">
+                <a16:creationId xmlns:a16="http://schemas.microsoft.com/office/drawing/2014/main" id="{81C097E2-7ED6-4820-9A7B-85AE53D354AD}"/>
+              </a:ext>
+            </a:extLst>
+          </p:cNvPr>
+          <p:cNvSpPr>
+            <a:spLocks noGrp="1"/>
+          </p:cNvSpPr>
+          <p:nvPr>
+            <p:ph sz="half" idx="1"/>
+          </p:nvPr>
+        </p:nvSpPr>
+        <p:spPr/>
+        <p:txBody>
+          <a:bodyPr/>
+          <a:lstStyle/>
+          <a:p>
+            <a:endParaRPr lang="ko-KR" altLang="en-US"/>
+          </a:p>
+        </p:txBody>
+      </p:sp>
+      <p:sp>
+        <p:nvSpPr>
+          <p:cNvPr id="4" name="내용 개체 틀 3">
+            <a:extLst>
+              <a:ext uri="{FF2B5EF4-FFF2-40B4-BE49-F238E27FC236}">
+                <a16:creationId xmlns:a16="http://schemas.microsoft.com/office/drawing/2014/main" id="{24A5B2F1-ECC6-4B29-A9E8-4FC6D55F2E76}"/>
+              </a:ext>
+            </a:extLst>
+          </p:cNvPr>
+          <p:cNvSpPr>
+            <a:spLocks noGrp="1"/>
+          </p:cNvSpPr>
+          <p:nvPr>
+            <p:ph sz="half" idx="2"/>
+          </p:nvPr>
+        </p:nvSpPr>
+        <p:spPr/>
+        <p:txBody>
+          <a:bodyPr/>
+          <a:lstStyle/>
+          <a:p>
+            <a:endParaRPr lang="ko-KR" altLang="en-US"/>
+          </a:p>
+        </p:txBody>
+      </p:sp>
+    </p:spTree>
+    <p:extLst>
+      <p:ext uri="{BB962C8B-B14F-4D97-AF65-F5344CB8AC3E}">
+        <p14:creationId xmlns:p14="http://schemas.microsoft.com/office/powerpoint/2010/main" val="1999493546"/>
+      </p:ext>
+    </p:extLst>
+  </p:cSld>
+  <p:clrMapOvr>
+    <a:masterClrMapping/>
+  </p:clrMapOvr>
+</p:sld>
+</file>
+
 <file path=ppt/slides/slide2.xml><?xml version="1.0" encoding="utf-8"?>
 <p:sld xmlns:a="http://schemas.openxmlformats.org/drawingml/2006/main" xmlns:r="http://schemas.openxmlformats.org/officeDocument/2006/relationships" xmlns:p="http://schemas.openxmlformats.org/presentationml/2006/main">
   <p:cSld>
@@ -4178,6 +4286,99 @@
 </file>
 
 <file path=ppt/slides/slide3.xml><?xml version="1.0" encoding="utf-8"?>
+<p:sld xmlns:a="http://schemas.openxmlformats.org/drawingml/2006/main" xmlns:r="http://schemas.openxmlformats.org/officeDocument/2006/relationships" xmlns:p="http://schemas.openxmlformats.org/presentationml/2006/main">
+  <p:cSld>
+    <p:spTree>
+      <p:nvGrpSpPr>
+        <p:cNvPr id="1" name=""/>
+        <p:cNvGrpSpPr/>
+        <p:nvPr/>
+      </p:nvGrpSpPr>
+      <p:grpSpPr>
+        <a:xfrm>
+          <a:off x="0" y="0"/>
+          <a:ext cx="0" cy="0"/>
+          <a:chOff x="0" y="0"/>
+          <a:chExt cx="0" cy="0"/>
+        </a:xfrm>
+      </p:grpSpPr>
+      <p:pic>
+        <p:nvPicPr>
+          <p:cNvPr id="4" name="그림 3">
+            <a:extLst>
+              <a:ext uri="{FF2B5EF4-FFF2-40B4-BE49-F238E27FC236}">
+                <a16:creationId xmlns:a16="http://schemas.microsoft.com/office/drawing/2014/main" id="{E05FBAB4-907A-4887-A9CD-E130F50E6A74}"/>
+              </a:ext>
+            </a:extLst>
+          </p:cNvPr>
+          <p:cNvPicPr>
+            <a:picLocks noChangeAspect="1"/>
+          </p:cNvPicPr>
+          <p:nvPr/>
+        </p:nvPicPr>
+        <p:blipFill>
+          <a:blip r:embed="rId2"/>
+          <a:stretch>
+            <a:fillRect/>
+          </a:stretch>
+        </p:blipFill>
+        <p:spPr>
+          <a:xfrm>
+            <a:off x="4956037" y="0"/>
+            <a:ext cx="5514016" cy="6858000"/>
+          </a:xfrm>
+          <a:prstGeom prst="rect">
+            <a:avLst/>
+          </a:prstGeom>
+        </p:spPr>
+      </p:pic>
+      <p:sp>
+        <p:nvSpPr>
+          <p:cNvPr id="5" name="제목 1">
+            <a:extLst>
+              <a:ext uri="{FF2B5EF4-FFF2-40B4-BE49-F238E27FC236}">
+                <a16:creationId xmlns:a16="http://schemas.microsoft.com/office/drawing/2014/main" id="{ECF9057B-5035-4BA3-ADD9-4471C79EC9CC}"/>
+              </a:ext>
+            </a:extLst>
+          </p:cNvPr>
+          <p:cNvSpPr>
+            <a:spLocks noGrp="1"/>
+          </p:cNvSpPr>
+          <p:nvPr>
+            <p:ph type="title"/>
+          </p:nvPr>
+        </p:nvSpPr>
+        <p:spPr>
+          <a:xfrm>
+            <a:off x="838200" y="365125"/>
+            <a:ext cx="10515600" cy="1325563"/>
+          </a:xfrm>
+        </p:spPr>
+        <p:txBody>
+          <a:bodyPr/>
+          <a:lstStyle/>
+          <a:p>
+            <a:r>
+              <a:rPr lang="ko-KR" altLang="en-US" dirty="0"/>
+              <a:t>동작과정</a:t>
+            </a:r>
+          </a:p>
+        </p:txBody>
+      </p:sp>
+    </p:spTree>
+    <p:extLst>
+      <p:ext uri="{BB962C8B-B14F-4D97-AF65-F5344CB8AC3E}">
+        <p14:creationId xmlns:p14="http://schemas.microsoft.com/office/powerpoint/2010/main" val="635022658"/>
+      </p:ext>
+    </p:extLst>
+  </p:cSld>
+  <p:clrMapOvr>
+    <a:masterClrMapping/>
+  </p:clrMapOvr>
+</p:sld>
+</file>
+
+<file path=ppt/slides/slide4.xml><?xml version="1.0" encoding="utf-8"?>
 <p:sld xmlns:a="http://schemas.openxmlformats.org/drawingml/2006/main" xmlns:r="http://schemas.openxmlformats.org/officeDocument/2006/relationships" xmlns:p="http://schemas.openxmlformats.org/presentationml/2006/main">
   <p:cSld>
     <p:spTree>
@@ -4517,7 +4718,7 @@
 </p:sld>
 </file>
 
-<file path=ppt/slides/slide4.xml><?xml version="1.0" encoding="utf-8"?>
+<file path=ppt/slides/slide5.xml><?xml version="1.0" encoding="utf-8"?>
 <p:sld xmlns:a="http://schemas.openxmlformats.org/drawingml/2006/main" xmlns:r="http://schemas.openxmlformats.org/officeDocument/2006/relationships" xmlns:p="http://schemas.openxmlformats.org/presentationml/2006/main">
   <p:cSld>
     <p:spTree>
@@ -5904,640 +6105,6 @@
 </p:sld>
 </file>
 
-<file path=ppt/slides/slide5.xml><?xml version="1.0" encoding="utf-8"?>
-<p:sld xmlns:a="http://schemas.openxmlformats.org/drawingml/2006/main" xmlns:r="http://schemas.openxmlformats.org/officeDocument/2006/relationships" xmlns:p="http://schemas.openxmlformats.org/presentationml/2006/main">
-  <p:cSld>
-    <p:spTree>
-      <p:nvGrpSpPr>
-        <p:cNvPr id="1" name=""/>
-        <p:cNvGrpSpPr/>
-        <p:nvPr/>
-      </p:nvGrpSpPr>
-      <p:grpSpPr>
-        <a:xfrm>
-          <a:off x="0" y="0"/>
-          <a:ext cx="0" cy="0"/>
-          <a:chOff x="0" y="0"/>
-          <a:chExt cx="0" cy="0"/>
-        </a:xfrm>
-      </p:grpSpPr>
-      <p:sp>
-        <p:nvSpPr>
-          <p:cNvPr id="4" name="TextBox 3">
-            <a:extLst>
-              <a:ext uri="{FF2B5EF4-FFF2-40B4-BE49-F238E27FC236}">
-                <a16:creationId xmlns:a16="http://schemas.microsoft.com/office/drawing/2014/main" id="{AB4D1623-9F68-4796-9155-31552D4EFBF1}"/>
-              </a:ext>
-            </a:extLst>
-          </p:cNvPr>
-          <p:cNvSpPr txBox="1"/>
-          <p:nvPr/>
-        </p:nvSpPr>
-        <p:spPr>
-          <a:xfrm>
-            <a:off x="969264" y="374904"/>
-            <a:ext cx="5315109" cy="369332"/>
-          </a:xfrm>
-          <a:prstGeom prst="rect">
-            <a:avLst/>
-          </a:prstGeom>
-          <a:noFill/>
-        </p:spPr>
-        <p:txBody>
-          <a:bodyPr wrap="none" rtlCol="0">
-            <a:spAutoFit/>
-          </a:bodyPr>
-          <a:lstStyle/>
-          <a:p>
-            <a:r>
-              <a:rPr lang="en-US" altLang="ko-KR" dirty="0"/>
-              <a:t>extern vs head </a:t>
-            </a:r>
-            <a:r>
-              <a:rPr lang="en-US" altLang="ko-KR" dirty="0">
-                <a:sym typeface="Wingdings" panose="05000000000000000000" pitchFamily="2" charset="2"/>
-              </a:rPr>
-              <a:t> </a:t>
-            </a:r>
-            <a:r>
-              <a:rPr lang="ko-KR" altLang="en-US" dirty="0">
-                <a:sym typeface="Wingdings" panose="05000000000000000000" pitchFamily="2" charset="2"/>
-              </a:rPr>
-              <a:t>둘의 차이와 언제 사용 하는가</a:t>
-            </a:r>
-            <a:r>
-              <a:rPr lang="en-US" altLang="ko-KR" dirty="0">
-                <a:sym typeface="Wingdings" panose="05000000000000000000" pitchFamily="2" charset="2"/>
-              </a:rPr>
-              <a:t>?</a:t>
-            </a:r>
-            <a:endParaRPr lang="ko-KR" altLang="en-US" dirty="0"/>
-          </a:p>
-        </p:txBody>
-      </p:sp>
-      <p:sp>
-        <p:nvSpPr>
-          <p:cNvPr id="2" name="TextBox 1">
-            <a:extLst>
-              <a:ext uri="{FF2B5EF4-FFF2-40B4-BE49-F238E27FC236}">
-                <a16:creationId xmlns:a16="http://schemas.microsoft.com/office/drawing/2014/main" id="{3D5C5BB2-BD50-4810-8500-D11A8B719821}"/>
-              </a:ext>
-            </a:extLst>
-          </p:cNvPr>
-          <p:cNvSpPr txBox="1"/>
-          <p:nvPr/>
-        </p:nvSpPr>
-        <p:spPr>
-          <a:xfrm>
-            <a:off x="636755" y="1335974"/>
-            <a:ext cx="10817308" cy="4339650"/>
-          </a:xfrm>
-          <a:prstGeom prst="rect">
-            <a:avLst/>
-          </a:prstGeom>
-          <a:noFill/>
-        </p:spPr>
-        <p:txBody>
-          <a:bodyPr wrap="square" rtlCol="0">
-            <a:spAutoFit/>
-          </a:bodyPr>
-          <a:lstStyle/>
-          <a:p>
-            <a:r>
-              <a:rPr lang="en-US" altLang="ko-KR" sz="1200" dirty="0"/>
-              <a:t>extern </a:t>
-            </a:r>
-            <a:r>
-              <a:rPr lang="ko-KR" altLang="en-US" sz="1200" dirty="0"/>
-              <a:t>변수</a:t>
-            </a:r>
-            <a:r>
-              <a:rPr lang="en-US" altLang="ko-KR" sz="1200" dirty="0"/>
-              <a:t>or</a:t>
-            </a:r>
-            <a:r>
-              <a:rPr lang="ko-KR" altLang="en-US" sz="1200" dirty="0"/>
-              <a:t>함수 </a:t>
-            </a:r>
-            <a:r>
-              <a:rPr lang="en-US" altLang="ko-KR" sz="1200" dirty="0">
-                <a:sym typeface="Wingdings" panose="05000000000000000000" pitchFamily="2" charset="2"/>
-              </a:rPr>
-              <a:t> </a:t>
-            </a:r>
-            <a:r>
-              <a:rPr lang="ko-KR" altLang="en-US" sz="1200" dirty="0">
-                <a:sym typeface="Wingdings" panose="05000000000000000000" pitchFamily="2" charset="2"/>
-              </a:rPr>
-              <a:t>전역의 뜻을 나타냄</a:t>
-            </a:r>
-            <a:endParaRPr lang="en-US" altLang="ko-KR" sz="1200" dirty="0"/>
-          </a:p>
-          <a:p>
-            <a:pPr marL="171450" indent="-171450">
-              <a:buFontTx/>
-              <a:buChar char="-"/>
-            </a:pPr>
-            <a:r>
-              <a:rPr lang="ko-KR" altLang="en-US" sz="1200" dirty="0"/>
-              <a:t>전역 변수</a:t>
-            </a:r>
-            <a:r>
-              <a:rPr lang="en-US" altLang="ko-KR" sz="1200" dirty="0"/>
-              <a:t>or</a:t>
-            </a:r>
-            <a:r>
-              <a:rPr lang="ko-KR" altLang="en-US" sz="1200" dirty="0"/>
-              <a:t>함수가 파일 외부에 있다는 것을 표시함</a:t>
-            </a:r>
-            <a:r>
-              <a:rPr lang="en-US" altLang="ko-KR" sz="1200" dirty="0"/>
-              <a:t>.</a:t>
-            </a:r>
-          </a:p>
-          <a:p>
-            <a:pPr marL="171450" indent="-171450">
-              <a:buFontTx/>
-              <a:buChar char="-"/>
-            </a:pPr>
-            <a:r>
-              <a:rPr lang="ko-KR" altLang="en-US" sz="1200" dirty="0"/>
-              <a:t>전역 변수</a:t>
-            </a:r>
-            <a:r>
-              <a:rPr lang="en-US" altLang="ko-KR" sz="1200" dirty="0"/>
-              <a:t>or</a:t>
-            </a:r>
-            <a:r>
-              <a:rPr lang="ko-KR" altLang="en-US" sz="1200" dirty="0"/>
-              <a:t>함수 자체를 선언하지는 않는다</a:t>
-            </a:r>
-            <a:r>
-              <a:rPr lang="en-US" altLang="ko-KR" sz="1200" dirty="0"/>
-              <a:t>. </a:t>
-            </a:r>
-          </a:p>
-          <a:p>
-            <a:r>
-              <a:rPr lang="en-US" altLang="ko-KR" sz="1200" dirty="0"/>
-              <a:t> ex) extern int num; extern void fun(); / int num; void fun(); &lt;&lt; extern </a:t>
-            </a:r>
-            <a:r>
-              <a:rPr lang="ko-KR" altLang="en-US" sz="1200" dirty="0"/>
-              <a:t>생략해도 외부에 정의 되어 있다고 컴파일러에게 전달</a:t>
-            </a:r>
-            <a:r>
-              <a:rPr lang="en-US" altLang="ko-KR" sz="1200" dirty="0"/>
-              <a:t>, </a:t>
-            </a:r>
-            <a:r>
-              <a:rPr lang="ko-KR" altLang="en-US" sz="1200" dirty="0"/>
-              <a:t>변수는 생략이 안되지만 함수는 가능하다</a:t>
-            </a:r>
-            <a:r>
-              <a:rPr lang="en-US" altLang="ko-KR" sz="1200" dirty="0"/>
-              <a:t>. </a:t>
-            </a:r>
-            <a:r>
-              <a:rPr lang="ko-KR" altLang="en-US" sz="1200" dirty="0"/>
-              <a:t>또한 </a:t>
-            </a:r>
-            <a:r>
-              <a:rPr lang="en-US" altLang="ko-KR" sz="1200" dirty="0"/>
-              <a:t>extern</a:t>
-            </a:r>
-            <a:r>
-              <a:rPr lang="ko-KR" altLang="en-US" sz="1200" dirty="0"/>
-              <a:t>은 전역의 뜻을 가지고 있으므로 전체적으로 해당 함수</a:t>
-            </a:r>
-            <a:r>
-              <a:rPr lang="en-US" altLang="ko-KR" sz="1200" dirty="0"/>
-              <a:t>or</a:t>
-            </a:r>
-            <a:r>
-              <a:rPr lang="ko-KR" altLang="en-US" sz="1200" dirty="0"/>
-              <a:t>변수를 컴파일 과정에서 찾는다</a:t>
-            </a:r>
-            <a:r>
-              <a:rPr lang="en-US" altLang="ko-KR" sz="1200" dirty="0"/>
-              <a:t>.</a:t>
-            </a:r>
-          </a:p>
-          <a:p>
-            <a:r>
-              <a:rPr lang="en-US" altLang="ko-KR" sz="1200" dirty="0"/>
-              <a:t> Q) extern</a:t>
-            </a:r>
-            <a:r>
-              <a:rPr lang="ko-KR" altLang="en-US" sz="1200" dirty="0"/>
-              <a:t> </a:t>
-            </a:r>
-            <a:r>
-              <a:rPr lang="en-US" altLang="ko-KR" sz="1200" dirty="0"/>
-              <a:t>void</a:t>
-            </a:r>
-            <a:r>
-              <a:rPr lang="ko-KR" altLang="en-US" sz="1200" dirty="0"/>
-              <a:t> </a:t>
-            </a:r>
-            <a:r>
-              <a:rPr lang="en-US" altLang="ko-KR" sz="1200" dirty="0" err="1"/>
-              <a:t>func</a:t>
-            </a:r>
-            <a:r>
-              <a:rPr lang="en-US" altLang="ko-KR" sz="1200" dirty="0"/>
-              <a:t>()</a:t>
-            </a:r>
-            <a:r>
-              <a:rPr lang="ko-KR" altLang="en-US" sz="1200" dirty="0"/>
-              <a:t> </a:t>
-            </a:r>
-            <a:r>
-              <a:rPr lang="en-US" altLang="ko-KR" sz="1200" dirty="0"/>
-              <a:t>=</a:t>
-            </a:r>
-            <a:r>
-              <a:rPr lang="ko-KR" altLang="en-US" sz="1200" dirty="0"/>
-              <a:t> </a:t>
-            </a:r>
-            <a:r>
-              <a:rPr lang="en-US" altLang="ko-KR" sz="1200" dirty="0"/>
-              <a:t>void</a:t>
-            </a:r>
-            <a:r>
-              <a:rPr lang="ko-KR" altLang="en-US" sz="1200" dirty="0"/>
-              <a:t> </a:t>
-            </a:r>
-            <a:r>
-              <a:rPr lang="en-US" altLang="ko-KR" sz="1200" dirty="0" err="1"/>
-              <a:t>func</a:t>
-            </a:r>
-            <a:r>
-              <a:rPr lang="en-US" altLang="ko-KR" sz="1200" dirty="0"/>
-              <a:t>()</a:t>
-            </a:r>
-            <a:r>
-              <a:rPr lang="ko-KR" altLang="en-US" sz="1200" dirty="0"/>
-              <a:t> 로 생략이 가능한데 이는 내부적으로 함수를 </a:t>
-            </a:r>
-            <a:r>
-              <a:rPr lang="ko-KR" altLang="en-US" sz="1200" dirty="0" err="1"/>
-              <a:t>선언할때와</a:t>
-            </a:r>
-            <a:r>
-              <a:rPr lang="ko-KR" altLang="en-US" sz="1200" dirty="0"/>
-              <a:t> 비슷하다</a:t>
-            </a:r>
-            <a:r>
-              <a:rPr lang="en-US" altLang="ko-KR" sz="1200" dirty="0"/>
-              <a:t>. </a:t>
-            </a:r>
-            <a:r>
-              <a:rPr lang="ko-KR" altLang="en-US" sz="1200" dirty="0"/>
-              <a:t>그러나 생략하여도 컴파일 과정에서 </a:t>
-            </a:r>
-            <a:r>
-              <a:rPr lang="en-US" altLang="ko-KR" sz="1200" dirty="0"/>
-              <a:t>void </a:t>
-            </a:r>
-            <a:r>
-              <a:rPr lang="en-US" altLang="ko-KR" sz="1200" dirty="0" err="1"/>
-              <a:t>func</a:t>
-            </a:r>
-            <a:r>
-              <a:rPr lang="en-US" altLang="ko-KR" sz="1200" dirty="0"/>
-              <a:t>()</a:t>
-            </a:r>
-            <a:r>
-              <a:rPr lang="ko-KR" altLang="en-US" sz="1200" dirty="0"/>
-              <a:t>가</a:t>
-            </a:r>
-            <a:r>
-              <a:rPr lang="en-US" altLang="ko-KR" sz="1200" dirty="0"/>
-              <a:t> </a:t>
-            </a:r>
-            <a:r>
-              <a:rPr lang="ko-KR" altLang="en-US" sz="1200" dirty="0"/>
-              <a:t>어디 있는지 암묵적으로 명시해주기 때문에 외부에 있다면 </a:t>
-            </a:r>
-            <a:r>
-              <a:rPr lang="en-US" altLang="ko-KR" sz="1200" dirty="0"/>
-              <a:t>extern</a:t>
-            </a:r>
-            <a:r>
-              <a:rPr lang="ko-KR" altLang="en-US" sz="1200" dirty="0"/>
-              <a:t>이 암묵적으로 붙여진다</a:t>
-            </a:r>
-            <a:r>
-              <a:rPr lang="en-US" altLang="ko-KR" sz="1200" dirty="0"/>
-              <a:t>. </a:t>
-            </a:r>
-            <a:r>
-              <a:rPr lang="ko-KR" altLang="en-US" sz="1200" dirty="0"/>
-              <a:t>그렇다면 이것을 그냥 전역의 의미로서 전체적으로 찾는다고 보는게 맞는 것일까</a:t>
-            </a:r>
-            <a:r>
-              <a:rPr lang="en-US" altLang="ko-KR" sz="1200" dirty="0"/>
-              <a:t>. </a:t>
-            </a:r>
-            <a:r>
-              <a:rPr lang="ko-KR" altLang="en-US" sz="1200" dirty="0"/>
-              <a:t>만약 외부에서 먼저 함수를 찾는다고 한다면 내부에 그 함수가 </a:t>
-            </a:r>
-            <a:r>
-              <a:rPr lang="ko-KR" altLang="en-US" sz="1200" dirty="0" err="1"/>
-              <a:t>있을경우</a:t>
-            </a:r>
-            <a:r>
-              <a:rPr lang="ko-KR" altLang="en-US" sz="1200" dirty="0"/>
-              <a:t> 그만큼 시간이 낭비된다</a:t>
-            </a:r>
-            <a:r>
-              <a:rPr lang="en-US" altLang="ko-KR" sz="1200" dirty="0"/>
-              <a:t>. </a:t>
-            </a:r>
-            <a:r>
-              <a:rPr lang="ko-KR" altLang="en-US" sz="1200" dirty="0"/>
-              <a:t>따라서 함수를 </a:t>
-            </a:r>
-            <a:r>
-              <a:rPr lang="ko-KR" altLang="en-US" sz="1200" dirty="0" err="1"/>
-              <a:t>선언할때</a:t>
-            </a:r>
-            <a:r>
-              <a:rPr lang="ko-KR" altLang="en-US" sz="1200" dirty="0"/>
-              <a:t> 외부에 있다면 </a:t>
-            </a:r>
-            <a:r>
-              <a:rPr lang="en-US" altLang="ko-KR" sz="1200" dirty="0"/>
-              <a:t>extern</a:t>
-            </a:r>
-            <a:r>
-              <a:rPr lang="ko-KR" altLang="en-US" sz="1200" dirty="0"/>
-              <a:t>을 꼭 </a:t>
-            </a:r>
-            <a:r>
-              <a:rPr lang="ko-KR" altLang="en-US" sz="1200" dirty="0" err="1"/>
-              <a:t>붙여줌으로써</a:t>
-            </a:r>
-            <a:r>
-              <a:rPr lang="ko-KR" altLang="en-US" sz="1200" dirty="0"/>
-              <a:t> </a:t>
-            </a:r>
-            <a:r>
-              <a:rPr lang="ko-KR" altLang="en-US" sz="1200" dirty="0" err="1"/>
-              <a:t>확실히하자</a:t>
-            </a:r>
-            <a:r>
-              <a:rPr lang="en-US" altLang="ko-KR" sz="1200" dirty="0"/>
-              <a:t>.</a:t>
-            </a:r>
-          </a:p>
-          <a:p>
-            <a:r>
-              <a:rPr lang="en-US" altLang="ko-KR" sz="1200" dirty="0"/>
-              <a:t>      </a:t>
-            </a:r>
-          </a:p>
-          <a:p>
-            <a:pPr marL="171450" indent="-171450">
-              <a:buFontTx/>
-              <a:buChar char="-"/>
-            </a:pPr>
-            <a:endParaRPr lang="en-US" altLang="ko-KR" sz="1200" dirty="0"/>
-          </a:p>
-          <a:p>
-            <a:r>
-              <a:rPr lang="en-US" altLang="ko-KR" sz="1200" dirty="0" err="1"/>
-              <a:t>cf</a:t>
-            </a:r>
-            <a:r>
-              <a:rPr lang="en-US" altLang="ko-KR" sz="1200" dirty="0"/>
-              <a:t>) </a:t>
-            </a:r>
-            <a:r>
-              <a:rPr lang="ko-KR" altLang="en-US" sz="1200" dirty="0"/>
-              <a:t>전역변수는 </a:t>
-            </a:r>
-            <a:r>
-              <a:rPr lang="ko-KR" altLang="en-US" sz="1200" dirty="0" err="1"/>
-              <a:t>선언시</a:t>
-            </a:r>
-            <a:r>
-              <a:rPr lang="ko-KR" altLang="en-US" sz="1200" dirty="0"/>
-              <a:t> 소스코드의 모든 곳에서 접근 가능하다</a:t>
-            </a:r>
-            <a:r>
-              <a:rPr lang="en-US" altLang="ko-KR" sz="1200" dirty="0"/>
-              <a:t>.</a:t>
-            </a:r>
-          </a:p>
-          <a:p>
-            <a:pPr marL="171450" indent="-171450">
-              <a:buFontTx/>
-              <a:buChar char="-"/>
-            </a:pPr>
-            <a:r>
-              <a:rPr lang="ko-KR" altLang="en-US" sz="1200" dirty="0"/>
-              <a:t>전역변수는 프로그램이 </a:t>
-            </a:r>
-            <a:r>
-              <a:rPr lang="ko-KR" altLang="en-US" sz="1200" dirty="0" err="1"/>
-              <a:t>복잡해질수록</a:t>
-            </a:r>
-            <a:r>
-              <a:rPr lang="ko-KR" altLang="en-US" sz="1200" dirty="0"/>
-              <a:t> 사용을 자제하는 것이 좋다</a:t>
-            </a:r>
-            <a:r>
-              <a:rPr lang="en-US" altLang="ko-KR" sz="1200" dirty="0"/>
-              <a:t>. </a:t>
-            </a:r>
-          </a:p>
-          <a:p>
-            <a:pPr marL="171450" indent="-171450">
-              <a:buFontTx/>
-              <a:buChar char="-"/>
-            </a:pPr>
-            <a:r>
-              <a:rPr lang="ko-KR" altLang="en-US" sz="1200" dirty="0"/>
-              <a:t>어느 곳에서 전역변수를 바꾸었는지 알기 어려워 유지보수가 어렵기 때문이다</a:t>
-            </a:r>
-            <a:r>
-              <a:rPr lang="en-US" altLang="ko-KR" sz="1200" dirty="0"/>
-              <a:t>. </a:t>
-            </a:r>
-          </a:p>
-          <a:p>
-            <a:pPr marL="171450" indent="-171450">
-              <a:buFontTx/>
-              <a:buChar char="-"/>
-            </a:pPr>
-            <a:r>
-              <a:rPr lang="ko-KR" altLang="en-US" sz="1200" dirty="0"/>
-              <a:t>지역변수와 전역변수가 이름이 같을 경우에는 지역변수가 우선</a:t>
-            </a:r>
-            <a:r>
-              <a:rPr lang="en-US" altLang="ko-KR" sz="1200" dirty="0"/>
-              <a:t>. </a:t>
-            </a:r>
-          </a:p>
-          <a:p>
-            <a:pPr marL="171450" indent="-171450">
-              <a:buFontTx/>
-              <a:buChar char="-"/>
-            </a:pPr>
-            <a:r>
-              <a:rPr lang="en-US" altLang="ko-KR" sz="1200" dirty="0"/>
-              <a:t>default </a:t>
-            </a:r>
-            <a:r>
-              <a:rPr lang="ko-KR" altLang="en-US" sz="1200" dirty="0"/>
-              <a:t>값이 </a:t>
-            </a:r>
-            <a:r>
-              <a:rPr lang="en-US" altLang="ko-KR" sz="1200" dirty="0"/>
-              <a:t>0 </a:t>
-            </a:r>
-          </a:p>
-          <a:p>
-            <a:endParaRPr lang="en-US" altLang="ko-KR" sz="1200" dirty="0"/>
-          </a:p>
-          <a:p>
-            <a:r>
-              <a:rPr lang="en-US" altLang="ko-KR" sz="1200" dirty="0" err="1"/>
-              <a:t>cf</a:t>
-            </a:r>
-            <a:r>
-              <a:rPr lang="en-US" altLang="ko-KR" sz="1200" dirty="0"/>
-              <a:t>)</a:t>
-            </a:r>
-            <a:r>
-              <a:rPr lang="ko-KR" altLang="en-US" sz="1200" dirty="0"/>
-              <a:t> </a:t>
-            </a:r>
-            <a:r>
-              <a:rPr lang="en-US" altLang="ko-KR" sz="1200" dirty="0"/>
-              <a:t>static </a:t>
-            </a:r>
-            <a:r>
-              <a:rPr lang="ko-KR" altLang="en-US" sz="1200" dirty="0"/>
-              <a:t>전역변수</a:t>
-            </a:r>
-            <a:endParaRPr lang="en-US" altLang="ko-KR" sz="1200" dirty="0"/>
-          </a:p>
-          <a:p>
-            <a:pPr marL="171450" indent="-171450">
-              <a:buFontTx/>
-              <a:buChar char="-"/>
-            </a:pPr>
-            <a:r>
-              <a:rPr lang="ko-KR" altLang="en-US" sz="1200" dirty="0"/>
-              <a:t>해당 소스파일에서만 사용가능 </a:t>
-            </a:r>
-            <a:r>
-              <a:rPr lang="en-US" altLang="ko-KR" sz="1200" dirty="0"/>
-              <a:t>, </a:t>
-            </a:r>
-            <a:r>
-              <a:rPr lang="ko-KR" altLang="en-US" sz="1200" dirty="0"/>
-              <a:t>안정성</a:t>
-            </a:r>
-            <a:endParaRPr lang="en-US" altLang="ko-KR" sz="1200" dirty="0"/>
-          </a:p>
-          <a:p>
-            <a:pPr marL="171450" indent="-171450">
-              <a:buFontTx/>
-              <a:buChar char="-"/>
-            </a:pPr>
-            <a:endParaRPr lang="en-US" altLang="ko-KR" sz="1200" dirty="0"/>
-          </a:p>
-          <a:p>
-            <a:r>
-              <a:rPr lang="en-US" altLang="ko-KR" sz="1200" dirty="0"/>
-              <a:t>Q) </a:t>
-            </a:r>
-            <a:r>
-              <a:rPr lang="ko-KR" altLang="en-US" sz="1200" dirty="0"/>
-              <a:t>헤더같은 경우는 선언하게 된다면 헤더파일에 저장된 내용을 현재 소스코드에 그대로 가져온다</a:t>
-            </a:r>
-            <a:r>
-              <a:rPr lang="en-US" altLang="ko-KR" sz="1200" dirty="0"/>
-              <a:t>. (</a:t>
-            </a:r>
-            <a:r>
-              <a:rPr lang="ko-KR" altLang="en-US" sz="1200" dirty="0"/>
-              <a:t> 단순한 포함 </a:t>
-            </a:r>
-            <a:r>
-              <a:rPr lang="en-US" altLang="ko-KR" sz="1200" dirty="0"/>
-              <a:t>)</a:t>
-            </a:r>
-          </a:p>
-          <a:p>
-            <a:r>
-              <a:rPr lang="en-US" altLang="ko-KR" sz="1200" dirty="0"/>
-              <a:t>   &lt; &gt; : C </a:t>
-            </a:r>
-            <a:r>
-              <a:rPr lang="ko-KR" altLang="en-US" sz="1200" dirty="0"/>
-              <a:t>표준 헤더파일이 저장되어 있는 디렉터리에서 파일을 찾음</a:t>
-            </a:r>
-            <a:endParaRPr lang="en-US" altLang="ko-KR" sz="1200" dirty="0"/>
-          </a:p>
-          <a:p>
-            <a:r>
-              <a:rPr lang="en-US" altLang="ko-KR" sz="1200" dirty="0"/>
-              <a:t>   “  “  : </a:t>
-            </a:r>
-            <a:r>
-              <a:rPr lang="ko-KR" altLang="en-US" sz="1200" dirty="0"/>
-              <a:t>소스파일이 저장된 디렉터리에서 파일을 찾음</a:t>
-            </a:r>
-            <a:r>
-              <a:rPr lang="en-US" altLang="ko-KR" sz="1200" dirty="0"/>
-              <a:t>( </a:t>
-            </a:r>
-            <a:r>
-              <a:rPr lang="ko-KR" altLang="en-US" sz="1200" dirty="0"/>
-              <a:t>프로그래머가 정의한 헤더 </a:t>
-            </a:r>
-            <a:r>
-              <a:rPr lang="en-US" altLang="ko-KR" sz="1200" dirty="0"/>
-              <a:t>), </a:t>
-            </a:r>
-            <a:r>
-              <a:rPr lang="ko-KR" altLang="en-US" sz="1200" dirty="0"/>
-              <a:t>절대경로</a:t>
-            </a:r>
-            <a:r>
-              <a:rPr lang="en-US" altLang="ko-KR" sz="1200" dirty="0"/>
-              <a:t>,</a:t>
-            </a:r>
-            <a:r>
-              <a:rPr lang="ko-KR" altLang="en-US" sz="1200" dirty="0"/>
-              <a:t>상대경로 지정할 수 있음</a:t>
-            </a:r>
-            <a:r>
-              <a:rPr lang="en-US" altLang="ko-KR" sz="1200" dirty="0"/>
-              <a:t>.</a:t>
-            </a:r>
-          </a:p>
-        </p:txBody>
-      </p:sp>
-    </p:spTree>
-    <p:extLst>
-      <p:ext uri="{BB962C8B-B14F-4D97-AF65-F5344CB8AC3E}">
-        <p14:creationId xmlns:p14="http://schemas.microsoft.com/office/powerpoint/2010/main" val="3544829315"/>
-      </p:ext>
-    </p:extLst>
-  </p:cSld>
-  <p:clrMapOvr>
-    <a:masterClrMapping/>
-  </p:clrMapOvr>
-</p:sld>
-</file>
-
 <file path=ppt/slides/slide6.xml><?xml version="1.0" encoding="utf-8"?>
 <p:sld xmlns:a="http://schemas.openxmlformats.org/drawingml/2006/main" xmlns:r="http://schemas.openxmlformats.org/officeDocument/2006/relationships" xmlns:p="http://schemas.openxmlformats.org/presentationml/2006/main">
   <p:cSld>
@@ -6557,155 +6124,612 @@
       </p:grpSpPr>
       <p:sp>
         <p:nvSpPr>
-          <p:cNvPr id="2" name="제목 1">
-            <a:extLst>
-              <a:ext uri="{FF2B5EF4-FFF2-40B4-BE49-F238E27FC236}">
-                <a16:creationId xmlns:a16="http://schemas.microsoft.com/office/drawing/2014/main" id="{E390057A-A03E-43CC-97C1-853EE576C751}"/>
-              </a:ext>
-            </a:extLst>
-          </p:cNvPr>
-          <p:cNvSpPr>
-            <a:spLocks noGrp="1"/>
-          </p:cNvSpPr>
-          <p:nvPr>
-            <p:ph type="title"/>
-          </p:nvPr>
-        </p:nvSpPr>
-        <p:spPr/>
-        <p:txBody>
-          <a:bodyPr/>
-          <a:lstStyle/>
-          <a:p>
-            <a:r>
-              <a:rPr lang="ko-KR" altLang="en-US" dirty="0"/>
-              <a:t>라이브러리</a:t>
-            </a:r>
-          </a:p>
-        </p:txBody>
-      </p:sp>
-      <p:sp>
-        <p:nvSpPr>
-          <p:cNvPr id="3" name="내용 개체 틀 2">
-            <a:extLst>
-              <a:ext uri="{FF2B5EF4-FFF2-40B4-BE49-F238E27FC236}">
-                <a16:creationId xmlns:a16="http://schemas.microsoft.com/office/drawing/2014/main" id="{1C9AC38A-B786-4966-8807-076F0EE32418}"/>
-              </a:ext>
-            </a:extLst>
-          </p:cNvPr>
-          <p:cNvSpPr>
-            <a:spLocks noGrp="1"/>
-          </p:cNvSpPr>
-          <p:nvPr>
-            <p:ph idx="1"/>
-          </p:nvPr>
-        </p:nvSpPr>
-        <p:spPr/>
-        <p:txBody>
-          <a:bodyPr>
-            <a:normAutofit/>
+          <p:cNvPr id="4" name="TextBox 3">
+            <a:extLst>
+              <a:ext uri="{FF2B5EF4-FFF2-40B4-BE49-F238E27FC236}">
+                <a16:creationId xmlns:a16="http://schemas.microsoft.com/office/drawing/2014/main" id="{AB4D1623-9F68-4796-9155-31552D4EFBF1}"/>
+              </a:ext>
+            </a:extLst>
+          </p:cNvPr>
+          <p:cNvSpPr txBox="1"/>
+          <p:nvPr/>
+        </p:nvSpPr>
+        <p:spPr>
+          <a:xfrm>
+            <a:off x="969264" y="374904"/>
+            <a:ext cx="5315109" cy="369332"/>
+          </a:xfrm>
+          <a:prstGeom prst="rect">
+            <a:avLst/>
+          </a:prstGeom>
+          <a:noFill/>
+        </p:spPr>
+        <p:txBody>
+          <a:bodyPr wrap="none" rtlCol="0">
+            <a:spAutoFit/>
           </a:bodyPr>
           <a:lstStyle/>
           <a:p>
             <a:r>
-              <a:rPr lang="ko-KR" altLang="en-US" sz="1000" dirty="0"/>
-              <a:t>라이브러리는 소프트웨어를 만들 때 쓰이는 클래스나 서브루틴의 집합</a:t>
-            </a:r>
-            <a:endParaRPr lang="en-US" altLang="ko-KR" sz="1000" dirty="0"/>
-          </a:p>
-          <a:p>
-            <a:r>
-              <a:rPr lang="ko-KR" altLang="en-US" sz="1000" dirty="0"/>
-              <a:t>다른 프로그램들과 링크되기 위하여 존재하는 하나 이상의 서브루틴이나 함수들의 집합</a:t>
-            </a:r>
-            <a:r>
-              <a:rPr lang="en-US" altLang="ko-KR" sz="1000" dirty="0"/>
+              <a:rPr lang="en-US" altLang="ko-KR" dirty="0"/>
+              <a:t>extern vs head </a:t>
+            </a:r>
+            <a:r>
+              <a:rPr lang="en-US" altLang="ko-KR" dirty="0">
+                <a:sym typeface="Wingdings" panose="05000000000000000000" pitchFamily="2" charset="2"/>
+              </a:rPr>
+              <a:t> </a:t>
+            </a:r>
+            <a:r>
+              <a:rPr lang="ko-KR" altLang="en-US" dirty="0">
+                <a:sym typeface="Wingdings" panose="05000000000000000000" pitchFamily="2" charset="2"/>
+              </a:rPr>
+              <a:t>둘의 차이와 언제 사용 하는가</a:t>
+            </a:r>
+            <a:r>
+              <a:rPr lang="en-US" altLang="ko-KR" dirty="0">
+                <a:sym typeface="Wingdings" panose="05000000000000000000" pitchFamily="2" charset="2"/>
+              </a:rPr>
+              <a:t>?</a:t>
+            </a:r>
+            <a:endParaRPr lang="ko-KR" altLang="en-US" dirty="0"/>
+          </a:p>
+        </p:txBody>
+      </p:sp>
+      <p:sp>
+        <p:nvSpPr>
+          <p:cNvPr id="2" name="TextBox 1">
+            <a:extLst>
+              <a:ext uri="{FF2B5EF4-FFF2-40B4-BE49-F238E27FC236}">
+                <a16:creationId xmlns:a16="http://schemas.microsoft.com/office/drawing/2014/main" id="{3D5C5BB2-BD50-4810-8500-D11A8B719821}"/>
+              </a:ext>
+            </a:extLst>
+          </p:cNvPr>
+          <p:cNvSpPr txBox="1"/>
+          <p:nvPr/>
+        </p:nvSpPr>
+        <p:spPr>
+          <a:xfrm>
+            <a:off x="636755" y="1335974"/>
+            <a:ext cx="10817308" cy="4339650"/>
+          </a:xfrm>
+          <a:prstGeom prst="rect">
+            <a:avLst/>
+          </a:prstGeom>
+          <a:noFill/>
+        </p:spPr>
+        <p:txBody>
+          <a:bodyPr wrap="square" rtlCol="0">
+            <a:spAutoFit/>
+          </a:bodyPr>
+          <a:lstStyle/>
+          <a:p>
+            <a:r>
+              <a:rPr lang="en-US" altLang="ko-KR" sz="1200" dirty="0"/>
+              <a:t>extern </a:t>
+            </a:r>
+            <a:r>
+              <a:rPr lang="ko-KR" altLang="en-US" sz="1200" dirty="0"/>
+              <a:t>변수</a:t>
+            </a:r>
+            <a:r>
+              <a:rPr lang="en-US" altLang="ko-KR" sz="1200" dirty="0"/>
+              <a:t>or</a:t>
+            </a:r>
+            <a:r>
+              <a:rPr lang="ko-KR" altLang="en-US" sz="1200" dirty="0"/>
+              <a:t>함수 </a:t>
+            </a:r>
+            <a:r>
+              <a:rPr lang="en-US" altLang="ko-KR" sz="1200" dirty="0">
+                <a:sym typeface="Wingdings" panose="05000000000000000000" pitchFamily="2" charset="2"/>
+              </a:rPr>
+              <a:t> </a:t>
+            </a:r>
+            <a:r>
+              <a:rPr lang="ko-KR" altLang="en-US" sz="1200" dirty="0">
+                <a:sym typeface="Wingdings" panose="05000000000000000000" pitchFamily="2" charset="2"/>
+              </a:rPr>
+              <a:t>전역의 뜻을 나타냄</a:t>
+            </a:r>
+            <a:endParaRPr lang="en-US" altLang="ko-KR" sz="1200" dirty="0"/>
+          </a:p>
+          <a:p>
+            <a:pPr marL="171450" indent="-171450">
+              <a:buFontTx/>
+              <a:buChar char="-"/>
+            </a:pPr>
+            <a:r>
+              <a:rPr lang="ko-KR" altLang="en-US" sz="1200" dirty="0"/>
+              <a:t>전역 변수</a:t>
+            </a:r>
+            <a:r>
+              <a:rPr lang="en-US" altLang="ko-KR" sz="1200" dirty="0"/>
+              <a:t>or</a:t>
+            </a:r>
+            <a:r>
+              <a:rPr lang="ko-KR" altLang="en-US" sz="1200" dirty="0"/>
+              <a:t>함수가 파일 외부에 있다는 것을 표시함</a:t>
+            </a:r>
+            <a:r>
+              <a:rPr lang="en-US" altLang="ko-KR" sz="1200" dirty="0"/>
               <a:t>.</a:t>
             </a:r>
           </a:p>
           <a:p>
-            <a:r>
-              <a:rPr lang="ko-KR" altLang="en-US" sz="1000" dirty="0"/>
-              <a:t>링크될 수 있도록 </a:t>
-            </a:r>
-            <a:r>
-              <a:rPr lang="ko-KR" altLang="en-US" sz="1000" b="1" dirty="0"/>
-              <a:t>보통</a:t>
-            </a:r>
-            <a:r>
-              <a:rPr lang="ko-KR" altLang="en-US" sz="1000" dirty="0"/>
+            <a:pPr marL="171450" indent="-171450">
+              <a:buFontTx/>
+              <a:buChar char="-"/>
+            </a:pPr>
+            <a:r>
+              <a:rPr lang="ko-KR" altLang="en-US" sz="1200" dirty="0"/>
+              <a:t>전역 변수</a:t>
+            </a:r>
+            <a:r>
+              <a:rPr lang="en-US" altLang="ko-KR" sz="1200" dirty="0"/>
+              <a:t>or</a:t>
+            </a:r>
+            <a:r>
+              <a:rPr lang="ko-KR" altLang="en-US" sz="1200" dirty="0"/>
+              <a:t>함수 자체를 선언하지는 않는다</a:t>
+            </a:r>
+            <a:r>
+              <a:rPr lang="en-US" altLang="ko-KR" sz="1200" dirty="0"/>
+              <a:t>. </a:t>
+            </a:r>
+          </a:p>
+          <a:p>
+            <a:r>
+              <a:rPr lang="en-US" altLang="ko-KR" sz="1200" dirty="0"/>
+              <a:t> ex) extern int num; extern void fun(); / int num; void fun(); &lt;&lt; extern </a:t>
+            </a:r>
+            <a:r>
+              <a:rPr lang="ko-KR" altLang="en-US" sz="1200" dirty="0"/>
+              <a:t>생략해도 외부에 정의 되어 있다고 컴파일러에게 전달</a:t>
+            </a:r>
+            <a:r>
+              <a:rPr lang="en-US" altLang="ko-KR" sz="1200" dirty="0"/>
+              <a:t>, </a:t>
+            </a:r>
+            <a:r>
+              <a:rPr lang="ko-KR" altLang="en-US" sz="1200" dirty="0"/>
+              <a:t>변수는 생략이 안되지만 함수는 가능하다</a:t>
+            </a:r>
+            <a:r>
+              <a:rPr lang="en-US" altLang="ko-KR" sz="1200" dirty="0"/>
+              <a:t>. </a:t>
+            </a:r>
+            <a:r>
+              <a:rPr lang="ko-KR" altLang="en-US" sz="1200" dirty="0"/>
+              <a:t>또한 </a:t>
+            </a:r>
+            <a:r>
+              <a:rPr lang="en-US" altLang="ko-KR" sz="1200" dirty="0"/>
+              <a:t>extern</a:t>
+            </a:r>
+            <a:r>
+              <a:rPr lang="ko-KR" altLang="en-US" sz="1200" dirty="0"/>
+              <a:t>은 전역의 뜻을 가지고 있으므로 전체적으로 해당 함수</a:t>
+            </a:r>
+            <a:r>
+              <a:rPr lang="en-US" altLang="ko-KR" sz="1200" dirty="0"/>
+              <a:t>or</a:t>
+            </a:r>
+            <a:r>
+              <a:rPr lang="ko-KR" altLang="en-US" sz="1200" dirty="0"/>
+              <a:t>변수를 컴파일 과정에서 찾는다</a:t>
+            </a:r>
+            <a:r>
+              <a:rPr lang="en-US" altLang="ko-KR" sz="1200" dirty="0"/>
+              <a:t>.</a:t>
+            </a:r>
+          </a:p>
+          <a:p>
+            <a:r>
+              <a:rPr lang="en-US" altLang="ko-KR" sz="1200" dirty="0"/>
+              <a:t> Q) extern</a:t>
+            </a:r>
+            <a:r>
+              <a:rPr lang="ko-KR" altLang="en-US" sz="1200" dirty="0"/>
               <a:t> </a:t>
             </a:r>
             <a:r>
-              <a:rPr lang="ko-KR" altLang="en-US" sz="1000" dirty="0" err="1"/>
-              <a:t>컴파일된</a:t>
-            </a:r>
-            <a:r>
-              <a:rPr lang="ko-KR" altLang="en-US" sz="1000" dirty="0"/>
-              <a:t> 형태인 목적 코드 형태로 존재</a:t>
-            </a:r>
-            <a:r>
-              <a:rPr lang="en-US" altLang="ko-KR" sz="1000" dirty="0"/>
+              <a:rPr lang="en-US" altLang="ko-KR" sz="1200" dirty="0"/>
+              <a:t>void</a:t>
+            </a:r>
+            <a:r>
+              <a:rPr lang="ko-KR" altLang="en-US" sz="1200" dirty="0"/>
+              <a:t> </a:t>
+            </a:r>
+            <a:r>
+              <a:rPr lang="en-US" altLang="ko-KR" sz="1200" dirty="0" err="1"/>
+              <a:t>func</a:t>
+            </a:r>
+            <a:r>
+              <a:rPr lang="en-US" altLang="ko-KR" sz="1200" dirty="0"/>
+              <a:t>()</a:t>
+            </a:r>
+            <a:r>
+              <a:rPr lang="ko-KR" altLang="en-US" sz="1200" dirty="0"/>
+              <a:t> </a:t>
+            </a:r>
+            <a:r>
+              <a:rPr lang="en-US" altLang="ko-KR" sz="1200" dirty="0"/>
+              <a:t>=</a:t>
+            </a:r>
+            <a:r>
+              <a:rPr lang="ko-KR" altLang="en-US" sz="1200" dirty="0"/>
+              <a:t> </a:t>
+            </a:r>
+            <a:r>
+              <a:rPr lang="en-US" altLang="ko-KR" sz="1200" dirty="0"/>
+              <a:t>void</a:t>
+            </a:r>
+            <a:r>
+              <a:rPr lang="ko-KR" altLang="en-US" sz="1200" dirty="0"/>
+              <a:t> </a:t>
+            </a:r>
+            <a:r>
+              <a:rPr lang="en-US" altLang="ko-KR" sz="1200" dirty="0" err="1"/>
+              <a:t>func</a:t>
+            </a:r>
+            <a:r>
+              <a:rPr lang="en-US" altLang="ko-KR" sz="1200" dirty="0"/>
+              <a:t>()</a:t>
+            </a:r>
+            <a:r>
+              <a:rPr lang="ko-KR" altLang="en-US" sz="1200" dirty="0"/>
+              <a:t> 로 생략이 가능한데 이는 내부적으로 함수를 </a:t>
+            </a:r>
+            <a:r>
+              <a:rPr lang="ko-KR" altLang="en-US" sz="1200" dirty="0" err="1"/>
+              <a:t>선언할때와</a:t>
+            </a:r>
+            <a:r>
+              <a:rPr lang="ko-KR" altLang="en-US" sz="1200" dirty="0"/>
+              <a:t> 비슷하다</a:t>
+            </a:r>
+            <a:r>
+              <a:rPr lang="en-US" altLang="ko-KR" sz="1200" dirty="0"/>
               <a:t>. </a:t>
             </a:r>
             <a:r>
-              <a:rPr lang="ko-KR" altLang="en-US" sz="1000" dirty="0"/>
-              <a:t>쓰임에 따라서 컴파일 안된 상태로 존재할 수 도 있다</a:t>
-            </a:r>
-            <a:r>
-              <a:rPr lang="en-US" altLang="ko-KR" sz="1000" dirty="0"/>
+              <a:rPr lang="ko-KR" altLang="en-US" sz="1200" dirty="0"/>
+              <a:t>그러나 생략하여도 컴파일 과정에서 </a:t>
+            </a:r>
+            <a:r>
+              <a:rPr lang="en-US" altLang="ko-KR" sz="1200" dirty="0"/>
+              <a:t>void </a:t>
+            </a:r>
+            <a:r>
+              <a:rPr lang="en-US" altLang="ko-KR" sz="1200" dirty="0" err="1"/>
+              <a:t>func</a:t>
+            </a:r>
+            <a:r>
+              <a:rPr lang="en-US" altLang="ko-KR" sz="1200" dirty="0"/>
+              <a:t>()</a:t>
+            </a:r>
+            <a:r>
+              <a:rPr lang="ko-KR" altLang="en-US" sz="1200" dirty="0"/>
+              <a:t>가</a:t>
+            </a:r>
+            <a:r>
+              <a:rPr lang="en-US" altLang="ko-KR" sz="1200" dirty="0"/>
+              <a:t> </a:t>
+            </a:r>
+            <a:r>
+              <a:rPr lang="ko-KR" altLang="en-US" sz="1200" dirty="0"/>
+              <a:t>어디 있는지 암묵적으로 명시해주기 때문에 외부에 있다면 </a:t>
+            </a:r>
+            <a:r>
+              <a:rPr lang="en-US" altLang="ko-KR" sz="1200" dirty="0"/>
+              <a:t>extern</a:t>
+            </a:r>
+            <a:r>
+              <a:rPr lang="ko-KR" altLang="en-US" sz="1200" dirty="0"/>
+              <a:t>이 암묵적으로 붙여진다</a:t>
+            </a:r>
+            <a:r>
+              <a:rPr lang="en-US" altLang="ko-KR" sz="1200" dirty="0"/>
+              <a:t>. </a:t>
+            </a:r>
+            <a:r>
+              <a:rPr lang="ko-KR" altLang="en-US" sz="1200" dirty="0"/>
+              <a:t>그렇다면 이것을 그냥 전역의 의미로서 전체적으로 찾는다고 보는게 맞는 것일까</a:t>
+            </a:r>
+            <a:r>
+              <a:rPr lang="en-US" altLang="ko-KR" sz="1200" dirty="0"/>
+              <a:t>. </a:t>
+            </a:r>
+            <a:r>
+              <a:rPr lang="ko-KR" altLang="en-US" sz="1200" dirty="0"/>
+              <a:t>만약 외부에서 먼저 함수를 찾는다고 한다면 내부에 그 함수가 </a:t>
+            </a:r>
+            <a:r>
+              <a:rPr lang="ko-KR" altLang="en-US" sz="1200" dirty="0" err="1"/>
+              <a:t>있을경우</a:t>
+            </a:r>
+            <a:r>
+              <a:rPr lang="ko-KR" altLang="en-US" sz="1200" dirty="0"/>
+              <a:t> 그만큼 시간이 낭비된다</a:t>
+            </a:r>
+            <a:r>
+              <a:rPr lang="en-US" altLang="ko-KR" sz="1200" dirty="0"/>
+              <a:t>. </a:t>
+            </a:r>
+            <a:r>
+              <a:rPr lang="ko-KR" altLang="en-US" sz="1200" dirty="0"/>
+              <a:t>따라서 함수를 </a:t>
+            </a:r>
+            <a:r>
+              <a:rPr lang="ko-KR" altLang="en-US" sz="1200" dirty="0" err="1"/>
+              <a:t>선언할때</a:t>
+            </a:r>
+            <a:r>
+              <a:rPr lang="ko-KR" altLang="en-US" sz="1200" dirty="0"/>
+              <a:t> 외부에 있다면 </a:t>
+            </a:r>
+            <a:r>
+              <a:rPr lang="en-US" altLang="ko-KR" sz="1200" dirty="0"/>
+              <a:t>extern</a:t>
+            </a:r>
+            <a:r>
+              <a:rPr lang="ko-KR" altLang="en-US" sz="1200" dirty="0"/>
+              <a:t>을 꼭 </a:t>
+            </a:r>
+            <a:r>
+              <a:rPr lang="ko-KR" altLang="en-US" sz="1200" dirty="0" err="1"/>
+              <a:t>붙여줌으로써</a:t>
+            </a:r>
+            <a:r>
+              <a:rPr lang="ko-KR" altLang="en-US" sz="1200" dirty="0"/>
+              <a:t> </a:t>
+            </a:r>
+            <a:r>
+              <a:rPr lang="ko-KR" altLang="en-US" sz="1200" dirty="0" err="1"/>
+              <a:t>확실히하자</a:t>
+            </a:r>
+            <a:r>
+              <a:rPr lang="en-US" altLang="ko-KR" sz="1200" dirty="0"/>
               <a:t>.</a:t>
             </a:r>
           </a:p>
           <a:p>
-            <a:endParaRPr lang="en-US" altLang="ko-KR" sz="1000" dirty="0"/>
-          </a:p>
-          <a:p>
-            <a:r>
-              <a:rPr lang="ko-KR" altLang="en-US" sz="1000" dirty="0"/>
-              <a:t>목적</a:t>
-            </a:r>
-            <a:endParaRPr lang="en-US" altLang="ko-KR" sz="1000" dirty="0"/>
-          </a:p>
-          <a:p>
-            <a:r>
-              <a:rPr lang="ko-KR" altLang="en-US" sz="1000" dirty="0"/>
-              <a:t>자주 사용하는 코드들을 재사용하기 위해서 만들고 다른 사용자들도 사용할 수 있도록 하기 위함</a:t>
-            </a:r>
-            <a:r>
-              <a:rPr lang="en-US" altLang="ko-KR" sz="1000" dirty="0"/>
+            <a:r>
+              <a:rPr lang="en-US" altLang="ko-KR" sz="1200" dirty="0"/>
+              <a:t>      </a:t>
+            </a:r>
+          </a:p>
+          <a:p>
+            <a:pPr marL="171450" indent="-171450">
+              <a:buFontTx/>
+              <a:buChar char="-"/>
+            </a:pPr>
+            <a:endParaRPr lang="en-US" altLang="ko-KR" sz="1200" dirty="0"/>
+          </a:p>
+          <a:p>
+            <a:r>
+              <a:rPr lang="en-US" altLang="ko-KR" sz="1200" dirty="0" err="1"/>
+              <a:t>cf</a:t>
+            </a:r>
+            <a:r>
+              <a:rPr lang="en-US" altLang="ko-KR" sz="1200" dirty="0"/>
+              <a:t>) </a:t>
+            </a:r>
+            <a:r>
+              <a:rPr lang="ko-KR" altLang="en-US" sz="1200" dirty="0"/>
+              <a:t>전역변수는 </a:t>
+            </a:r>
+            <a:r>
+              <a:rPr lang="ko-KR" altLang="en-US" sz="1200" dirty="0" err="1"/>
+              <a:t>선언시</a:t>
+            </a:r>
+            <a:r>
+              <a:rPr lang="ko-KR" altLang="en-US" sz="1200" dirty="0"/>
+              <a:t> 소스코드의 모든 곳에서 접근 가능하다</a:t>
+            </a:r>
+            <a:r>
+              <a:rPr lang="en-US" altLang="ko-KR" sz="1200" dirty="0"/>
               <a:t>.</a:t>
             </a:r>
           </a:p>
           <a:p>
-            <a:endParaRPr lang="en-US" altLang="ko-KR" sz="1000" dirty="0"/>
-          </a:p>
-          <a:p>
-            <a:r>
-              <a:rPr lang="ko-KR" altLang="en-US" sz="1000" dirty="0"/>
-              <a:t>라이브러리는 정적 라이브러리 와 동적 라이브러리로 나눈다</a:t>
-            </a:r>
-            <a:r>
-              <a:rPr lang="en-US" altLang="ko-KR" sz="1000" dirty="0"/>
+            <a:pPr marL="171450" indent="-171450">
+              <a:buFontTx/>
+              <a:buChar char="-"/>
+            </a:pPr>
+            <a:r>
+              <a:rPr lang="ko-KR" altLang="en-US" sz="1200" dirty="0"/>
+              <a:t>전역변수는 프로그램이 </a:t>
+            </a:r>
+            <a:r>
+              <a:rPr lang="ko-KR" altLang="en-US" sz="1200" dirty="0" err="1"/>
+              <a:t>복잡해질수록</a:t>
+            </a:r>
+            <a:r>
+              <a:rPr lang="ko-KR" altLang="en-US" sz="1200" dirty="0"/>
+              <a:t> 사용을 자제하는 것이 좋다</a:t>
+            </a:r>
+            <a:r>
+              <a:rPr lang="en-US" altLang="ko-KR" sz="1200" dirty="0"/>
+              <a:t>. </a:t>
+            </a:r>
+          </a:p>
+          <a:p>
+            <a:pPr marL="171450" indent="-171450">
+              <a:buFontTx/>
+              <a:buChar char="-"/>
+            </a:pPr>
+            <a:r>
+              <a:rPr lang="ko-KR" altLang="en-US" sz="1200" dirty="0"/>
+              <a:t>어느 곳에서 전역변수를 바꾸었는지 알기 어려워 유지보수가 어렵기 때문이다</a:t>
+            </a:r>
+            <a:r>
+              <a:rPr lang="en-US" altLang="ko-KR" sz="1200" dirty="0"/>
+              <a:t>. </a:t>
+            </a:r>
+          </a:p>
+          <a:p>
+            <a:pPr marL="171450" indent="-171450">
+              <a:buFontTx/>
+              <a:buChar char="-"/>
+            </a:pPr>
+            <a:r>
+              <a:rPr lang="ko-KR" altLang="en-US" sz="1200" dirty="0"/>
+              <a:t>지역변수와 전역변수가 이름이 같을 경우에는 지역변수가 우선</a:t>
+            </a:r>
+            <a:r>
+              <a:rPr lang="en-US" altLang="ko-KR" sz="1200" dirty="0"/>
+              <a:t>. </a:t>
+            </a:r>
+          </a:p>
+          <a:p>
+            <a:pPr marL="171450" indent="-171450">
+              <a:buFontTx/>
+              <a:buChar char="-"/>
+            </a:pPr>
+            <a:r>
+              <a:rPr lang="en-US" altLang="ko-KR" sz="1200" dirty="0"/>
+              <a:t>default </a:t>
+            </a:r>
+            <a:r>
+              <a:rPr lang="ko-KR" altLang="en-US" sz="1200" dirty="0"/>
+              <a:t>값이 </a:t>
+            </a:r>
+            <a:r>
+              <a:rPr lang="en-US" altLang="ko-KR" sz="1200" dirty="0"/>
+              <a:t>0 </a:t>
+            </a:r>
+          </a:p>
+          <a:p>
+            <a:endParaRPr lang="en-US" altLang="ko-KR" sz="1200" dirty="0"/>
+          </a:p>
+          <a:p>
+            <a:r>
+              <a:rPr lang="en-US" altLang="ko-KR" sz="1200" dirty="0" err="1"/>
+              <a:t>cf</a:t>
+            </a:r>
+            <a:r>
+              <a:rPr lang="en-US" altLang="ko-KR" sz="1200" dirty="0"/>
+              <a:t>)</a:t>
+            </a:r>
+            <a:r>
+              <a:rPr lang="ko-KR" altLang="en-US" sz="1200" dirty="0"/>
+              <a:t> </a:t>
+            </a:r>
+            <a:r>
+              <a:rPr lang="en-US" altLang="ko-KR" sz="1200" dirty="0"/>
+              <a:t>static </a:t>
+            </a:r>
+            <a:r>
+              <a:rPr lang="ko-KR" altLang="en-US" sz="1200" dirty="0"/>
+              <a:t>전역변수</a:t>
+            </a:r>
+            <a:endParaRPr lang="en-US" altLang="ko-KR" sz="1200" dirty="0"/>
+          </a:p>
+          <a:p>
+            <a:pPr marL="171450" indent="-171450">
+              <a:buFontTx/>
+              <a:buChar char="-"/>
+            </a:pPr>
+            <a:r>
+              <a:rPr lang="ko-KR" altLang="en-US" sz="1200" dirty="0"/>
+              <a:t>해당 소스파일에서만 사용가능 </a:t>
+            </a:r>
+            <a:r>
+              <a:rPr lang="en-US" altLang="ko-KR" sz="1200" dirty="0"/>
+              <a:t>, </a:t>
+            </a:r>
+            <a:r>
+              <a:rPr lang="ko-KR" altLang="en-US" sz="1200" dirty="0"/>
+              <a:t>안정성</a:t>
+            </a:r>
+            <a:endParaRPr lang="en-US" altLang="ko-KR" sz="1200" dirty="0"/>
+          </a:p>
+          <a:p>
+            <a:pPr marL="171450" indent="-171450">
+              <a:buFontTx/>
+              <a:buChar char="-"/>
+            </a:pPr>
+            <a:endParaRPr lang="en-US" altLang="ko-KR" sz="1200" dirty="0"/>
+          </a:p>
+          <a:p>
+            <a:r>
+              <a:rPr lang="en-US" altLang="ko-KR" sz="1200" dirty="0"/>
+              <a:t>Q) </a:t>
+            </a:r>
+            <a:r>
+              <a:rPr lang="ko-KR" altLang="en-US" sz="1200" dirty="0"/>
+              <a:t>헤더같은 경우는 선언하게 된다면 헤더파일에 저장된 내용을 현재 소스코드에 그대로 가져온다</a:t>
+            </a:r>
+            <a:r>
+              <a:rPr lang="en-US" altLang="ko-KR" sz="1200" dirty="0"/>
+              <a:t>. (</a:t>
+            </a:r>
+            <a:r>
+              <a:rPr lang="ko-KR" altLang="en-US" sz="1200" dirty="0"/>
+              <a:t> 단순한 포함 </a:t>
+            </a:r>
+            <a:r>
+              <a:rPr lang="en-US" altLang="ko-KR" sz="1200" dirty="0"/>
+              <a:t>)</a:t>
+            </a:r>
+          </a:p>
+          <a:p>
+            <a:r>
+              <a:rPr lang="en-US" altLang="ko-KR" sz="1200" dirty="0"/>
+              <a:t>   &lt; &gt; : C </a:t>
+            </a:r>
+            <a:r>
+              <a:rPr lang="ko-KR" altLang="en-US" sz="1200" dirty="0"/>
+              <a:t>표준 헤더파일이 저장되어 있는 디렉터리에서 파일을 찾음</a:t>
+            </a:r>
+            <a:endParaRPr lang="en-US" altLang="ko-KR" sz="1200" dirty="0"/>
+          </a:p>
+          <a:p>
+            <a:r>
+              <a:rPr lang="en-US" altLang="ko-KR" sz="1200" dirty="0"/>
+              <a:t>   “  “  : </a:t>
+            </a:r>
+            <a:r>
+              <a:rPr lang="ko-KR" altLang="en-US" sz="1200" dirty="0"/>
+              <a:t>소스파일이 저장된 디렉터리에서 파일을 찾음</a:t>
+            </a:r>
+            <a:r>
+              <a:rPr lang="en-US" altLang="ko-KR" sz="1200" dirty="0"/>
+              <a:t>( </a:t>
+            </a:r>
+            <a:r>
+              <a:rPr lang="ko-KR" altLang="en-US" sz="1200" dirty="0"/>
+              <a:t>프로그래머가 정의한 헤더 </a:t>
+            </a:r>
+            <a:r>
+              <a:rPr lang="en-US" altLang="ko-KR" sz="1200" dirty="0"/>
+              <a:t>), </a:t>
+            </a:r>
+            <a:r>
+              <a:rPr lang="ko-KR" altLang="en-US" sz="1200" dirty="0"/>
+              <a:t>절대경로</a:t>
+            </a:r>
+            <a:r>
+              <a:rPr lang="en-US" altLang="ko-KR" sz="1200" dirty="0"/>
+              <a:t>,</a:t>
+            </a:r>
+            <a:r>
+              <a:rPr lang="ko-KR" altLang="en-US" sz="1200" dirty="0"/>
+              <a:t>상대경로 지정할 수 있음</a:t>
+            </a:r>
+            <a:r>
+              <a:rPr lang="en-US" altLang="ko-KR" sz="1200" dirty="0"/>
               <a:t>.</a:t>
             </a:r>
-          </a:p>
-          <a:p>
-            <a:r>
-              <a:rPr lang="ko-KR" altLang="en-US" sz="1000" dirty="0"/>
-              <a:t>그렇다면 이 둘의 차이는 </a:t>
-            </a:r>
-            <a:r>
-              <a:rPr lang="en-US" altLang="ko-KR" sz="1000" dirty="0"/>
-              <a:t>?</a:t>
-            </a:r>
-            <a:endParaRPr lang="ko-KR" altLang="en-US" sz="1000" dirty="0"/>
           </a:p>
         </p:txBody>
       </p:sp>
     </p:spTree>
     <p:extLst>
       <p:ext uri="{BB962C8B-B14F-4D97-AF65-F5344CB8AC3E}">
-        <p14:creationId xmlns:p14="http://schemas.microsoft.com/office/powerpoint/2010/main" val="1349374211"/>
+        <p14:creationId xmlns:p14="http://schemas.microsoft.com/office/powerpoint/2010/main" val="3544829315"/>
       </p:ext>
     </p:extLst>
   </p:cSld>
@@ -6737,6 +6761,183 @@
           <p:cNvPr id="2" name="제목 1">
             <a:extLst>
               <a:ext uri="{FF2B5EF4-FFF2-40B4-BE49-F238E27FC236}">
+                <a16:creationId xmlns:a16="http://schemas.microsoft.com/office/drawing/2014/main" id="{E390057A-A03E-43CC-97C1-853EE576C751}"/>
+              </a:ext>
+            </a:extLst>
+          </p:cNvPr>
+          <p:cNvSpPr>
+            <a:spLocks noGrp="1"/>
+          </p:cNvSpPr>
+          <p:nvPr>
+            <p:ph type="title"/>
+          </p:nvPr>
+        </p:nvSpPr>
+        <p:spPr/>
+        <p:txBody>
+          <a:bodyPr/>
+          <a:lstStyle/>
+          <a:p>
+            <a:r>
+              <a:rPr lang="ko-KR" altLang="en-US" dirty="0"/>
+              <a:t>라이브러리</a:t>
+            </a:r>
+          </a:p>
+        </p:txBody>
+      </p:sp>
+      <p:sp>
+        <p:nvSpPr>
+          <p:cNvPr id="3" name="내용 개체 틀 2">
+            <a:extLst>
+              <a:ext uri="{FF2B5EF4-FFF2-40B4-BE49-F238E27FC236}">
+                <a16:creationId xmlns:a16="http://schemas.microsoft.com/office/drawing/2014/main" id="{1C9AC38A-B786-4966-8807-076F0EE32418}"/>
+              </a:ext>
+            </a:extLst>
+          </p:cNvPr>
+          <p:cNvSpPr>
+            <a:spLocks noGrp="1"/>
+          </p:cNvSpPr>
+          <p:nvPr>
+            <p:ph idx="1"/>
+          </p:nvPr>
+        </p:nvSpPr>
+        <p:spPr/>
+        <p:txBody>
+          <a:bodyPr>
+            <a:normAutofit/>
+          </a:bodyPr>
+          <a:lstStyle/>
+          <a:p>
+            <a:r>
+              <a:rPr lang="ko-KR" altLang="en-US" sz="1000" dirty="0"/>
+              <a:t>라이브러리는 소프트웨어를 만들 때 쓰이는 클래스나 서브루틴의 집합</a:t>
+            </a:r>
+            <a:endParaRPr lang="en-US" altLang="ko-KR" sz="1000" dirty="0"/>
+          </a:p>
+          <a:p>
+            <a:r>
+              <a:rPr lang="ko-KR" altLang="en-US" sz="1000" dirty="0"/>
+              <a:t>다른 프로그램들과 링크되기 위하여 존재하는 하나 이상의 서브루틴이나 함수들의 집합</a:t>
+            </a:r>
+            <a:r>
+              <a:rPr lang="en-US" altLang="ko-KR" sz="1000" dirty="0"/>
+              <a:t>.</a:t>
+            </a:r>
+          </a:p>
+          <a:p>
+            <a:r>
+              <a:rPr lang="ko-KR" altLang="en-US" sz="1000" dirty="0"/>
+              <a:t>링크될 수 있도록 </a:t>
+            </a:r>
+            <a:r>
+              <a:rPr lang="ko-KR" altLang="en-US" sz="1000" b="1" dirty="0"/>
+              <a:t>보통</a:t>
+            </a:r>
+            <a:r>
+              <a:rPr lang="ko-KR" altLang="en-US" sz="1000" dirty="0"/>
+              <a:t> </a:t>
+            </a:r>
+            <a:r>
+              <a:rPr lang="ko-KR" altLang="en-US" sz="1000" dirty="0" err="1"/>
+              <a:t>컴파일된</a:t>
+            </a:r>
+            <a:r>
+              <a:rPr lang="ko-KR" altLang="en-US" sz="1000" dirty="0"/>
+              <a:t> 형태인 목적 코드 형태로 존재</a:t>
+            </a:r>
+            <a:r>
+              <a:rPr lang="en-US" altLang="ko-KR" sz="1000" dirty="0"/>
+              <a:t>. </a:t>
+            </a:r>
+            <a:r>
+              <a:rPr lang="ko-KR" altLang="en-US" sz="1000" dirty="0"/>
+              <a:t>쓰임에 따라서 컴파일 안된 상태로 존재할 수 도 있다</a:t>
+            </a:r>
+            <a:r>
+              <a:rPr lang="en-US" altLang="ko-KR" sz="1000" dirty="0"/>
+              <a:t>.</a:t>
+            </a:r>
+          </a:p>
+          <a:p>
+            <a:endParaRPr lang="en-US" altLang="ko-KR" sz="1000" dirty="0"/>
+          </a:p>
+          <a:p>
+            <a:r>
+              <a:rPr lang="ko-KR" altLang="en-US" sz="1000" dirty="0"/>
+              <a:t>목적</a:t>
+            </a:r>
+            <a:endParaRPr lang="en-US" altLang="ko-KR" sz="1000" dirty="0"/>
+          </a:p>
+          <a:p>
+            <a:r>
+              <a:rPr lang="ko-KR" altLang="en-US" sz="1000" dirty="0"/>
+              <a:t>자주 사용하는 코드들을 재사용하기 위해서 만들고 다른 사용자들도 사용할 수 있도록 하기 위함</a:t>
+            </a:r>
+            <a:r>
+              <a:rPr lang="en-US" altLang="ko-KR" sz="1000" dirty="0"/>
+              <a:t>.</a:t>
+            </a:r>
+          </a:p>
+          <a:p>
+            <a:endParaRPr lang="en-US" altLang="ko-KR" sz="1000" dirty="0"/>
+          </a:p>
+          <a:p>
+            <a:r>
+              <a:rPr lang="ko-KR" altLang="en-US" sz="1000" dirty="0"/>
+              <a:t>라이브러리는 정적 라이브러리 와 동적 라이브러리로 나눈다</a:t>
+            </a:r>
+            <a:r>
+              <a:rPr lang="en-US" altLang="ko-KR" sz="1000" dirty="0"/>
+              <a:t>.</a:t>
+            </a:r>
+          </a:p>
+          <a:p>
+            <a:r>
+              <a:rPr lang="ko-KR" altLang="en-US" sz="1000" dirty="0"/>
+              <a:t>그렇다면 이 둘의 차이는 </a:t>
+            </a:r>
+            <a:r>
+              <a:rPr lang="en-US" altLang="ko-KR" sz="1000" dirty="0"/>
+              <a:t>?</a:t>
+            </a:r>
+            <a:endParaRPr lang="ko-KR" altLang="en-US" sz="1000" dirty="0"/>
+          </a:p>
+        </p:txBody>
+      </p:sp>
+    </p:spTree>
+    <p:extLst>
+      <p:ext uri="{BB962C8B-B14F-4D97-AF65-F5344CB8AC3E}">
+        <p14:creationId xmlns:p14="http://schemas.microsoft.com/office/powerpoint/2010/main" val="1349374211"/>
+      </p:ext>
+    </p:extLst>
+  </p:cSld>
+  <p:clrMapOvr>
+    <a:masterClrMapping/>
+  </p:clrMapOvr>
+</p:sld>
+</file>
+
+<file path=ppt/slides/slide8.xml><?xml version="1.0" encoding="utf-8"?>
+<p:sld xmlns:a="http://schemas.openxmlformats.org/drawingml/2006/main" xmlns:r="http://schemas.openxmlformats.org/officeDocument/2006/relationships" xmlns:p="http://schemas.openxmlformats.org/presentationml/2006/main">
+  <p:cSld>
+    <p:spTree>
+      <p:nvGrpSpPr>
+        <p:cNvPr id="1" name=""/>
+        <p:cNvGrpSpPr/>
+        <p:nvPr/>
+      </p:nvGrpSpPr>
+      <p:grpSpPr>
+        <a:xfrm>
+          <a:off x="0" y="0"/>
+          <a:ext cx="0" cy="0"/>
+          <a:chOff x="0" y="0"/>
+          <a:chExt cx="0" cy="0"/>
+        </a:xfrm>
+      </p:grpSpPr>
+      <p:sp>
+        <p:nvSpPr>
+          <p:cNvPr id="2" name="제목 1">
+            <a:extLst>
+              <a:ext uri="{FF2B5EF4-FFF2-40B4-BE49-F238E27FC236}">
                 <a16:creationId xmlns:a16="http://schemas.microsoft.com/office/drawing/2014/main" id="{08E71B84-16A3-478C-B508-51E7429FEF5A}"/>
               </a:ext>
             </a:extLst>
@@ -7090,6 +7291,307 @@
     <p:extLst>
       <p:ext uri="{BB962C8B-B14F-4D97-AF65-F5344CB8AC3E}">
         <p14:creationId xmlns:p14="http://schemas.microsoft.com/office/powerpoint/2010/main" val="4258295920"/>
+      </p:ext>
+    </p:extLst>
+  </p:cSld>
+  <p:clrMapOvr>
+    <a:masterClrMapping/>
+  </p:clrMapOvr>
+</p:sld>
+</file>
+
+<file path=ppt/slides/slide9.xml><?xml version="1.0" encoding="utf-8"?>
+<p:sld xmlns:a="http://schemas.openxmlformats.org/drawingml/2006/main" xmlns:r="http://schemas.openxmlformats.org/officeDocument/2006/relationships" xmlns:p="http://schemas.openxmlformats.org/presentationml/2006/main">
+  <p:cSld>
+    <p:spTree>
+      <p:nvGrpSpPr>
+        <p:cNvPr id="1" name=""/>
+        <p:cNvGrpSpPr/>
+        <p:nvPr/>
+      </p:nvGrpSpPr>
+      <p:grpSpPr>
+        <a:xfrm>
+          <a:off x="0" y="0"/>
+          <a:ext cx="0" cy="0"/>
+          <a:chOff x="0" y="0"/>
+          <a:chExt cx="0" cy="0"/>
+        </a:xfrm>
+      </p:grpSpPr>
+      <p:sp>
+        <p:nvSpPr>
+          <p:cNvPr id="2" name="제목 1">
+            <a:extLst>
+              <a:ext uri="{FF2B5EF4-FFF2-40B4-BE49-F238E27FC236}">
+                <a16:creationId xmlns:a16="http://schemas.microsoft.com/office/drawing/2014/main" id="{E390057A-A03E-43CC-97C1-853EE576C751}"/>
+              </a:ext>
+            </a:extLst>
+          </p:cNvPr>
+          <p:cNvSpPr>
+            <a:spLocks noGrp="1"/>
+          </p:cNvSpPr>
+          <p:nvPr>
+            <p:ph type="title"/>
+          </p:nvPr>
+        </p:nvSpPr>
+        <p:spPr>
+          <a:xfrm>
+            <a:off x="616819" y="201496"/>
+            <a:ext cx="10515600" cy="1325563"/>
+          </a:xfrm>
+        </p:spPr>
+        <p:txBody>
+          <a:bodyPr/>
+          <a:lstStyle/>
+          <a:p>
+            <a:r>
+              <a:rPr lang="ko-KR" altLang="en-US" dirty="0"/>
+              <a:t>포인터 배열 </a:t>
+            </a:r>
+            <a:r>
+              <a:rPr lang="en-US" altLang="ko-KR" dirty="0"/>
+              <a:t>vs </a:t>
+            </a:r>
+            <a:r>
+              <a:rPr lang="ko-KR" altLang="en-US" dirty="0"/>
+              <a:t>배열 포인터</a:t>
+            </a:r>
+          </a:p>
+        </p:txBody>
+      </p:sp>
+      <p:pic>
+        <p:nvPicPr>
+          <p:cNvPr id="6" name="그림 5">
+            <a:extLst>
+              <a:ext uri="{FF2B5EF4-FFF2-40B4-BE49-F238E27FC236}">
+                <a16:creationId xmlns:a16="http://schemas.microsoft.com/office/drawing/2014/main" id="{8B7DCA47-7893-4A70-8DC2-3072C1455DBA}"/>
+              </a:ext>
+            </a:extLst>
+          </p:cNvPr>
+          <p:cNvPicPr>
+            <a:picLocks noChangeAspect="1"/>
+          </p:cNvPicPr>
+          <p:nvPr/>
+        </p:nvPicPr>
+        <p:blipFill>
+          <a:blip r:embed="rId2"/>
+          <a:stretch>
+            <a:fillRect/>
+          </a:stretch>
+        </p:blipFill>
+        <p:spPr>
+          <a:xfrm>
+            <a:off x="616819" y="1322948"/>
+            <a:ext cx="6646596" cy="2041081"/>
+          </a:xfrm>
+          <a:prstGeom prst="rect">
+            <a:avLst/>
+          </a:prstGeom>
+          <a:ln>
+            <a:solidFill>
+              <a:schemeClr val="accent1"/>
+            </a:solidFill>
+          </a:ln>
+        </p:spPr>
+      </p:pic>
+      <p:pic>
+        <p:nvPicPr>
+          <p:cNvPr id="7" name="그림 6">
+            <a:extLst>
+              <a:ext uri="{FF2B5EF4-FFF2-40B4-BE49-F238E27FC236}">
+                <a16:creationId xmlns:a16="http://schemas.microsoft.com/office/drawing/2014/main" id="{7EC22732-4A37-42F3-9798-301F614A88EF}"/>
+              </a:ext>
+            </a:extLst>
+          </p:cNvPr>
+          <p:cNvPicPr>
+            <a:picLocks noChangeAspect="1"/>
+          </p:cNvPicPr>
+          <p:nvPr/>
+        </p:nvPicPr>
+        <p:blipFill>
+          <a:blip r:embed="rId3"/>
+          <a:stretch>
+            <a:fillRect/>
+          </a:stretch>
+        </p:blipFill>
+        <p:spPr>
+          <a:xfrm>
+            <a:off x="616819" y="3792578"/>
+            <a:ext cx="6226743" cy="2596189"/>
+          </a:xfrm>
+          <a:prstGeom prst="rect">
+            <a:avLst/>
+          </a:prstGeom>
+          <a:ln>
+            <a:solidFill>
+              <a:schemeClr val="accent1"/>
+            </a:solidFill>
+          </a:ln>
+        </p:spPr>
+      </p:pic>
+      <p:sp>
+        <p:nvSpPr>
+          <p:cNvPr id="8" name="TextBox 7">
+            <a:extLst>
+              <a:ext uri="{FF2B5EF4-FFF2-40B4-BE49-F238E27FC236}">
+                <a16:creationId xmlns:a16="http://schemas.microsoft.com/office/drawing/2014/main" id="{8C818FF4-EEBB-4326-81DF-9C1ECA32DE07}"/>
+              </a:ext>
+            </a:extLst>
+          </p:cNvPr>
+          <p:cNvSpPr txBox="1"/>
+          <p:nvPr/>
+        </p:nvSpPr>
+        <p:spPr>
+          <a:xfrm>
+            <a:off x="616819" y="1325835"/>
+            <a:ext cx="1008609" cy="276999"/>
+          </a:xfrm>
+          <a:prstGeom prst="rect">
+            <a:avLst/>
+          </a:prstGeom>
+          <a:noFill/>
+        </p:spPr>
+        <p:txBody>
+          <a:bodyPr wrap="none" rtlCol="0">
+            <a:spAutoFit/>
+          </a:bodyPr>
+          <a:lstStyle/>
+          <a:p>
+            <a:pPr algn="l"/>
+            <a:r>
+              <a:rPr lang="ko-KR" altLang="en-US" sz="1200" dirty="0"/>
+              <a:t>포인터 배열</a:t>
+            </a:r>
+          </a:p>
+        </p:txBody>
+      </p:sp>
+      <p:sp>
+        <p:nvSpPr>
+          <p:cNvPr id="9" name="TextBox 8">
+            <a:extLst>
+              <a:ext uri="{FF2B5EF4-FFF2-40B4-BE49-F238E27FC236}">
+                <a16:creationId xmlns:a16="http://schemas.microsoft.com/office/drawing/2014/main" id="{B5ED6374-AEED-4984-8441-A902C538E16F}"/>
+              </a:ext>
+            </a:extLst>
+          </p:cNvPr>
+          <p:cNvSpPr txBox="1"/>
+          <p:nvPr/>
+        </p:nvSpPr>
+        <p:spPr>
+          <a:xfrm>
+            <a:off x="616818" y="3829128"/>
+            <a:ext cx="1008609" cy="276999"/>
+          </a:xfrm>
+          <a:prstGeom prst="rect">
+            <a:avLst/>
+          </a:prstGeom>
+          <a:noFill/>
+        </p:spPr>
+        <p:txBody>
+          <a:bodyPr wrap="none" rtlCol="0">
+            <a:spAutoFit/>
+          </a:bodyPr>
+          <a:lstStyle/>
+          <a:p>
+            <a:pPr algn="l"/>
+            <a:r>
+              <a:rPr lang="ko-KR" altLang="en-US" sz="1200" dirty="0"/>
+              <a:t>배열 포인터</a:t>
+            </a:r>
+          </a:p>
+        </p:txBody>
+      </p:sp>
+      <p:sp>
+        <p:nvSpPr>
+          <p:cNvPr id="10" name="TextBox 9">
+            <a:extLst>
+              <a:ext uri="{FF2B5EF4-FFF2-40B4-BE49-F238E27FC236}">
+                <a16:creationId xmlns:a16="http://schemas.microsoft.com/office/drawing/2014/main" id="{C3BF3A80-E989-4DDF-AED3-6373864E1BD2}"/>
+              </a:ext>
+            </a:extLst>
+          </p:cNvPr>
+          <p:cNvSpPr txBox="1"/>
+          <p:nvPr/>
+        </p:nvSpPr>
+        <p:spPr>
+          <a:xfrm>
+            <a:off x="7084193" y="4285426"/>
+            <a:ext cx="3640740" cy="400110"/>
+          </a:xfrm>
+          <a:prstGeom prst="rect">
+            <a:avLst/>
+          </a:prstGeom>
+          <a:noFill/>
+        </p:spPr>
+        <p:txBody>
+          <a:bodyPr wrap="none" rtlCol="0">
+            <a:spAutoFit/>
+          </a:bodyPr>
+          <a:lstStyle/>
+          <a:p>
+            <a:pPr algn="l"/>
+            <a:r>
+              <a:rPr lang="ko-KR" altLang="en-US" sz="2000" dirty="0"/>
+              <a:t>각 문자열마다 </a:t>
+            </a:r>
+            <a:r>
+              <a:rPr lang="en-US" altLang="ko-KR" sz="2000" dirty="0"/>
+              <a:t>NULL</a:t>
+            </a:r>
+            <a:r>
+              <a:rPr lang="ko-KR" altLang="en-US" sz="2000" dirty="0"/>
+              <a:t>문자 존재</a:t>
+            </a:r>
+          </a:p>
+        </p:txBody>
+      </p:sp>
+      <p:sp>
+        <p:nvSpPr>
+          <p:cNvPr id="11" name="TextBox 10">
+            <a:extLst>
+              <a:ext uri="{FF2B5EF4-FFF2-40B4-BE49-F238E27FC236}">
+                <a16:creationId xmlns:a16="http://schemas.microsoft.com/office/drawing/2014/main" id="{1351998A-F8C7-4668-8107-DA92293AECE2}"/>
+              </a:ext>
+            </a:extLst>
+          </p:cNvPr>
+          <p:cNvSpPr txBox="1"/>
+          <p:nvPr/>
+        </p:nvSpPr>
+        <p:spPr>
+          <a:xfrm>
+            <a:off x="7446295" y="1813906"/>
+            <a:ext cx="3127779" cy="400110"/>
+          </a:xfrm>
+          <a:prstGeom prst="rect">
+            <a:avLst/>
+          </a:prstGeom>
+          <a:noFill/>
+        </p:spPr>
+        <p:txBody>
+          <a:bodyPr wrap="none" rtlCol="0">
+            <a:spAutoFit/>
+          </a:bodyPr>
+          <a:lstStyle/>
+          <a:p>
+            <a:pPr algn="l"/>
+            <a:r>
+              <a:rPr lang="ko-KR" altLang="en-US" sz="2000" dirty="0"/>
+              <a:t>배열 끝에 </a:t>
+            </a:r>
+            <a:r>
+              <a:rPr lang="en-US" altLang="ko-KR" sz="2000" dirty="0"/>
+              <a:t>NULL</a:t>
+            </a:r>
+            <a:r>
+              <a:rPr lang="ko-KR" altLang="en-US" sz="2000" dirty="0"/>
+              <a:t>문자 존재</a:t>
+            </a:r>
+          </a:p>
+        </p:txBody>
+      </p:sp>
+    </p:spTree>
+    <p:extLst>
+      <p:ext uri="{BB962C8B-B14F-4D97-AF65-F5344CB8AC3E}">
+        <p14:creationId xmlns:p14="http://schemas.microsoft.com/office/powerpoint/2010/main" val="3336581668"/>
       </p:ext>
     </p:extLst>
   </p:cSld>
@@ -7394,7 +7896,7 @@
       </a:bodyPr>
       <a:lstStyle>
         <a:defPPr algn="l">
-          <a:defRPr sz="1200" dirty="0" smtClean="0"/>
+          <a:defRPr sz="2000" dirty="0" smtClean="0"/>
         </a:defPPr>
       </a:lstStyle>
     </a:txDef>

--- a/darknet_withC.pptx
+++ b/darknet_withC.pptx
@@ -7442,13 +7442,18 @@
         </p:nvSpPr>
         <p:spPr>
           <a:xfrm>
-            <a:off x="616819" y="1325835"/>
+            <a:off x="616818" y="1322948"/>
             <a:ext cx="1008609" cy="276999"/>
           </a:xfrm>
           <a:prstGeom prst="rect">
             <a:avLst/>
           </a:prstGeom>
           <a:noFill/>
+          <a:ln>
+            <a:solidFill>
+              <a:schemeClr val="accent1"/>
+            </a:solidFill>
+          </a:ln>
         </p:spPr>
         <p:txBody>
           <a:bodyPr wrap="none" rtlCol="0">
@@ -7478,13 +7483,18 @@
         </p:nvSpPr>
         <p:spPr>
           <a:xfrm>
-            <a:off x="616818" y="3829128"/>
+            <a:off x="616818" y="3792578"/>
             <a:ext cx="1008609" cy="276999"/>
           </a:xfrm>
           <a:prstGeom prst="rect">
             <a:avLst/>
           </a:prstGeom>
           <a:noFill/>
+          <a:ln>
+            <a:solidFill>
+              <a:schemeClr val="accent1"/>
+            </a:solidFill>
+          </a:ln>
         </p:spPr>
         <p:txBody>
           <a:bodyPr wrap="none" rtlCol="0">
@@ -7514,7 +7524,7 @@
         </p:nvSpPr>
         <p:spPr>
           <a:xfrm>
-            <a:off x="7084193" y="4285426"/>
+            <a:off x="6843562" y="4285426"/>
             <a:ext cx="3640740" cy="400110"/>
           </a:xfrm>
           <a:prstGeom prst="rect">

--- a/darknet_withC.pptx
+++ b/darknet_withC.pptx
@@ -15,6 +15,7 @@
     <p:sldId id="267" r:id="rId9"/>
     <p:sldId id="271" r:id="rId10"/>
     <p:sldId id="270" r:id="rId11"/>
+    <p:sldId id="272" r:id="rId12"/>
   </p:sldIdLst>
   <p:sldSz cx="12192000" cy="6858000"/>
   <p:notesSz cx="6858000" cy="9144000"/>
@@ -312,7 +313,7 @@
           <a:p>
             <a:fld id="{8F186270-8102-4A14-AA74-8937BBD30F05}" type="datetimeFigureOut">
               <a:rPr lang="ko-KR" altLang="en-US" smtClean="0"/>
-              <a:t>2020-07-24</a:t>
+              <a:t>2020-07-27</a:t>
             </a:fld>
             <a:endParaRPr lang="ko-KR" altLang="en-US"/>
           </a:p>
@@ -510,7 +511,7 @@
           <a:p>
             <a:fld id="{8F186270-8102-4A14-AA74-8937BBD30F05}" type="datetimeFigureOut">
               <a:rPr lang="ko-KR" altLang="en-US" smtClean="0"/>
-              <a:t>2020-07-24</a:t>
+              <a:t>2020-07-27</a:t>
             </a:fld>
             <a:endParaRPr lang="ko-KR" altLang="en-US"/>
           </a:p>
@@ -718,7 +719,7 @@
           <a:p>
             <a:fld id="{8F186270-8102-4A14-AA74-8937BBD30F05}" type="datetimeFigureOut">
               <a:rPr lang="ko-KR" altLang="en-US" smtClean="0"/>
-              <a:t>2020-07-24</a:t>
+              <a:t>2020-07-27</a:t>
             </a:fld>
             <a:endParaRPr lang="ko-KR" altLang="en-US"/>
           </a:p>
@@ -916,7 +917,7 @@
           <a:p>
             <a:fld id="{8F186270-8102-4A14-AA74-8937BBD30F05}" type="datetimeFigureOut">
               <a:rPr lang="ko-KR" altLang="en-US" smtClean="0"/>
-              <a:t>2020-07-24</a:t>
+              <a:t>2020-07-27</a:t>
             </a:fld>
             <a:endParaRPr lang="ko-KR" altLang="en-US"/>
           </a:p>
@@ -1191,7 +1192,7 @@
           <a:p>
             <a:fld id="{8F186270-8102-4A14-AA74-8937BBD30F05}" type="datetimeFigureOut">
               <a:rPr lang="ko-KR" altLang="en-US" smtClean="0"/>
-              <a:t>2020-07-24</a:t>
+              <a:t>2020-07-27</a:t>
             </a:fld>
             <a:endParaRPr lang="ko-KR" altLang="en-US"/>
           </a:p>
@@ -1456,7 +1457,7 @@
           <a:p>
             <a:fld id="{8F186270-8102-4A14-AA74-8937BBD30F05}" type="datetimeFigureOut">
               <a:rPr lang="ko-KR" altLang="en-US" smtClean="0"/>
-              <a:t>2020-07-24</a:t>
+              <a:t>2020-07-27</a:t>
             </a:fld>
             <a:endParaRPr lang="ko-KR" altLang="en-US"/>
           </a:p>
@@ -1868,7 +1869,7 @@
           <a:p>
             <a:fld id="{8F186270-8102-4A14-AA74-8937BBD30F05}" type="datetimeFigureOut">
               <a:rPr lang="ko-KR" altLang="en-US" smtClean="0"/>
-              <a:t>2020-07-24</a:t>
+              <a:t>2020-07-27</a:t>
             </a:fld>
             <a:endParaRPr lang="ko-KR" altLang="en-US"/>
           </a:p>
@@ -2009,7 +2010,7 @@
           <a:p>
             <a:fld id="{8F186270-8102-4A14-AA74-8937BBD30F05}" type="datetimeFigureOut">
               <a:rPr lang="ko-KR" altLang="en-US" smtClean="0"/>
-              <a:t>2020-07-24</a:t>
+              <a:t>2020-07-27</a:t>
             </a:fld>
             <a:endParaRPr lang="ko-KR" altLang="en-US"/>
           </a:p>
@@ -2122,7 +2123,7 @@
           <a:p>
             <a:fld id="{8F186270-8102-4A14-AA74-8937BBD30F05}" type="datetimeFigureOut">
               <a:rPr lang="ko-KR" altLang="en-US" smtClean="0"/>
-              <a:t>2020-07-24</a:t>
+              <a:t>2020-07-27</a:t>
             </a:fld>
             <a:endParaRPr lang="ko-KR" altLang="en-US"/>
           </a:p>
@@ -2433,7 +2434,7 @@
           <a:p>
             <a:fld id="{8F186270-8102-4A14-AA74-8937BBD30F05}" type="datetimeFigureOut">
               <a:rPr lang="ko-KR" altLang="en-US" smtClean="0"/>
-              <a:t>2020-07-24</a:t>
+              <a:t>2020-07-27</a:t>
             </a:fld>
             <a:endParaRPr lang="ko-KR" altLang="en-US"/>
           </a:p>
@@ -2721,7 +2722,7 @@
           <a:p>
             <a:fld id="{8F186270-8102-4A14-AA74-8937BBD30F05}" type="datetimeFigureOut">
               <a:rPr lang="ko-KR" altLang="en-US" smtClean="0"/>
-              <a:t>2020-07-24</a:t>
+              <a:t>2020-07-27</a:t>
             </a:fld>
             <a:endParaRPr lang="ko-KR" altLang="en-US"/>
           </a:p>
@@ -2962,7 +2963,7 @@
           <a:p>
             <a:fld id="{8F186270-8102-4A14-AA74-8937BBD30F05}" type="datetimeFigureOut">
               <a:rPr lang="ko-KR" altLang="en-US" smtClean="0"/>
-              <a:t>2020-07-24</a:t>
+              <a:t>2020-07-27</a:t>
             </a:fld>
             <a:endParaRPr lang="ko-KR" altLang="en-US"/>
           </a:p>
@@ -3492,57 +3493,56 @@
           <a:bodyPr/>
           <a:lstStyle/>
           <a:p>
-            <a:endParaRPr lang="ko-KR" altLang="en-US"/>
-          </a:p>
-        </p:txBody>
-      </p:sp>
-      <p:sp>
-        <p:nvSpPr>
-          <p:cNvPr id="3" name="내용 개체 틀 2">
-            <a:extLst>
-              <a:ext uri="{FF2B5EF4-FFF2-40B4-BE49-F238E27FC236}">
-                <a16:creationId xmlns:a16="http://schemas.microsoft.com/office/drawing/2014/main" id="{81C097E2-7ED6-4820-9A7B-85AE53D354AD}"/>
-              </a:ext>
-            </a:extLst>
-          </p:cNvPr>
-          <p:cNvSpPr>
-            <a:spLocks noGrp="1"/>
-          </p:cNvSpPr>
-          <p:nvPr>
-            <p:ph sz="half" idx="1"/>
-          </p:nvPr>
-        </p:nvSpPr>
-        <p:spPr/>
-        <p:txBody>
-          <a:bodyPr/>
+            <a:r>
+              <a:rPr lang="ko-KR" altLang="en-US" dirty="0"/>
+              <a:t>구조체</a:t>
+            </a:r>
+          </a:p>
+        </p:txBody>
+      </p:sp>
+      <p:sp>
+        <p:nvSpPr>
+          <p:cNvPr id="5" name="TextBox 4">
+            <a:extLst>
+              <a:ext uri="{FF2B5EF4-FFF2-40B4-BE49-F238E27FC236}">
+                <a16:creationId xmlns:a16="http://schemas.microsoft.com/office/drawing/2014/main" id="{17030B12-CE19-4813-8C90-7DB57C84184A}"/>
+              </a:ext>
+            </a:extLst>
+          </p:cNvPr>
+          <p:cNvSpPr txBox="1"/>
+          <p:nvPr/>
+        </p:nvSpPr>
+        <p:spPr>
+          <a:xfrm>
+            <a:off x="1626669" y="1366787"/>
+            <a:ext cx="8674747" cy="400110"/>
+          </a:xfrm>
+          <a:prstGeom prst="rect">
+            <a:avLst/>
+          </a:prstGeom>
+          <a:noFill/>
+        </p:spPr>
+        <p:txBody>
+          <a:bodyPr wrap="none" rtlCol="0">
+            <a:spAutoFit/>
+          </a:bodyPr>
           <a:lstStyle/>
           <a:p>
-            <a:endParaRPr lang="ko-KR" altLang="en-US"/>
-          </a:p>
-        </p:txBody>
-      </p:sp>
-      <p:sp>
-        <p:nvSpPr>
-          <p:cNvPr id="4" name="내용 개체 틀 3">
-            <a:extLst>
-              <a:ext uri="{FF2B5EF4-FFF2-40B4-BE49-F238E27FC236}">
-                <a16:creationId xmlns:a16="http://schemas.microsoft.com/office/drawing/2014/main" id="{24A5B2F1-ECC6-4B29-A9E8-4FC6D55F2E76}"/>
-              </a:ext>
-            </a:extLst>
-          </p:cNvPr>
-          <p:cNvSpPr>
-            <a:spLocks noGrp="1"/>
-          </p:cNvSpPr>
-          <p:nvPr>
-            <p:ph sz="half" idx="2"/>
-          </p:nvPr>
-        </p:nvSpPr>
-        <p:spPr/>
-        <p:txBody>
-          <a:bodyPr/>
-          <a:lstStyle/>
-          <a:p>
-            <a:endParaRPr lang="ko-KR" altLang="en-US"/>
+            <a:r>
+              <a:rPr lang="ko-KR" altLang="en-US" sz="2000" dirty="0"/>
+              <a:t>구조체 메모리 할당 </a:t>
+            </a:r>
+            <a:r>
+              <a:rPr lang="en-US" altLang="ko-KR" sz="2000" dirty="0"/>
+              <a:t>: </a:t>
+            </a:r>
+            <a:r>
+              <a:rPr lang="en-US" altLang="ko-KR" sz="2000" dirty="0">
+                <a:hlinkClick r:id="rId2"/>
+              </a:rPr>
+              <a:t>https://blog.naver.com/sharonichoya/220495444611</a:t>
+            </a:r>
+            <a:endParaRPr lang="ko-KR" altLang="en-US" sz="2000" dirty="0"/>
           </a:p>
         </p:txBody>
       </p:sp>
@@ -3550,6 +3550,99 @@
     <p:extLst>
       <p:ext uri="{BB962C8B-B14F-4D97-AF65-F5344CB8AC3E}">
         <p14:creationId xmlns:p14="http://schemas.microsoft.com/office/powerpoint/2010/main" val="1999493546"/>
+      </p:ext>
+    </p:extLst>
+  </p:cSld>
+  <p:clrMapOvr>
+    <a:masterClrMapping/>
+  </p:clrMapOvr>
+</p:sld>
+</file>
+
+<file path=ppt/slides/slide11.xml><?xml version="1.0" encoding="utf-8"?>
+<p:sld xmlns:a="http://schemas.openxmlformats.org/drawingml/2006/main" xmlns:r="http://schemas.openxmlformats.org/officeDocument/2006/relationships" xmlns:p="http://schemas.openxmlformats.org/presentationml/2006/main">
+  <p:cSld>
+    <p:spTree>
+      <p:nvGrpSpPr>
+        <p:cNvPr id="1" name=""/>
+        <p:cNvGrpSpPr/>
+        <p:nvPr/>
+      </p:nvGrpSpPr>
+      <p:grpSpPr>
+        <a:xfrm>
+          <a:off x="0" y="0"/>
+          <a:ext cx="0" cy="0"/>
+          <a:chOff x="0" y="0"/>
+          <a:chExt cx="0" cy="0"/>
+        </a:xfrm>
+      </p:grpSpPr>
+      <p:sp>
+        <p:nvSpPr>
+          <p:cNvPr id="2" name="제목 1">
+            <a:extLst>
+              <a:ext uri="{FF2B5EF4-FFF2-40B4-BE49-F238E27FC236}">
+                <a16:creationId xmlns:a16="http://schemas.microsoft.com/office/drawing/2014/main" id="{9688C44B-0B06-4395-B87F-B2F93CE79E8E}"/>
+              </a:ext>
+            </a:extLst>
+          </p:cNvPr>
+          <p:cNvSpPr>
+            <a:spLocks noGrp="1"/>
+          </p:cNvSpPr>
+          <p:nvPr>
+            <p:ph type="title"/>
+          </p:nvPr>
+        </p:nvSpPr>
+        <p:spPr/>
+        <p:txBody>
+          <a:bodyPr/>
+          <a:lstStyle/>
+          <a:p>
+            <a:r>
+              <a:rPr lang="ko-KR" altLang="en-US"/>
+              <a:t>파일 입출력</a:t>
+            </a:r>
+          </a:p>
+        </p:txBody>
+      </p:sp>
+      <p:pic>
+        <p:nvPicPr>
+          <p:cNvPr id="5" name="그림 4">
+            <a:extLst>
+              <a:ext uri="{FF2B5EF4-FFF2-40B4-BE49-F238E27FC236}">
+                <a16:creationId xmlns:a16="http://schemas.microsoft.com/office/drawing/2014/main" id="{42A225CF-828E-4066-BB05-7B632DE89F47}"/>
+              </a:ext>
+            </a:extLst>
+          </p:cNvPr>
+          <p:cNvPicPr>
+            <a:picLocks noChangeAspect="1"/>
+          </p:cNvPicPr>
+          <p:nvPr/>
+        </p:nvPicPr>
+        <p:blipFill>
+          <a:blip r:embed="rId2"/>
+          <a:stretch>
+            <a:fillRect/>
+          </a:stretch>
+        </p:blipFill>
+        <p:spPr>
+          <a:xfrm>
+            <a:off x="838200" y="1354205"/>
+            <a:ext cx="9499834" cy="4906221"/>
+          </a:xfrm>
+          <a:prstGeom prst="rect">
+            <a:avLst/>
+          </a:prstGeom>
+          <a:ln>
+            <a:solidFill>
+              <a:schemeClr val="accent1"/>
+            </a:solidFill>
+          </a:ln>
+        </p:spPr>
+      </p:pic>
+    </p:spTree>
+    <p:extLst>
+      <p:ext uri="{BB962C8B-B14F-4D97-AF65-F5344CB8AC3E}">
+        <p14:creationId xmlns:p14="http://schemas.microsoft.com/office/powerpoint/2010/main" val="977356293"/>
       </p:ext>
     </p:extLst>
   </p:cSld>

--- a/darknet_withC.pptx
+++ b/darknet_withC.pptx
@@ -15,7 +15,10 @@
     <p:sldId id="267" r:id="rId9"/>
     <p:sldId id="271" r:id="rId10"/>
     <p:sldId id="270" r:id="rId11"/>
-    <p:sldId id="272" r:id="rId12"/>
+    <p:sldId id="274" r:id="rId12"/>
+    <p:sldId id="273" r:id="rId13"/>
+    <p:sldId id="275" r:id="rId14"/>
+    <p:sldId id="272" r:id="rId15"/>
   </p:sldIdLst>
   <p:sldSz cx="12192000" cy="6858000"/>
   <p:notesSz cx="6858000" cy="9144000"/>
@@ -313,7 +316,7 @@
           <a:p>
             <a:fld id="{8F186270-8102-4A14-AA74-8937BBD30F05}" type="datetimeFigureOut">
               <a:rPr lang="ko-KR" altLang="en-US" smtClean="0"/>
-              <a:t>2020-07-27</a:t>
+              <a:t>2020-07-28</a:t>
             </a:fld>
             <a:endParaRPr lang="ko-KR" altLang="en-US"/>
           </a:p>
@@ -511,7 +514,7 @@
           <a:p>
             <a:fld id="{8F186270-8102-4A14-AA74-8937BBD30F05}" type="datetimeFigureOut">
               <a:rPr lang="ko-KR" altLang="en-US" smtClean="0"/>
-              <a:t>2020-07-27</a:t>
+              <a:t>2020-07-28</a:t>
             </a:fld>
             <a:endParaRPr lang="ko-KR" altLang="en-US"/>
           </a:p>
@@ -719,7 +722,7 @@
           <a:p>
             <a:fld id="{8F186270-8102-4A14-AA74-8937BBD30F05}" type="datetimeFigureOut">
               <a:rPr lang="ko-KR" altLang="en-US" smtClean="0"/>
-              <a:t>2020-07-27</a:t>
+              <a:t>2020-07-28</a:t>
             </a:fld>
             <a:endParaRPr lang="ko-KR" altLang="en-US"/>
           </a:p>
@@ -917,7 +920,7 @@
           <a:p>
             <a:fld id="{8F186270-8102-4A14-AA74-8937BBD30F05}" type="datetimeFigureOut">
               <a:rPr lang="ko-KR" altLang="en-US" smtClean="0"/>
-              <a:t>2020-07-27</a:t>
+              <a:t>2020-07-28</a:t>
             </a:fld>
             <a:endParaRPr lang="ko-KR" altLang="en-US"/>
           </a:p>
@@ -1192,7 +1195,7 @@
           <a:p>
             <a:fld id="{8F186270-8102-4A14-AA74-8937BBD30F05}" type="datetimeFigureOut">
               <a:rPr lang="ko-KR" altLang="en-US" smtClean="0"/>
-              <a:t>2020-07-27</a:t>
+              <a:t>2020-07-28</a:t>
             </a:fld>
             <a:endParaRPr lang="ko-KR" altLang="en-US"/>
           </a:p>
@@ -1457,7 +1460,7 @@
           <a:p>
             <a:fld id="{8F186270-8102-4A14-AA74-8937BBD30F05}" type="datetimeFigureOut">
               <a:rPr lang="ko-KR" altLang="en-US" smtClean="0"/>
-              <a:t>2020-07-27</a:t>
+              <a:t>2020-07-28</a:t>
             </a:fld>
             <a:endParaRPr lang="ko-KR" altLang="en-US"/>
           </a:p>
@@ -1869,7 +1872,7 @@
           <a:p>
             <a:fld id="{8F186270-8102-4A14-AA74-8937BBD30F05}" type="datetimeFigureOut">
               <a:rPr lang="ko-KR" altLang="en-US" smtClean="0"/>
-              <a:t>2020-07-27</a:t>
+              <a:t>2020-07-28</a:t>
             </a:fld>
             <a:endParaRPr lang="ko-KR" altLang="en-US"/>
           </a:p>
@@ -2010,7 +2013,7 @@
           <a:p>
             <a:fld id="{8F186270-8102-4A14-AA74-8937BBD30F05}" type="datetimeFigureOut">
               <a:rPr lang="ko-KR" altLang="en-US" smtClean="0"/>
-              <a:t>2020-07-27</a:t>
+              <a:t>2020-07-28</a:t>
             </a:fld>
             <a:endParaRPr lang="ko-KR" altLang="en-US"/>
           </a:p>
@@ -2123,7 +2126,7 @@
           <a:p>
             <a:fld id="{8F186270-8102-4A14-AA74-8937BBD30F05}" type="datetimeFigureOut">
               <a:rPr lang="ko-KR" altLang="en-US" smtClean="0"/>
-              <a:t>2020-07-27</a:t>
+              <a:t>2020-07-28</a:t>
             </a:fld>
             <a:endParaRPr lang="ko-KR" altLang="en-US"/>
           </a:p>
@@ -2434,7 +2437,7 @@
           <a:p>
             <a:fld id="{8F186270-8102-4A14-AA74-8937BBD30F05}" type="datetimeFigureOut">
               <a:rPr lang="ko-KR" altLang="en-US" smtClean="0"/>
-              <a:t>2020-07-27</a:t>
+              <a:t>2020-07-28</a:t>
             </a:fld>
             <a:endParaRPr lang="ko-KR" altLang="en-US"/>
           </a:p>
@@ -2722,7 +2725,7 @@
           <a:p>
             <a:fld id="{8F186270-8102-4A14-AA74-8937BBD30F05}" type="datetimeFigureOut">
               <a:rPr lang="ko-KR" altLang="en-US" smtClean="0"/>
-              <a:t>2020-07-27</a:t>
+              <a:t>2020-07-28</a:t>
             </a:fld>
             <a:endParaRPr lang="ko-KR" altLang="en-US"/>
           </a:p>
@@ -2963,7 +2966,7 @@
           <a:p>
             <a:fld id="{8F186270-8102-4A14-AA74-8937BBD30F05}" type="datetimeFigureOut">
               <a:rPr lang="ko-KR" altLang="en-US" smtClean="0"/>
-              <a:t>2020-07-27</a:t>
+              <a:t>2020-07-28</a:t>
             </a:fld>
             <a:endParaRPr lang="ko-KR" altLang="en-US"/>
           </a:p>
@@ -3514,13 +3517,18 @@
         </p:nvSpPr>
         <p:spPr>
           <a:xfrm>
-            <a:off x="1626669" y="1366787"/>
-            <a:ext cx="8674747" cy="400110"/>
+            <a:off x="838200" y="2354531"/>
+            <a:ext cx="11097910" cy="1323439"/>
           </a:xfrm>
           <a:prstGeom prst="rect">
             <a:avLst/>
           </a:prstGeom>
           <a:noFill/>
+          <a:ln>
+            <a:solidFill>
+              <a:schemeClr val="accent1"/>
+            </a:solidFill>
+          </a:ln>
         </p:spPr>
         <p:txBody>
           <a:bodyPr wrap="none" rtlCol="0">
@@ -3530,12 +3538,46 @@
           <a:p>
             <a:r>
               <a:rPr lang="ko-KR" altLang="en-US" sz="2000" dirty="0"/>
-              <a:t>구조체 메모리 할당 </a:t>
+              <a:t>메모리 할당 </a:t>
             </a:r>
             <a:r>
               <a:rPr lang="en-US" altLang="ko-KR" sz="2000" dirty="0"/>
               <a:t>: </a:t>
             </a:r>
+            <a:r>
+              <a:rPr lang="ko-KR" altLang="en-US" sz="2000" dirty="0"/>
+              <a:t>구조체 메모리 할당은 조금 다른데 가장 큰 메모리를 기준으로 할당되고</a:t>
+            </a:r>
+            <a:endParaRPr lang="en-US" altLang="ko-KR" sz="2000" dirty="0"/>
+          </a:p>
+          <a:p>
+            <a:r>
+              <a:rPr lang="en-US" altLang="ko-KR" sz="2000" dirty="0"/>
+              <a:t>	        </a:t>
+            </a:r>
+            <a:r>
+              <a:rPr lang="ko-KR" altLang="en-US" sz="2000" dirty="0"/>
+              <a:t>여러가지 변수를 묶을 경우에는 주소가 연속적이다</a:t>
+            </a:r>
+            <a:r>
+              <a:rPr lang="en-US" altLang="ko-KR" sz="2000" dirty="0"/>
+              <a:t>.</a:t>
+            </a:r>
+          </a:p>
+          <a:p>
+            <a:r>
+              <a:rPr lang="en-US" altLang="ko-KR" sz="2000" dirty="0"/>
+              <a:t>	        </a:t>
+            </a:r>
+            <a:r>
+              <a:rPr lang="ko-KR" altLang="en-US" sz="2000" dirty="0"/>
+              <a:t>그러므로 구조체의 변수들을 선언할 때에는 작은 변수들부터 선언하는 것이 좋음</a:t>
+            </a:r>
+            <a:endParaRPr lang="en-US" altLang="ko-KR" sz="2000" dirty="0">
+              <a:hlinkClick r:id="rId2"/>
+            </a:endParaRPr>
+          </a:p>
+          <a:p>
             <a:r>
               <a:rPr lang="en-US" altLang="ko-KR" sz="2000" dirty="0">
                 <a:hlinkClick r:id="rId2"/>
@@ -3546,6 +3588,166 @@
           </a:p>
         </p:txBody>
       </p:sp>
+      <p:sp>
+        <p:nvSpPr>
+          <p:cNvPr id="3" name="TextBox 2">
+            <a:extLst>
+              <a:ext uri="{FF2B5EF4-FFF2-40B4-BE49-F238E27FC236}">
+                <a16:creationId xmlns:a16="http://schemas.microsoft.com/office/drawing/2014/main" id="{EE5F7977-E151-4A4E-B979-8F9FB3630254}"/>
+              </a:ext>
+            </a:extLst>
+          </p:cNvPr>
+          <p:cNvSpPr txBox="1"/>
+          <p:nvPr/>
+        </p:nvSpPr>
+        <p:spPr>
+          <a:xfrm>
+            <a:off x="838200" y="1690688"/>
+            <a:ext cx="7516801" cy="400110"/>
+          </a:xfrm>
+          <a:prstGeom prst="rect">
+            <a:avLst/>
+          </a:prstGeom>
+          <a:noFill/>
+          <a:ln>
+            <a:solidFill>
+              <a:schemeClr val="accent1"/>
+            </a:solidFill>
+          </a:ln>
+        </p:spPr>
+        <p:txBody>
+          <a:bodyPr wrap="none" rtlCol="0">
+            <a:spAutoFit/>
+          </a:bodyPr>
+          <a:lstStyle/>
+          <a:p>
+            <a:pPr algn="l"/>
+            <a:r>
+              <a:rPr lang="ko-KR" altLang="en-US" sz="2000" dirty="0"/>
+              <a:t>정의 </a:t>
+            </a:r>
+            <a:r>
+              <a:rPr lang="en-US" altLang="ko-KR" sz="2000" dirty="0"/>
+              <a:t>: </a:t>
+            </a:r>
+            <a:r>
+              <a:rPr lang="ko-KR" altLang="en-US" sz="2000" dirty="0"/>
+              <a:t>하나 이상의 변수를 묶어서 새로운 자료형을 정의하는 것</a:t>
+            </a:r>
+            <a:r>
+              <a:rPr lang="en-US" altLang="ko-KR" sz="2000" dirty="0"/>
+              <a:t>.</a:t>
+            </a:r>
+            <a:endParaRPr lang="ko-KR" altLang="en-US" sz="2000" dirty="0"/>
+          </a:p>
+        </p:txBody>
+      </p:sp>
+      <p:sp>
+        <p:nvSpPr>
+          <p:cNvPr id="4" name="TextBox 3">
+            <a:extLst>
+              <a:ext uri="{FF2B5EF4-FFF2-40B4-BE49-F238E27FC236}">
+                <a16:creationId xmlns:a16="http://schemas.microsoft.com/office/drawing/2014/main" id="{E21C6EE8-4260-4681-9676-BD0E44E5DE67}"/>
+              </a:ext>
+            </a:extLst>
+          </p:cNvPr>
+          <p:cNvSpPr txBox="1"/>
+          <p:nvPr/>
+        </p:nvSpPr>
+        <p:spPr>
+          <a:xfrm>
+            <a:off x="838200" y="3933389"/>
+            <a:ext cx="9089348" cy="400110"/>
+          </a:xfrm>
+          <a:prstGeom prst="rect">
+            <a:avLst/>
+          </a:prstGeom>
+          <a:noFill/>
+          <a:ln>
+            <a:solidFill>
+              <a:schemeClr val="accent1"/>
+            </a:solidFill>
+          </a:ln>
+        </p:spPr>
+        <p:txBody>
+          <a:bodyPr wrap="none" rtlCol="0">
+            <a:spAutoFit/>
+          </a:bodyPr>
+          <a:lstStyle/>
+          <a:p>
+            <a:pPr algn="l"/>
+            <a:r>
+              <a:rPr lang="ko-KR" altLang="en-US" sz="2000" dirty="0"/>
+              <a:t>구조체는 새로운 자료형 타입이므로 사용하려면 항상 형을 맞추어 주어야 함</a:t>
+            </a:r>
+            <a:r>
+              <a:rPr lang="en-US" altLang="ko-KR" sz="2000" dirty="0"/>
+              <a:t>. </a:t>
+            </a:r>
+            <a:endParaRPr lang="ko-KR" altLang="en-US" sz="2000" dirty="0"/>
+          </a:p>
+        </p:txBody>
+      </p:sp>
+      <p:pic>
+        <p:nvPicPr>
+          <p:cNvPr id="6" name="그림 5">
+            <a:extLst>
+              <a:ext uri="{FF2B5EF4-FFF2-40B4-BE49-F238E27FC236}">
+                <a16:creationId xmlns:a16="http://schemas.microsoft.com/office/drawing/2014/main" id="{F9F78302-24EE-4516-9086-08511916D1F6}"/>
+              </a:ext>
+            </a:extLst>
+          </p:cNvPr>
+          <p:cNvPicPr>
+            <a:picLocks noChangeAspect="1"/>
+          </p:cNvPicPr>
+          <p:nvPr/>
+        </p:nvPicPr>
+        <p:blipFill>
+          <a:blip r:embed="rId3"/>
+          <a:stretch>
+            <a:fillRect/>
+          </a:stretch>
+        </p:blipFill>
+        <p:spPr>
+          <a:xfrm>
+            <a:off x="838200" y="4462462"/>
+            <a:ext cx="2371725" cy="1409700"/>
+          </a:xfrm>
+          <a:prstGeom prst="rect">
+            <a:avLst/>
+          </a:prstGeom>
+        </p:spPr>
+      </p:pic>
+      <p:pic>
+        <p:nvPicPr>
+          <p:cNvPr id="7" name="그림 6">
+            <a:extLst>
+              <a:ext uri="{FF2B5EF4-FFF2-40B4-BE49-F238E27FC236}">
+                <a16:creationId xmlns:a16="http://schemas.microsoft.com/office/drawing/2014/main" id="{155911DE-9F81-4B8F-891B-1C5640D460A6}"/>
+              </a:ext>
+            </a:extLst>
+          </p:cNvPr>
+          <p:cNvPicPr>
+            <a:picLocks noChangeAspect="1"/>
+          </p:cNvPicPr>
+          <p:nvPr/>
+        </p:nvPicPr>
+        <p:blipFill>
+          <a:blip r:embed="rId4"/>
+          <a:stretch>
+            <a:fillRect/>
+          </a:stretch>
+        </p:blipFill>
+        <p:spPr>
+          <a:xfrm>
+            <a:off x="838200" y="6001125"/>
+            <a:ext cx="4086225" cy="457200"/>
+          </a:xfrm>
+          <a:prstGeom prst="rect">
+            <a:avLst/>
+          </a:prstGeom>
+        </p:spPr>
+      </p:pic>
     </p:spTree>
     <p:extLst>
       <p:ext uri="{BB962C8B-B14F-4D97-AF65-F5344CB8AC3E}">
@@ -3560,6 +3762,594 @@
 </file>
 
 <file path=ppt/slides/slide11.xml><?xml version="1.0" encoding="utf-8"?>
+<p:sld xmlns:a="http://schemas.openxmlformats.org/drawingml/2006/main" xmlns:r="http://schemas.openxmlformats.org/officeDocument/2006/relationships" xmlns:p="http://schemas.openxmlformats.org/presentationml/2006/main">
+  <p:cSld>
+    <p:spTree>
+      <p:nvGrpSpPr>
+        <p:cNvPr id="1" name=""/>
+        <p:cNvGrpSpPr/>
+        <p:nvPr/>
+      </p:nvGrpSpPr>
+      <p:grpSpPr>
+        <a:xfrm>
+          <a:off x="0" y="0"/>
+          <a:ext cx="0" cy="0"/>
+          <a:chOff x="0" y="0"/>
+          <a:chExt cx="0" cy="0"/>
+        </a:xfrm>
+      </p:grpSpPr>
+      <p:pic>
+        <p:nvPicPr>
+          <p:cNvPr id="5" name="그림 4">
+            <a:extLst>
+              <a:ext uri="{FF2B5EF4-FFF2-40B4-BE49-F238E27FC236}">
+                <a16:creationId xmlns:a16="http://schemas.microsoft.com/office/drawing/2014/main" id="{507C8D8F-A085-4D0E-9C8E-FADE41BE7BF0}"/>
+              </a:ext>
+            </a:extLst>
+          </p:cNvPr>
+          <p:cNvPicPr>
+            <a:picLocks noChangeAspect="1"/>
+          </p:cNvPicPr>
+          <p:nvPr/>
+        </p:nvPicPr>
+        <p:blipFill>
+          <a:blip r:embed="rId2"/>
+          <a:stretch>
+            <a:fillRect/>
+          </a:stretch>
+        </p:blipFill>
+        <p:spPr>
+          <a:xfrm>
+            <a:off x="1591388" y="567890"/>
+            <a:ext cx="8274507" cy="5464437"/>
+          </a:xfrm>
+          <a:prstGeom prst="rect">
+            <a:avLst/>
+          </a:prstGeom>
+        </p:spPr>
+      </p:pic>
+    </p:spTree>
+    <p:extLst>
+      <p:ext uri="{BB962C8B-B14F-4D97-AF65-F5344CB8AC3E}">
+        <p14:creationId xmlns:p14="http://schemas.microsoft.com/office/powerpoint/2010/main" val="3832924287"/>
+      </p:ext>
+    </p:extLst>
+  </p:cSld>
+  <p:clrMapOvr>
+    <a:masterClrMapping/>
+  </p:clrMapOvr>
+</p:sld>
+</file>
+
+<file path=ppt/slides/slide12.xml><?xml version="1.0" encoding="utf-8"?>
+<p:sld xmlns:a="http://schemas.openxmlformats.org/drawingml/2006/main" xmlns:r="http://schemas.openxmlformats.org/officeDocument/2006/relationships" xmlns:p="http://schemas.openxmlformats.org/presentationml/2006/main">
+  <p:cSld>
+    <p:spTree>
+      <p:nvGrpSpPr>
+        <p:cNvPr id="1" name=""/>
+        <p:cNvGrpSpPr/>
+        <p:nvPr/>
+      </p:nvGrpSpPr>
+      <p:grpSpPr>
+        <a:xfrm>
+          <a:off x="0" y="0"/>
+          <a:ext cx="0" cy="0"/>
+          <a:chOff x="0" y="0"/>
+          <a:chExt cx="0" cy="0"/>
+        </a:xfrm>
+      </p:grpSpPr>
+      <p:sp>
+        <p:nvSpPr>
+          <p:cNvPr id="2" name="제목 1">
+            <a:extLst>
+              <a:ext uri="{FF2B5EF4-FFF2-40B4-BE49-F238E27FC236}">
+                <a16:creationId xmlns:a16="http://schemas.microsoft.com/office/drawing/2014/main" id="{A2FF478C-0B36-4581-B7F2-60F16FE721A6}"/>
+              </a:ext>
+            </a:extLst>
+          </p:cNvPr>
+          <p:cNvSpPr>
+            <a:spLocks noGrp="1"/>
+          </p:cNvSpPr>
+          <p:nvPr>
+            <p:ph type="title"/>
+          </p:nvPr>
+        </p:nvSpPr>
+        <p:spPr/>
+        <p:txBody>
+          <a:bodyPr/>
+          <a:lstStyle/>
+          <a:p>
+            <a:r>
+              <a:rPr lang="ko-KR" altLang="en-US" dirty="0"/>
+              <a:t>연결리스트</a:t>
+            </a:r>
+          </a:p>
+        </p:txBody>
+      </p:sp>
+      <p:pic>
+        <p:nvPicPr>
+          <p:cNvPr id="6" name="그림 5">
+            <a:extLst>
+              <a:ext uri="{FF2B5EF4-FFF2-40B4-BE49-F238E27FC236}">
+                <a16:creationId xmlns:a16="http://schemas.microsoft.com/office/drawing/2014/main" id="{54AC25B8-7DFC-4E13-8771-36586548FFC0}"/>
+              </a:ext>
+            </a:extLst>
+          </p:cNvPr>
+          <p:cNvPicPr>
+            <a:picLocks noChangeAspect="1"/>
+          </p:cNvPicPr>
+          <p:nvPr/>
+        </p:nvPicPr>
+        <p:blipFill>
+          <a:blip r:embed="rId2"/>
+          <a:stretch>
+            <a:fillRect/>
+          </a:stretch>
+        </p:blipFill>
+        <p:spPr>
+          <a:xfrm>
+            <a:off x="1222408" y="2914490"/>
+            <a:ext cx="2901030" cy="3223367"/>
+          </a:xfrm>
+          <a:prstGeom prst="rect">
+            <a:avLst/>
+          </a:prstGeom>
+        </p:spPr>
+      </p:pic>
+      <p:sp>
+        <p:nvSpPr>
+          <p:cNvPr id="7" name="TextBox 6">
+            <a:extLst>
+              <a:ext uri="{FF2B5EF4-FFF2-40B4-BE49-F238E27FC236}">
+                <a16:creationId xmlns:a16="http://schemas.microsoft.com/office/drawing/2014/main" id="{B540B5B9-762E-421A-AAFC-895C9AD8473E}"/>
+              </a:ext>
+            </a:extLst>
+          </p:cNvPr>
+          <p:cNvSpPr txBox="1"/>
+          <p:nvPr/>
+        </p:nvSpPr>
+        <p:spPr>
+          <a:xfrm>
+            <a:off x="1106904" y="1290578"/>
+            <a:ext cx="3894015" cy="400110"/>
+          </a:xfrm>
+          <a:prstGeom prst="rect">
+            <a:avLst/>
+          </a:prstGeom>
+          <a:noFill/>
+        </p:spPr>
+        <p:txBody>
+          <a:bodyPr wrap="none" rtlCol="0">
+            <a:spAutoFit/>
+          </a:bodyPr>
+          <a:lstStyle/>
+          <a:p>
+            <a:pPr algn="l"/>
+            <a:r>
+              <a:rPr lang="en-US" altLang="ko-KR" sz="2000" dirty="0"/>
+              <a:t>-</a:t>
+            </a:r>
+            <a:r>
+              <a:rPr lang="ko-KR" altLang="en-US" sz="2000" dirty="0"/>
+              <a:t>구조체들이 연결되어 있는 형태</a:t>
+            </a:r>
+          </a:p>
+        </p:txBody>
+      </p:sp>
+      <p:pic>
+        <p:nvPicPr>
+          <p:cNvPr id="9" name="그림 8">
+            <a:extLst>
+              <a:ext uri="{FF2B5EF4-FFF2-40B4-BE49-F238E27FC236}">
+                <a16:creationId xmlns:a16="http://schemas.microsoft.com/office/drawing/2014/main" id="{52AA704C-0C5B-48C9-846E-90EDE7572F48}"/>
+              </a:ext>
+            </a:extLst>
+          </p:cNvPr>
+          <p:cNvPicPr>
+            <a:picLocks noChangeAspect="1"/>
+          </p:cNvPicPr>
+          <p:nvPr/>
+        </p:nvPicPr>
+        <p:blipFill>
+          <a:blip r:embed="rId3"/>
+          <a:stretch>
+            <a:fillRect/>
+          </a:stretch>
+        </p:blipFill>
+        <p:spPr>
+          <a:xfrm>
+            <a:off x="5000918" y="2515027"/>
+            <a:ext cx="3087585" cy="4116780"/>
+          </a:xfrm>
+          <a:prstGeom prst="rect">
+            <a:avLst/>
+          </a:prstGeom>
+        </p:spPr>
+      </p:pic>
+      <p:sp>
+        <p:nvSpPr>
+          <p:cNvPr id="10" name="TextBox 9">
+            <a:extLst>
+              <a:ext uri="{FF2B5EF4-FFF2-40B4-BE49-F238E27FC236}">
+                <a16:creationId xmlns:a16="http://schemas.microsoft.com/office/drawing/2014/main" id="{AC96CF73-CEEF-433A-9D2B-00D43A45A013}"/>
+              </a:ext>
+            </a:extLst>
+          </p:cNvPr>
+          <p:cNvSpPr txBox="1"/>
+          <p:nvPr/>
+        </p:nvSpPr>
+        <p:spPr>
+          <a:xfrm>
+            <a:off x="1106904" y="1594532"/>
+            <a:ext cx="5522666" cy="707886"/>
+          </a:xfrm>
+          <a:prstGeom prst="rect">
+            <a:avLst/>
+          </a:prstGeom>
+          <a:noFill/>
+        </p:spPr>
+        <p:txBody>
+          <a:bodyPr wrap="none" rtlCol="0">
+            <a:spAutoFit/>
+          </a:bodyPr>
+          <a:lstStyle/>
+          <a:p>
+            <a:pPr algn="l"/>
+            <a:r>
+              <a:rPr lang="en-US" altLang="ko-KR" sz="2000" dirty="0"/>
+              <a:t>-</a:t>
+            </a:r>
+            <a:r>
+              <a:rPr lang="ko-KR" altLang="en-US" sz="2000" dirty="0"/>
+              <a:t>데이터를 저장하는 자료구조</a:t>
+            </a:r>
+            <a:endParaRPr lang="en-US" altLang="ko-KR" sz="2000" dirty="0"/>
+          </a:p>
+          <a:p>
+            <a:pPr algn="l"/>
+            <a:r>
+              <a:rPr lang="en-US" altLang="ko-KR" sz="2000" dirty="0"/>
+              <a:t>-</a:t>
+            </a:r>
+            <a:r>
+              <a:rPr lang="ko-KR" altLang="en-US" sz="2000" dirty="0" err="1"/>
+              <a:t>연관있는</a:t>
+            </a:r>
+            <a:r>
+              <a:rPr lang="ko-KR" altLang="en-US" sz="2000" dirty="0"/>
+              <a:t> 자료들을 효율적으로 관리가 용이함</a:t>
+            </a:r>
+          </a:p>
+        </p:txBody>
+      </p:sp>
+      <p:sp>
+        <p:nvSpPr>
+          <p:cNvPr id="11" name="TextBox 10">
+            <a:extLst>
+              <a:ext uri="{FF2B5EF4-FFF2-40B4-BE49-F238E27FC236}">
+                <a16:creationId xmlns:a16="http://schemas.microsoft.com/office/drawing/2014/main" id="{46B4DEA6-559A-4980-BB20-1532E4603F64}"/>
+              </a:ext>
+            </a:extLst>
+          </p:cNvPr>
+          <p:cNvSpPr txBox="1"/>
+          <p:nvPr/>
+        </p:nvSpPr>
+        <p:spPr>
+          <a:xfrm>
+            <a:off x="8402854" y="2854774"/>
+            <a:ext cx="2954655" cy="707886"/>
+          </a:xfrm>
+          <a:prstGeom prst="rect">
+            <a:avLst/>
+          </a:prstGeom>
+          <a:noFill/>
+        </p:spPr>
+        <p:txBody>
+          <a:bodyPr wrap="none" rtlCol="0">
+            <a:spAutoFit/>
+          </a:bodyPr>
+          <a:lstStyle/>
+          <a:p>
+            <a:pPr algn="l"/>
+            <a:r>
+              <a:rPr lang="ko-KR" altLang="en-US" sz="2000" dirty="0" err="1"/>
+              <a:t>힙</a:t>
+            </a:r>
+            <a:r>
+              <a:rPr lang="ko-KR" altLang="en-US" sz="2000" dirty="0"/>
+              <a:t> 영역에 </a:t>
+            </a:r>
+            <a:r>
+              <a:rPr lang="ko-KR" altLang="en-US" sz="2000" dirty="0" err="1"/>
+              <a:t>쌓아둠</a:t>
+            </a:r>
+            <a:r>
+              <a:rPr lang="en-US" altLang="ko-KR" sz="2000" dirty="0"/>
+              <a:t>.</a:t>
+            </a:r>
+          </a:p>
+          <a:p>
+            <a:pPr algn="l"/>
+            <a:r>
+              <a:rPr lang="en-US" altLang="ko-KR" sz="2000" dirty="0"/>
+              <a:t>-</a:t>
+            </a:r>
+            <a:r>
+              <a:rPr lang="ko-KR" altLang="en-US" sz="2000" dirty="0"/>
+              <a:t>유동적인 메모리 관리</a:t>
+            </a:r>
+            <a:r>
+              <a:rPr lang="en-US" altLang="ko-KR" sz="2000" dirty="0"/>
+              <a:t>.	</a:t>
+            </a:r>
+          </a:p>
+        </p:txBody>
+      </p:sp>
+    </p:spTree>
+    <p:extLst>
+      <p:ext uri="{BB962C8B-B14F-4D97-AF65-F5344CB8AC3E}">
+        <p14:creationId xmlns:p14="http://schemas.microsoft.com/office/powerpoint/2010/main" val="2807696873"/>
+      </p:ext>
+    </p:extLst>
+  </p:cSld>
+  <p:clrMapOvr>
+    <a:masterClrMapping/>
+  </p:clrMapOvr>
+</p:sld>
+</file>
+
+<file path=ppt/slides/slide13.xml><?xml version="1.0" encoding="utf-8"?>
+<p:sld xmlns:a="http://schemas.openxmlformats.org/drawingml/2006/main" xmlns:r="http://schemas.openxmlformats.org/officeDocument/2006/relationships" xmlns:p="http://schemas.openxmlformats.org/presentationml/2006/main">
+  <p:cSld>
+    <p:spTree>
+      <p:nvGrpSpPr>
+        <p:cNvPr id="1" name=""/>
+        <p:cNvGrpSpPr/>
+        <p:nvPr/>
+      </p:nvGrpSpPr>
+      <p:grpSpPr>
+        <a:xfrm>
+          <a:off x="0" y="0"/>
+          <a:ext cx="0" cy="0"/>
+          <a:chOff x="0" y="0"/>
+          <a:chExt cx="0" cy="0"/>
+        </a:xfrm>
+      </p:grpSpPr>
+      <p:pic>
+        <p:nvPicPr>
+          <p:cNvPr id="5" name="그림 4">
+            <a:extLst>
+              <a:ext uri="{FF2B5EF4-FFF2-40B4-BE49-F238E27FC236}">
+                <a16:creationId xmlns:a16="http://schemas.microsoft.com/office/drawing/2014/main" id="{E529C8FB-FFB1-48FD-9332-6835CD31592D}"/>
+              </a:ext>
+            </a:extLst>
+          </p:cNvPr>
+          <p:cNvPicPr>
+            <a:picLocks noChangeAspect="1"/>
+          </p:cNvPicPr>
+          <p:nvPr/>
+        </p:nvPicPr>
+        <p:blipFill>
+          <a:blip r:embed="rId2"/>
+          <a:stretch>
+            <a:fillRect/>
+          </a:stretch>
+        </p:blipFill>
+        <p:spPr>
+          <a:xfrm>
+            <a:off x="413886" y="1030028"/>
+            <a:ext cx="7430704" cy="5573027"/>
+          </a:xfrm>
+          <a:prstGeom prst="rect">
+            <a:avLst/>
+          </a:prstGeom>
+        </p:spPr>
+      </p:pic>
+      <p:pic>
+        <p:nvPicPr>
+          <p:cNvPr id="6" name="그림 5">
+            <a:extLst>
+              <a:ext uri="{FF2B5EF4-FFF2-40B4-BE49-F238E27FC236}">
+                <a16:creationId xmlns:a16="http://schemas.microsoft.com/office/drawing/2014/main" id="{E92BD996-991A-4B0E-B516-DAC84ABF8653}"/>
+              </a:ext>
+            </a:extLst>
+          </p:cNvPr>
+          <p:cNvPicPr>
+            <a:picLocks noChangeAspect="1"/>
+          </p:cNvPicPr>
+          <p:nvPr/>
+        </p:nvPicPr>
+        <p:blipFill>
+          <a:blip r:embed="rId3"/>
+          <a:stretch>
+            <a:fillRect/>
+          </a:stretch>
+        </p:blipFill>
+        <p:spPr>
+          <a:xfrm>
+            <a:off x="654568" y="403058"/>
+            <a:ext cx="3971925" cy="342900"/>
+          </a:xfrm>
+          <a:prstGeom prst="rect">
+            <a:avLst/>
+          </a:prstGeom>
+        </p:spPr>
+      </p:pic>
+      <p:sp>
+        <p:nvSpPr>
+          <p:cNvPr id="7" name="TextBox 6">
+            <a:extLst>
+              <a:ext uri="{FF2B5EF4-FFF2-40B4-BE49-F238E27FC236}">
+                <a16:creationId xmlns:a16="http://schemas.microsoft.com/office/drawing/2014/main" id="{82220959-36F0-4538-9B7F-8FF59C8554EC}"/>
+              </a:ext>
+            </a:extLst>
+          </p:cNvPr>
+          <p:cNvSpPr txBox="1"/>
+          <p:nvPr/>
+        </p:nvSpPr>
+        <p:spPr>
+          <a:xfrm>
+            <a:off x="336884" y="3616486"/>
+            <a:ext cx="1903085" cy="400110"/>
+          </a:xfrm>
+          <a:prstGeom prst="rect">
+            <a:avLst/>
+          </a:prstGeom>
+          <a:noFill/>
+        </p:spPr>
+        <p:txBody>
+          <a:bodyPr wrap="none" rtlCol="0">
+            <a:spAutoFit/>
+          </a:bodyPr>
+          <a:lstStyle/>
+          <a:p>
+            <a:pPr algn="l"/>
+            <a:r>
+              <a:rPr lang="ko-KR" altLang="en-US" sz="2000" dirty="0"/>
+              <a:t>문자열 저장 </a:t>
+            </a:r>
+            <a:r>
+              <a:rPr lang="en-US" altLang="ko-KR" sz="2000" dirty="0">
+                <a:sym typeface="Wingdings" panose="05000000000000000000" pitchFamily="2" charset="2"/>
+              </a:rPr>
+              <a:t></a:t>
+            </a:r>
+            <a:endParaRPr lang="ko-KR" altLang="en-US" sz="2000" dirty="0"/>
+          </a:p>
+        </p:txBody>
+      </p:sp>
+      <p:sp>
+        <p:nvSpPr>
+          <p:cNvPr id="8" name="TextBox 7">
+            <a:extLst>
+              <a:ext uri="{FF2B5EF4-FFF2-40B4-BE49-F238E27FC236}">
+                <a16:creationId xmlns:a16="http://schemas.microsoft.com/office/drawing/2014/main" id="{229A875E-D7FC-4051-832B-2348084DD18D}"/>
+              </a:ext>
+            </a:extLst>
+          </p:cNvPr>
+          <p:cNvSpPr txBox="1"/>
+          <p:nvPr/>
+        </p:nvSpPr>
+        <p:spPr>
+          <a:xfrm>
+            <a:off x="7921593" y="2293047"/>
+            <a:ext cx="4270408" cy="1323439"/>
+          </a:xfrm>
+          <a:prstGeom prst="rect">
+            <a:avLst/>
+          </a:prstGeom>
+          <a:noFill/>
+          <a:ln>
+            <a:solidFill>
+              <a:schemeClr val="accent1"/>
+            </a:solidFill>
+          </a:ln>
+        </p:spPr>
+        <p:txBody>
+          <a:bodyPr wrap="square" rtlCol="0">
+            <a:spAutoFit/>
+          </a:bodyPr>
+          <a:lstStyle/>
+          <a:p>
+            <a:pPr algn="l"/>
+            <a:r>
+              <a:rPr lang="ko-KR" altLang="en-US" sz="2000" dirty="0" err="1"/>
+              <a:t>힙</a:t>
+            </a:r>
+            <a:r>
+              <a:rPr lang="ko-KR" altLang="en-US" sz="2000" dirty="0"/>
+              <a:t> 영역에 문자열을 저장 후</a:t>
+            </a:r>
+            <a:r>
+              <a:rPr lang="en-US" altLang="ko-KR" sz="2000" dirty="0"/>
+              <a:t>,</a:t>
+            </a:r>
+          </a:p>
+          <a:p>
+            <a:pPr algn="l"/>
+            <a:r>
+              <a:rPr lang="ko-KR" altLang="en-US" sz="2000" dirty="0"/>
+              <a:t>포인터로 구성된 연결리스트를 생성</a:t>
+            </a:r>
+            <a:endParaRPr lang="en-US" altLang="ko-KR" sz="2000" dirty="0"/>
+          </a:p>
+          <a:p>
+            <a:pPr algn="l"/>
+            <a:r>
+              <a:rPr lang="ko-KR" altLang="en-US" sz="2000" dirty="0"/>
+              <a:t>문자열의 주소로 접근</a:t>
+            </a:r>
+            <a:endParaRPr lang="en-US" altLang="ko-KR" sz="2000" dirty="0"/>
+          </a:p>
+          <a:p>
+            <a:pPr algn="l"/>
+            <a:r>
+              <a:rPr lang="en-US" altLang="ko-KR" sz="2000" dirty="0"/>
+              <a:t>‘=‘</a:t>
+            </a:r>
+            <a:r>
+              <a:rPr lang="ko-KR" altLang="en-US" sz="2000" dirty="0"/>
+              <a:t>을 기준으로 주소를 나눔</a:t>
+            </a:r>
+            <a:endParaRPr lang="en-US" altLang="ko-KR" sz="2000" dirty="0"/>
+          </a:p>
+        </p:txBody>
+      </p:sp>
+      <p:sp>
+        <p:nvSpPr>
+          <p:cNvPr id="9" name="TextBox 8">
+            <a:extLst>
+              <a:ext uri="{FF2B5EF4-FFF2-40B4-BE49-F238E27FC236}">
+                <a16:creationId xmlns:a16="http://schemas.microsoft.com/office/drawing/2014/main" id="{304CE2EE-FB08-45B7-830C-BDD8CB935AE1}"/>
+              </a:ext>
+            </a:extLst>
+          </p:cNvPr>
+          <p:cNvSpPr txBox="1"/>
+          <p:nvPr/>
+        </p:nvSpPr>
+        <p:spPr>
+          <a:xfrm>
+            <a:off x="7921592" y="1694046"/>
+            <a:ext cx="954107" cy="400110"/>
+          </a:xfrm>
+          <a:prstGeom prst="rect">
+            <a:avLst/>
+          </a:prstGeom>
+          <a:noFill/>
+          <a:ln>
+            <a:solidFill>
+              <a:schemeClr val="accent1"/>
+            </a:solidFill>
+          </a:ln>
+        </p:spPr>
+        <p:txBody>
+          <a:bodyPr wrap="none" rtlCol="0">
+            <a:spAutoFit/>
+          </a:bodyPr>
+          <a:lstStyle/>
+          <a:p>
+            <a:pPr algn="l"/>
+            <a:r>
+              <a:rPr lang="ko-KR" altLang="en-US" sz="2000" dirty="0"/>
+              <a:t>흐름도</a:t>
+            </a:r>
+          </a:p>
+        </p:txBody>
+      </p:sp>
+    </p:spTree>
+    <p:extLst>
+      <p:ext uri="{BB962C8B-B14F-4D97-AF65-F5344CB8AC3E}">
+        <p14:creationId xmlns:p14="http://schemas.microsoft.com/office/powerpoint/2010/main" val="713329158"/>
+      </p:ext>
+    </p:extLst>
+  </p:cSld>
+  <p:clrMapOvr>
+    <a:masterClrMapping/>
+  </p:clrMapOvr>
+</p:sld>
+</file>
+
+<file path=ppt/slides/slide14.xml><?xml version="1.0" encoding="utf-8"?>
 <p:sld xmlns:a="http://schemas.openxmlformats.org/drawingml/2006/main" xmlns:r="http://schemas.openxmlformats.org/officeDocument/2006/relationships" xmlns:p="http://schemas.openxmlformats.org/presentationml/2006/main">
   <p:cSld>
     <p:spTree>

--- a/darknet_withC.pptx
+++ b/darknet_withC.pptx
@@ -18,7 +18,12 @@
     <p:sldId id="274" r:id="rId12"/>
     <p:sldId id="273" r:id="rId13"/>
     <p:sldId id="275" r:id="rId14"/>
-    <p:sldId id="272" r:id="rId15"/>
+    <p:sldId id="276" r:id="rId15"/>
+    <p:sldId id="277" r:id="rId16"/>
+    <p:sldId id="278" r:id="rId17"/>
+    <p:sldId id="279" r:id="rId18"/>
+    <p:sldId id="280" r:id="rId19"/>
+    <p:sldId id="272" r:id="rId20"/>
   </p:sldIdLst>
   <p:sldSz cx="12192000" cy="6858000"/>
   <p:notesSz cx="6858000" cy="9144000"/>
@@ -316,7 +321,7 @@
           <a:p>
             <a:fld id="{8F186270-8102-4A14-AA74-8937BBD30F05}" type="datetimeFigureOut">
               <a:rPr lang="ko-KR" altLang="en-US" smtClean="0"/>
-              <a:t>2020-07-28</a:t>
+              <a:t>2020-07-31</a:t>
             </a:fld>
             <a:endParaRPr lang="ko-KR" altLang="en-US"/>
           </a:p>
@@ -514,7 +519,7 @@
           <a:p>
             <a:fld id="{8F186270-8102-4A14-AA74-8937BBD30F05}" type="datetimeFigureOut">
               <a:rPr lang="ko-KR" altLang="en-US" smtClean="0"/>
-              <a:t>2020-07-28</a:t>
+              <a:t>2020-07-31</a:t>
             </a:fld>
             <a:endParaRPr lang="ko-KR" altLang="en-US"/>
           </a:p>
@@ -722,7 +727,7 @@
           <a:p>
             <a:fld id="{8F186270-8102-4A14-AA74-8937BBD30F05}" type="datetimeFigureOut">
               <a:rPr lang="ko-KR" altLang="en-US" smtClean="0"/>
-              <a:t>2020-07-28</a:t>
+              <a:t>2020-07-31</a:t>
             </a:fld>
             <a:endParaRPr lang="ko-KR" altLang="en-US"/>
           </a:p>
@@ -920,7 +925,7 @@
           <a:p>
             <a:fld id="{8F186270-8102-4A14-AA74-8937BBD30F05}" type="datetimeFigureOut">
               <a:rPr lang="ko-KR" altLang="en-US" smtClean="0"/>
-              <a:t>2020-07-28</a:t>
+              <a:t>2020-07-31</a:t>
             </a:fld>
             <a:endParaRPr lang="ko-KR" altLang="en-US"/>
           </a:p>
@@ -1195,7 +1200,7 @@
           <a:p>
             <a:fld id="{8F186270-8102-4A14-AA74-8937BBD30F05}" type="datetimeFigureOut">
               <a:rPr lang="ko-KR" altLang="en-US" smtClean="0"/>
-              <a:t>2020-07-28</a:t>
+              <a:t>2020-07-31</a:t>
             </a:fld>
             <a:endParaRPr lang="ko-KR" altLang="en-US"/>
           </a:p>
@@ -1460,7 +1465,7 @@
           <a:p>
             <a:fld id="{8F186270-8102-4A14-AA74-8937BBD30F05}" type="datetimeFigureOut">
               <a:rPr lang="ko-KR" altLang="en-US" smtClean="0"/>
-              <a:t>2020-07-28</a:t>
+              <a:t>2020-07-31</a:t>
             </a:fld>
             <a:endParaRPr lang="ko-KR" altLang="en-US"/>
           </a:p>
@@ -1872,7 +1877,7 @@
           <a:p>
             <a:fld id="{8F186270-8102-4A14-AA74-8937BBD30F05}" type="datetimeFigureOut">
               <a:rPr lang="ko-KR" altLang="en-US" smtClean="0"/>
-              <a:t>2020-07-28</a:t>
+              <a:t>2020-07-31</a:t>
             </a:fld>
             <a:endParaRPr lang="ko-KR" altLang="en-US"/>
           </a:p>
@@ -2013,7 +2018,7 @@
           <a:p>
             <a:fld id="{8F186270-8102-4A14-AA74-8937BBD30F05}" type="datetimeFigureOut">
               <a:rPr lang="ko-KR" altLang="en-US" smtClean="0"/>
-              <a:t>2020-07-28</a:t>
+              <a:t>2020-07-31</a:t>
             </a:fld>
             <a:endParaRPr lang="ko-KR" altLang="en-US"/>
           </a:p>
@@ -2126,7 +2131,7 @@
           <a:p>
             <a:fld id="{8F186270-8102-4A14-AA74-8937BBD30F05}" type="datetimeFigureOut">
               <a:rPr lang="ko-KR" altLang="en-US" smtClean="0"/>
-              <a:t>2020-07-28</a:t>
+              <a:t>2020-07-31</a:t>
             </a:fld>
             <a:endParaRPr lang="ko-KR" altLang="en-US"/>
           </a:p>
@@ -2437,7 +2442,7 @@
           <a:p>
             <a:fld id="{8F186270-8102-4A14-AA74-8937BBD30F05}" type="datetimeFigureOut">
               <a:rPr lang="ko-KR" altLang="en-US" smtClean="0"/>
-              <a:t>2020-07-28</a:t>
+              <a:t>2020-07-31</a:t>
             </a:fld>
             <a:endParaRPr lang="ko-KR" altLang="en-US"/>
           </a:p>
@@ -2725,7 +2730,7 @@
           <a:p>
             <a:fld id="{8F186270-8102-4A14-AA74-8937BBD30F05}" type="datetimeFigureOut">
               <a:rPr lang="ko-KR" altLang="en-US" smtClean="0"/>
-              <a:t>2020-07-28</a:t>
+              <a:t>2020-07-31</a:t>
             </a:fld>
             <a:endParaRPr lang="ko-KR" altLang="en-US"/>
           </a:p>
@@ -2966,7 +2971,7 @@
           <a:p>
             <a:fld id="{8F186270-8102-4A14-AA74-8937BBD30F05}" type="datetimeFigureOut">
               <a:rPr lang="ko-KR" altLang="en-US" smtClean="0"/>
-              <a:t>2020-07-28</a:t>
+              <a:t>2020-07-31</a:t>
             </a:fld>
             <a:endParaRPr lang="ko-KR" altLang="en-US"/>
           </a:p>
@@ -4271,7 +4276,10 @@
               <a:rPr lang="ko-KR" altLang="en-US" sz="2000" dirty="0"/>
               <a:t>포인터로 구성된 연결리스트를 생성</a:t>
             </a:r>
-            <a:endParaRPr lang="en-US" altLang="ko-KR" sz="2000" dirty="0"/>
+            <a:r>
+              <a:rPr lang="en-US" altLang="ko-KR" sz="2000" dirty="0"/>
+              <a:t>.</a:t>
+            </a:r>
           </a:p>
           <a:p>
             <a:pPr algn="l"/>
@@ -4279,7 +4287,10 @@
               <a:rPr lang="ko-KR" altLang="en-US" sz="2000" dirty="0"/>
               <a:t>문자열의 주소로 접근</a:t>
             </a:r>
-            <a:endParaRPr lang="en-US" altLang="ko-KR" sz="2000" dirty="0"/>
+            <a:r>
+              <a:rPr lang="en-US" altLang="ko-KR" sz="2000" dirty="0"/>
+              <a:t>.</a:t>
+            </a:r>
           </a:p>
           <a:p>
             <a:pPr algn="l"/>
@@ -4291,7 +4302,10 @@
               <a:rPr lang="ko-KR" altLang="en-US" sz="2000" dirty="0"/>
               <a:t>을 기준으로 주소를 나눔</a:t>
             </a:r>
-            <a:endParaRPr lang="en-US" altLang="ko-KR" sz="2000" dirty="0"/>
+            <a:r>
+              <a:rPr lang="en-US" altLang="ko-KR" sz="2000" dirty="0"/>
+              <a:t>.</a:t>
+            </a:r>
           </a:p>
         </p:txBody>
       </p:sp>
@@ -4350,6 +4364,818 @@
 </file>
 
 <file path=ppt/slides/slide14.xml><?xml version="1.0" encoding="utf-8"?>
+<p:sld xmlns:a="http://schemas.openxmlformats.org/drawingml/2006/main" xmlns:r="http://schemas.openxmlformats.org/officeDocument/2006/relationships" xmlns:p="http://schemas.openxmlformats.org/presentationml/2006/main">
+  <p:cSld>
+    <p:spTree>
+      <p:nvGrpSpPr>
+        <p:cNvPr id="1" name=""/>
+        <p:cNvGrpSpPr/>
+        <p:nvPr/>
+      </p:nvGrpSpPr>
+      <p:grpSpPr>
+        <a:xfrm>
+          <a:off x="0" y="0"/>
+          <a:ext cx="0" cy="0"/>
+          <a:chOff x="0" y="0"/>
+          <a:chExt cx="0" cy="0"/>
+        </a:xfrm>
+      </p:grpSpPr>
+      <p:sp>
+        <p:nvSpPr>
+          <p:cNvPr id="2" name="제목 1">
+            <a:extLst>
+              <a:ext uri="{FF2B5EF4-FFF2-40B4-BE49-F238E27FC236}">
+                <a16:creationId xmlns:a16="http://schemas.microsoft.com/office/drawing/2014/main" id="{535B601F-9C0F-4D5D-83A5-904D164D0D83}"/>
+              </a:ext>
+            </a:extLst>
+          </p:cNvPr>
+          <p:cNvSpPr>
+            <a:spLocks noGrp="1"/>
+          </p:cNvSpPr>
+          <p:nvPr>
+            <p:ph type="title"/>
+          </p:nvPr>
+        </p:nvSpPr>
+        <p:spPr>
+          <a:xfrm>
+            <a:off x="348858" y="0"/>
+            <a:ext cx="10515600" cy="1325563"/>
+          </a:xfrm>
+        </p:spPr>
+        <p:txBody>
+          <a:bodyPr/>
+          <a:lstStyle/>
+          <a:p>
+            <a:r>
+              <a:rPr lang="en-US" altLang="ko-KR" dirty="0"/>
+              <a:t>stream</a:t>
+            </a:r>
+            <a:endParaRPr lang="ko-KR" altLang="en-US" dirty="0"/>
+          </a:p>
+        </p:txBody>
+      </p:sp>
+      <p:sp>
+        <p:nvSpPr>
+          <p:cNvPr id="7" name="TextBox 6">
+            <a:extLst>
+              <a:ext uri="{FF2B5EF4-FFF2-40B4-BE49-F238E27FC236}">
+                <a16:creationId xmlns:a16="http://schemas.microsoft.com/office/drawing/2014/main" id="{E9FD8134-E579-4D20-AAAC-CA3B0B628907}"/>
+              </a:ext>
+            </a:extLst>
+          </p:cNvPr>
+          <p:cNvSpPr txBox="1"/>
+          <p:nvPr/>
+        </p:nvSpPr>
+        <p:spPr>
+          <a:xfrm>
+            <a:off x="932688" y="925453"/>
+            <a:ext cx="2472152" cy="400110"/>
+          </a:xfrm>
+          <a:prstGeom prst="rect">
+            <a:avLst/>
+          </a:prstGeom>
+          <a:noFill/>
+        </p:spPr>
+        <p:txBody>
+          <a:bodyPr wrap="none" rtlCol="0">
+            <a:spAutoFit/>
+          </a:bodyPr>
+          <a:lstStyle/>
+          <a:p>
+            <a:pPr algn="l"/>
+            <a:r>
+              <a:rPr lang="en-US" altLang="ko-KR" sz="2000" dirty="0"/>
+              <a:t>: </a:t>
+            </a:r>
+            <a:r>
+              <a:rPr lang="ko-KR" altLang="en-US" sz="2000" dirty="0"/>
+              <a:t>데이터의 이동수단</a:t>
+            </a:r>
+          </a:p>
+        </p:txBody>
+      </p:sp>
+      <p:pic>
+        <p:nvPicPr>
+          <p:cNvPr id="8" name="그림 7">
+            <a:extLst>
+              <a:ext uri="{FF2B5EF4-FFF2-40B4-BE49-F238E27FC236}">
+                <a16:creationId xmlns:a16="http://schemas.microsoft.com/office/drawing/2014/main" id="{86F95BBD-1255-45DF-9141-2762C29078AB}"/>
+              </a:ext>
+            </a:extLst>
+          </p:cNvPr>
+          <p:cNvPicPr>
+            <a:picLocks noChangeAspect="1"/>
+          </p:cNvPicPr>
+          <p:nvPr/>
+        </p:nvPicPr>
+        <p:blipFill>
+          <a:blip r:embed="rId2"/>
+          <a:stretch>
+            <a:fillRect/>
+          </a:stretch>
+        </p:blipFill>
+        <p:spPr>
+          <a:xfrm>
+            <a:off x="162291" y="1771822"/>
+            <a:ext cx="5634546" cy="2905063"/>
+          </a:xfrm>
+          <a:prstGeom prst="rect">
+            <a:avLst/>
+          </a:prstGeom>
+        </p:spPr>
+      </p:pic>
+      <p:sp>
+        <p:nvSpPr>
+          <p:cNvPr id="9" name="TextBox 8">
+            <a:extLst>
+              <a:ext uri="{FF2B5EF4-FFF2-40B4-BE49-F238E27FC236}">
+                <a16:creationId xmlns:a16="http://schemas.microsoft.com/office/drawing/2014/main" id="{41E9E9ED-71EB-48B0-9FF9-76BF76CF9565}"/>
+              </a:ext>
+            </a:extLst>
+          </p:cNvPr>
+          <p:cNvSpPr txBox="1"/>
+          <p:nvPr/>
+        </p:nvSpPr>
+        <p:spPr>
+          <a:xfrm>
+            <a:off x="2904396" y="2551927"/>
+            <a:ext cx="864039" cy="400110"/>
+          </a:xfrm>
+          <a:prstGeom prst="rect">
+            <a:avLst/>
+          </a:prstGeom>
+          <a:noFill/>
+        </p:spPr>
+        <p:txBody>
+          <a:bodyPr wrap="square" rtlCol="0">
+            <a:spAutoFit/>
+          </a:bodyPr>
+          <a:lstStyle/>
+          <a:p>
+            <a:pPr algn="l"/>
+            <a:r>
+              <a:rPr lang="en-US" altLang="ko-KR" sz="2000" dirty="0" err="1">
+                <a:solidFill>
+                  <a:srgbClr val="FFFF00"/>
+                </a:solidFill>
+              </a:rPr>
+              <a:t>printf</a:t>
+            </a:r>
+            <a:endParaRPr lang="ko-KR" altLang="en-US" sz="2000" dirty="0">
+              <a:solidFill>
+                <a:srgbClr val="FFFF00"/>
+              </a:solidFill>
+            </a:endParaRPr>
+          </a:p>
+        </p:txBody>
+      </p:sp>
+      <p:sp>
+        <p:nvSpPr>
+          <p:cNvPr id="10" name="TextBox 9">
+            <a:extLst>
+              <a:ext uri="{FF2B5EF4-FFF2-40B4-BE49-F238E27FC236}">
+                <a16:creationId xmlns:a16="http://schemas.microsoft.com/office/drawing/2014/main" id="{C43C23B3-FE9B-49DE-B2AC-E37A22241A8A}"/>
+              </a:ext>
+            </a:extLst>
+          </p:cNvPr>
+          <p:cNvSpPr txBox="1"/>
+          <p:nvPr/>
+        </p:nvSpPr>
+        <p:spPr>
+          <a:xfrm>
+            <a:off x="2904396" y="3854349"/>
+            <a:ext cx="831606" cy="400110"/>
+          </a:xfrm>
+          <a:prstGeom prst="rect">
+            <a:avLst/>
+          </a:prstGeom>
+          <a:noFill/>
+        </p:spPr>
+        <p:txBody>
+          <a:bodyPr wrap="square" rtlCol="0">
+            <a:spAutoFit/>
+          </a:bodyPr>
+          <a:lstStyle/>
+          <a:p>
+            <a:pPr algn="l"/>
+            <a:r>
+              <a:rPr lang="en-US" altLang="ko-KR" sz="2000" dirty="0" err="1">
+                <a:solidFill>
+                  <a:srgbClr val="FFFF00"/>
+                </a:solidFill>
+              </a:rPr>
+              <a:t>scanf</a:t>
+            </a:r>
+            <a:endParaRPr lang="ko-KR" altLang="en-US" sz="2000" dirty="0">
+              <a:solidFill>
+                <a:srgbClr val="FFFF00"/>
+              </a:solidFill>
+            </a:endParaRPr>
+          </a:p>
+        </p:txBody>
+      </p:sp>
+      <p:sp>
+        <p:nvSpPr>
+          <p:cNvPr id="11" name="TextBox 10">
+            <a:extLst>
+              <a:ext uri="{FF2B5EF4-FFF2-40B4-BE49-F238E27FC236}">
+                <a16:creationId xmlns:a16="http://schemas.microsoft.com/office/drawing/2014/main" id="{AF43188C-0906-4BBB-A6CE-1158A4BC2710}"/>
+              </a:ext>
+            </a:extLst>
+          </p:cNvPr>
+          <p:cNvSpPr txBox="1"/>
+          <p:nvPr/>
+        </p:nvSpPr>
+        <p:spPr>
+          <a:xfrm>
+            <a:off x="5896415" y="1771822"/>
+            <a:ext cx="5498557" cy="2092881"/>
+          </a:xfrm>
+          <a:prstGeom prst="rect">
+            <a:avLst/>
+          </a:prstGeom>
+          <a:noFill/>
+        </p:spPr>
+        <p:txBody>
+          <a:bodyPr wrap="none" rtlCol="0">
+            <a:spAutoFit/>
+          </a:bodyPr>
+          <a:lstStyle/>
+          <a:p>
+            <a:pPr algn="l"/>
+            <a:r>
+              <a:rPr lang="en-US" altLang="ko-KR" sz="2000" b="1" dirty="0"/>
+              <a:t>1. </a:t>
+            </a:r>
+            <a:r>
+              <a:rPr lang="ko-KR" altLang="en-US" sz="2000" b="1" dirty="0"/>
+              <a:t>콘솔 입출력을 위한 입력</a:t>
+            </a:r>
+            <a:r>
+              <a:rPr lang="en-US" altLang="ko-KR" sz="2000" b="1" dirty="0"/>
+              <a:t>,</a:t>
+            </a:r>
+            <a:r>
+              <a:rPr lang="ko-KR" altLang="en-US" sz="2000" b="1" dirty="0"/>
+              <a:t>출력 스트림</a:t>
+            </a:r>
+            <a:endParaRPr lang="en-US" altLang="ko-KR" sz="2000" b="1" dirty="0"/>
+          </a:p>
+          <a:p>
+            <a:pPr algn="l"/>
+            <a:r>
+              <a:rPr lang="en-US" altLang="ko-KR" sz="2000" dirty="0"/>
+              <a:t>  </a:t>
+            </a:r>
+            <a:r>
+              <a:rPr lang="en-US" altLang="ko-KR" dirty="0"/>
+              <a:t>: </a:t>
+            </a:r>
+            <a:r>
+              <a:rPr lang="ko-KR" altLang="en-US" dirty="0"/>
+              <a:t>프로그램 실행 시 자동으로 생성되며 프로그램 </a:t>
+            </a:r>
+            <a:endParaRPr lang="en-US" altLang="ko-KR" dirty="0"/>
+          </a:p>
+          <a:p>
+            <a:pPr algn="l"/>
+            <a:r>
+              <a:rPr lang="ko-KR" altLang="en-US" dirty="0"/>
+              <a:t>종료</a:t>
+            </a:r>
+            <a:r>
+              <a:rPr lang="en-US" altLang="ko-KR" dirty="0"/>
+              <a:t> </a:t>
+            </a:r>
+            <a:r>
+              <a:rPr lang="ko-KR" altLang="en-US" dirty="0"/>
+              <a:t>시 자동으로 소멸</a:t>
+            </a:r>
+            <a:r>
+              <a:rPr lang="en-US" altLang="ko-KR" dirty="0"/>
+              <a:t>. </a:t>
+            </a:r>
+          </a:p>
+          <a:p>
+            <a:pPr algn="l"/>
+            <a:r>
+              <a:rPr lang="en-US" altLang="ko-KR" dirty="0">
+                <a:sym typeface="Wingdings" panose="05000000000000000000" pitchFamily="2" charset="2"/>
+              </a:rPr>
+              <a:t>  </a:t>
+            </a:r>
+            <a:r>
+              <a:rPr lang="ko-KR" altLang="en-US" dirty="0">
+                <a:sym typeface="Wingdings" panose="05000000000000000000" pitchFamily="2" charset="2"/>
+              </a:rPr>
+              <a:t>표준 스트림</a:t>
+            </a:r>
+            <a:r>
+              <a:rPr lang="en-US" altLang="ko-KR" dirty="0">
+                <a:sym typeface="Wingdings" panose="05000000000000000000" pitchFamily="2" charset="2"/>
+              </a:rPr>
+              <a:t>.</a:t>
+            </a:r>
+          </a:p>
+          <a:p>
+            <a:pPr algn="l"/>
+            <a:r>
+              <a:rPr lang="en-US" altLang="ko-KR" dirty="0">
+                <a:sym typeface="Wingdings" panose="05000000000000000000" pitchFamily="2" charset="2"/>
+              </a:rPr>
+              <a:t>stdin    [</a:t>
+            </a:r>
+            <a:r>
+              <a:rPr lang="ko-KR" altLang="en-US" dirty="0">
+                <a:sym typeface="Wingdings" panose="05000000000000000000" pitchFamily="2" charset="2"/>
+              </a:rPr>
+              <a:t>표준 입력 스트림</a:t>
+            </a:r>
+            <a:r>
+              <a:rPr lang="en-US" altLang="ko-KR" dirty="0">
+                <a:sym typeface="Wingdings" panose="05000000000000000000" pitchFamily="2" charset="2"/>
+              </a:rPr>
+              <a:t>]</a:t>
+            </a:r>
+            <a:r>
+              <a:rPr lang="ko-KR" altLang="en-US" dirty="0">
+                <a:sym typeface="Wingdings" panose="05000000000000000000" pitchFamily="2" charset="2"/>
+              </a:rPr>
+              <a:t>  </a:t>
+            </a:r>
+            <a:r>
+              <a:rPr lang="en-US" altLang="ko-KR" dirty="0">
+                <a:sym typeface="Wingdings" panose="05000000000000000000" pitchFamily="2" charset="2"/>
+              </a:rPr>
+              <a:t>[</a:t>
+            </a:r>
+            <a:r>
+              <a:rPr lang="ko-KR" altLang="en-US" dirty="0">
+                <a:sym typeface="Wingdings" panose="05000000000000000000" pitchFamily="2" charset="2"/>
+              </a:rPr>
+              <a:t>키보드 대상으로 입력</a:t>
+            </a:r>
+            <a:r>
+              <a:rPr lang="en-US" altLang="ko-KR" dirty="0">
+                <a:sym typeface="Wingdings" panose="05000000000000000000" pitchFamily="2" charset="2"/>
+              </a:rPr>
+              <a:t>]</a:t>
+            </a:r>
+          </a:p>
+          <a:p>
+            <a:pPr algn="l"/>
+            <a:r>
+              <a:rPr lang="en-US" altLang="ko-KR" dirty="0" err="1">
+                <a:sym typeface="Wingdings" panose="05000000000000000000" pitchFamily="2" charset="2"/>
+              </a:rPr>
+              <a:t>stdout</a:t>
+            </a:r>
+            <a:r>
+              <a:rPr lang="en-US" altLang="ko-KR" dirty="0">
+                <a:sym typeface="Wingdings" panose="05000000000000000000" pitchFamily="2" charset="2"/>
+              </a:rPr>
+              <a:t>  [</a:t>
+            </a:r>
+            <a:r>
+              <a:rPr lang="ko-KR" altLang="en-US" dirty="0">
+                <a:sym typeface="Wingdings" panose="05000000000000000000" pitchFamily="2" charset="2"/>
+              </a:rPr>
+              <a:t>표준 출력 스트림</a:t>
+            </a:r>
+            <a:r>
+              <a:rPr lang="en-US" altLang="ko-KR" dirty="0">
+                <a:sym typeface="Wingdings" panose="05000000000000000000" pitchFamily="2" charset="2"/>
+              </a:rPr>
+              <a:t>] </a:t>
+            </a:r>
+            <a:r>
+              <a:rPr lang="ko-KR" altLang="en-US" dirty="0">
+                <a:sym typeface="Wingdings" panose="05000000000000000000" pitchFamily="2" charset="2"/>
+              </a:rPr>
+              <a:t> </a:t>
+            </a:r>
+            <a:r>
+              <a:rPr lang="en-US" altLang="ko-KR" dirty="0">
+                <a:sym typeface="Wingdings" panose="05000000000000000000" pitchFamily="2" charset="2"/>
+              </a:rPr>
+              <a:t>[</a:t>
+            </a:r>
+            <a:r>
+              <a:rPr lang="ko-KR" altLang="en-US" dirty="0">
+                <a:sym typeface="Wingdings" panose="05000000000000000000" pitchFamily="2" charset="2"/>
+              </a:rPr>
+              <a:t>모니터 대상으로 출력</a:t>
+            </a:r>
+            <a:r>
+              <a:rPr lang="en-US" altLang="ko-KR" dirty="0">
+                <a:sym typeface="Wingdings" panose="05000000000000000000" pitchFamily="2" charset="2"/>
+              </a:rPr>
+              <a:t>]</a:t>
+            </a:r>
+          </a:p>
+          <a:p>
+            <a:pPr algn="l"/>
+            <a:r>
+              <a:rPr lang="en-US" altLang="ko-KR" dirty="0">
+                <a:sym typeface="Wingdings" panose="05000000000000000000" pitchFamily="2" charset="2"/>
+              </a:rPr>
+              <a:t>stderr</a:t>
+            </a:r>
+            <a:r>
+              <a:rPr lang="ko-KR" altLang="en-US" dirty="0">
+                <a:sym typeface="Wingdings" panose="05000000000000000000" pitchFamily="2" charset="2"/>
+              </a:rPr>
+              <a:t>   </a:t>
+            </a:r>
+            <a:r>
+              <a:rPr lang="en-US" altLang="ko-KR" dirty="0">
+                <a:sym typeface="Wingdings" panose="05000000000000000000" pitchFamily="2" charset="2"/>
+              </a:rPr>
+              <a:t>[</a:t>
+            </a:r>
+            <a:r>
+              <a:rPr lang="ko-KR" altLang="en-US" dirty="0">
+                <a:sym typeface="Wingdings" panose="05000000000000000000" pitchFamily="2" charset="2"/>
+              </a:rPr>
+              <a:t>표준 에러 스트림</a:t>
+            </a:r>
+            <a:r>
+              <a:rPr lang="en-US" altLang="ko-KR" dirty="0">
+                <a:sym typeface="Wingdings" panose="05000000000000000000" pitchFamily="2" charset="2"/>
+              </a:rPr>
+              <a:t>]</a:t>
+            </a:r>
+            <a:r>
+              <a:rPr lang="ko-KR" altLang="en-US" dirty="0">
+                <a:sym typeface="Wingdings" panose="05000000000000000000" pitchFamily="2" charset="2"/>
+              </a:rPr>
+              <a:t>  </a:t>
+            </a:r>
+            <a:r>
+              <a:rPr lang="en-US" altLang="ko-KR" dirty="0">
+                <a:sym typeface="Wingdings" panose="05000000000000000000" pitchFamily="2" charset="2"/>
+              </a:rPr>
+              <a:t>[</a:t>
+            </a:r>
+            <a:r>
+              <a:rPr lang="ko-KR" altLang="en-US" dirty="0">
+                <a:sym typeface="Wingdings" panose="05000000000000000000" pitchFamily="2" charset="2"/>
+              </a:rPr>
+              <a:t>모니터 대상으로 출력</a:t>
+            </a:r>
+            <a:r>
+              <a:rPr lang="en-US" altLang="ko-KR" dirty="0">
+                <a:sym typeface="Wingdings" panose="05000000000000000000" pitchFamily="2" charset="2"/>
+              </a:rPr>
+              <a:t>]</a:t>
+            </a:r>
+            <a:endParaRPr lang="en-US" altLang="ko-KR" dirty="0"/>
+          </a:p>
+        </p:txBody>
+      </p:sp>
+      <p:sp>
+        <p:nvSpPr>
+          <p:cNvPr id="12" name="TextBox 11">
+            <a:extLst>
+              <a:ext uri="{FF2B5EF4-FFF2-40B4-BE49-F238E27FC236}">
+                <a16:creationId xmlns:a16="http://schemas.microsoft.com/office/drawing/2014/main" id="{A6B7A554-8F6A-43FB-8CF9-59E31AAC0277}"/>
+              </a:ext>
+            </a:extLst>
+          </p:cNvPr>
+          <p:cNvSpPr txBox="1"/>
+          <p:nvPr/>
+        </p:nvSpPr>
+        <p:spPr>
+          <a:xfrm>
+            <a:off x="5896415" y="3957018"/>
+            <a:ext cx="5178021" cy="677108"/>
+          </a:xfrm>
+          <a:prstGeom prst="rect">
+            <a:avLst/>
+          </a:prstGeom>
+          <a:noFill/>
+        </p:spPr>
+        <p:txBody>
+          <a:bodyPr wrap="none" rtlCol="0">
+            <a:spAutoFit/>
+          </a:bodyPr>
+          <a:lstStyle/>
+          <a:p>
+            <a:pPr algn="l"/>
+            <a:r>
+              <a:rPr lang="en-US" altLang="ko-KR" sz="2000" b="1" dirty="0"/>
+              <a:t>2. </a:t>
+            </a:r>
+            <a:r>
+              <a:rPr lang="ko-KR" altLang="en-US" sz="2000" b="1" dirty="0"/>
+              <a:t>파일과의 입력</a:t>
+            </a:r>
+            <a:r>
+              <a:rPr lang="en-US" altLang="ko-KR" sz="2000" b="1" dirty="0"/>
+              <a:t>,</a:t>
+            </a:r>
+            <a:r>
+              <a:rPr lang="ko-KR" altLang="en-US" sz="2000" b="1" dirty="0"/>
+              <a:t>출력 스트림</a:t>
+            </a:r>
+            <a:endParaRPr lang="en-US" altLang="ko-KR" sz="2000" b="1" dirty="0"/>
+          </a:p>
+          <a:p>
+            <a:pPr algn="l"/>
+            <a:r>
+              <a:rPr lang="en-US" altLang="ko-KR" dirty="0"/>
+              <a:t>   : </a:t>
+            </a:r>
+            <a:r>
+              <a:rPr lang="ko-KR" altLang="en-US" dirty="0"/>
+              <a:t>사용자가 스트림의 생성을 직접 요구</a:t>
+            </a:r>
+            <a:r>
+              <a:rPr lang="en-US" altLang="ko-KR" dirty="0"/>
+              <a:t> </a:t>
+            </a:r>
+            <a:r>
+              <a:rPr lang="ko-KR" altLang="en-US" dirty="0"/>
+              <a:t>해야함</a:t>
+            </a:r>
+            <a:r>
+              <a:rPr lang="en-US" altLang="ko-KR" dirty="0"/>
+              <a:t>.</a:t>
+            </a:r>
+            <a:endParaRPr lang="ko-KR" altLang="en-US" dirty="0"/>
+          </a:p>
+        </p:txBody>
+      </p:sp>
+    </p:spTree>
+    <p:extLst>
+      <p:ext uri="{BB962C8B-B14F-4D97-AF65-F5344CB8AC3E}">
+        <p14:creationId xmlns:p14="http://schemas.microsoft.com/office/powerpoint/2010/main" val="2788944518"/>
+      </p:ext>
+    </p:extLst>
+  </p:cSld>
+  <p:clrMapOvr>
+    <a:masterClrMapping/>
+  </p:clrMapOvr>
+</p:sld>
+</file>
+
+<file path=ppt/slides/slide15.xml><?xml version="1.0" encoding="utf-8"?>
+<p:sld xmlns:a="http://schemas.openxmlformats.org/drawingml/2006/main" xmlns:r="http://schemas.openxmlformats.org/officeDocument/2006/relationships" xmlns:p="http://schemas.openxmlformats.org/presentationml/2006/main">
+  <p:cSld>
+    <p:spTree>
+      <p:nvGrpSpPr>
+        <p:cNvPr id="1" name=""/>
+        <p:cNvGrpSpPr/>
+        <p:nvPr/>
+      </p:nvGrpSpPr>
+      <p:grpSpPr>
+        <a:xfrm>
+          <a:off x="0" y="0"/>
+          <a:ext cx="0" cy="0"/>
+          <a:chOff x="0" y="0"/>
+          <a:chExt cx="0" cy="0"/>
+        </a:xfrm>
+      </p:grpSpPr>
+      <p:sp>
+        <p:nvSpPr>
+          <p:cNvPr id="2" name="제목 1">
+            <a:extLst>
+              <a:ext uri="{FF2B5EF4-FFF2-40B4-BE49-F238E27FC236}">
+                <a16:creationId xmlns:a16="http://schemas.microsoft.com/office/drawing/2014/main" id="{535B601F-9C0F-4D5D-83A5-904D164D0D83}"/>
+              </a:ext>
+            </a:extLst>
+          </p:cNvPr>
+          <p:cNvSpPr>
+            <a:spLocks noGrp="1"/>
+          </p:cNvSpPr>
+          <p:nvPr>
+            <p:ph type="title"/>
+          </p:nvPr>
+        </p:nvSpPr>
+        <p:spPr>
+          <a:xfrm>
+            <a:off x="348858" y="0"/>
+            <a:ext cx="10515600" cy="1325563"/>
+          </a:xfrm>
+        </p:spPr>
+        <p:txBody>
+          <a:bodyPr/>
+          <a:lstStyle/>
+          <a:p>
+            <a:r>
+              <a:rPr lang="en-US" altLang="ko-KR" dirty="0"/>
+              <a:t>stream</a:t>
+            </a:r>
+            <a:endParaRPr lang="ko-KR" altLang="en-US" dirty="0"/>
+          </a:p>
+        </p:txBody>
+      </p:sp>
+    </p:spTree>
+    <p:extLst>
+      <p:ext uri="{BB962C8B-B14F-4D97-AF65-F5344CB8AC3E}">
+        <p14:creationId xmlns:p14="http://schemas.microsoft.com/office/powerpoint/2010/main" val="2023912576"/>
+      </p:ext>
+    </p:extLst>
+  </p:cSld>
+  <p:clrMapOvr>
+    <a:masterClrMapping/>
+  </p:clrMapOvr>
+</p:sld>
+</file>
+
+<file path=ppt/slides/slide16.xml><?xml version="1.0" encoding="utf-8"?>
+<p:sld xmlns:a="http://schemas.openxmlformats.org/drawingml/2006/main" xmlns:r="http://schemas.openxmlformats.org/officeDocument/2006/relationships" xmlns:p="http://schemas.openxmlformats.org/presentationml/2006/main">
+  <p:cSld>
+    <p:spTree>
+      <p:nvGrpSpPr>
+        <p:cNvPr id="1" name=""/>
+        <p:cNvGrpSpPr/>
+        <p:nvPr/>
+      </p:nvGrpSpPr>
+      <p:grpSpPr>
+        <a:xfrm>
+          <a:off x="0" y="0"/>
+          <a:ext cx="0" cy="0"/>
+          <a:chOff x="0" y="0"/>
+          <a:chExt cx="0" cy="0"/>
+        </a:xfrm>
+      </p:grpSpPr>
+      <p:sp>
+        <p:nvSpPr>
+          <p:cNvPr id="2" name="제목 1">
+            <a:extLst>
+              <a:ext uri="{FF2B5EF4-FFF2-40B4-BE49-F238E27FC236}">
+                <a16:creationId xmlns:a16="http://schemas.microsoft.com/office/drawing/2014/main" id="{535B601F-9C0F-4D5D-83A5-904D164D0D83}"/>
+              </a:ext>
+            </a:extLst>
+          </p:cNvPr>
+          <p:cNvSpPr>
+            <a:spLocks noGrp="1"/>
+          </p:cNvSpPr>
+          <p:nvPr>
+            <p:ph type="title"/>
+          </p:nvPr>
+        </p:nvSpPr>
+        <p:spPr>
+          <a:xfrm>
+            <a:off x="348858" y="0"/>
+            <a:ext cx="10515600" cy="1325563"/>
+          </a:xfrm>
+        </p:spPr>
+        <p:txBody>
+          <a:bodyPr/>
+          <a:lstStyle/>
+          <a:p>
+            <a:r>
+              <a:rPr lang="en-US" altLang="ko-KR" dirty="0"/>
+              <a:t>stream</a:t>
+            </a:r>
+            <a:endParaRPr lang="ko-KR" altLang="en-US" dirty="0"/>
+          </a:p>
+        </p:txBody>
+      </p:sp>
+    </p:spTree>
+    <p:extLst>
+      <p:ext uri="{BB962C8B-B14F-4D97-AF65-F5344CB8AC3E}">
+        <p14:creationId xmlns:p14="http://schemas.microsoft.com/office/powerpoint/2010/main" val="369992566"/>
+      </p:ext>
+    </p:extLst>
+  </p:cSld>
+  <p:clrMapOvr>
+    <a:masterClrMapping/>
+  </p:clrMapOvr>
+</p:sld>
+</file>
+
+<file path=ppt/slides/slide17.xml><?xml version="1.0" encoding="utf-8"?>
+<p:sld xmlns:a="http://schemas.openxmlformats.org/drawingml/2006/main" xmlns:r="http://schemas.openxmlformats.org/officeDocument/2006/relationships" xmlns:p="http://schemas.openxmlformats.org/presentationml/2006/main">
+  <p:cSld>
+    <p:spTree>
+      <p:nvGrpSpPr>
+        <p:cNvPr id="1" name=""/>
+        <p:cNvGrpSpPr/>
+        <p:nvPr/>
+      </p:nvGrpSpPr>
+      <p:grpSpPr>
+        <a:xfrm>
+          <a:off x="0" y="0"/>
+          <a:ext cx="0" cy="0"/>
+          <a:chOff x="0" y="0"/>
+          <a:chExt cx="0" cy="0"/>
+        </a:xfrm>
+      </p:grpSpPr>
+      <p:sp>
+        <p:nvSpPr>
+          <p:cNvPr id="2" name="제목 1">
+            <a:extLst>
+              <a:ext uri="{FF2B5EF4-FFF2-40B4-BE49-F238E27FC236}">
+                <a16:creationId xmlns:a16="http://schemas.microsoft.com/office/drawing/2014/main" id="{535B601F-9C0F-4D5D-83A5-904D164D0D83}"/>
+              </a:ext>
+            </a:extLst>
+          </p:cNvPr>
+          <p:cNvSpPr>
+            <a:spLocks noGrp="1"/>
+          </p:cNvSpPr>
+          <p:nvPr>
+            <p:ph type="title"/>
+          </p:nvPr>
+        </p:nvSpPr>
+        <p:spPr>
+          <a:xfrm>
+            <a:off x="348858" y="0"/>
+            <a:ext cx="10515600" cy="1325563"/>
+          </a:xfrm>
+        </p:spPr>
+        <p:txBody>
+          <a:bodyPr/>
+          <a:lstStyle/>
+          <a:p>
+            <a:r>
+              <a:rPr lang="en-US" altLang="ko-KR" dirty="0"/>
+              <a:t>stream</a:t>
+            </a:r>
+            <a:endParaRPr lang="ko-KR" altLang="en-US" dirty="0"/>
+          </a:p>
+        </p:txBody>
+      </p:sp>
+    </p:spTree>
+    <p:extLst>
+      <p:ext uri="{BB962C8B-B14F-4D97-AF65-F5344CB8AC3E}">
+        <p14:creationId xmlns:p14="http://schemas.microsoft.com/office/powerpoint/2010/main" val="3167768891"/>
+      </p:ext>
+    </p:extLst>
+  </p:cSld>
+  <p:clrMapOvr>
+    <a:masterClrMapping/>
+  </p:clrMapOvr>
+</p:sld>
+</file>
+
+<file path=ppt/slides/slide18.xml><?xml version="1.0" encoding="utf-8"?>
+<p:sld xmlns:a="http://schemas.openxmlformats.org/drawingml/2006/main" xmlns:r="http://schemas.openxmlformats.org/officeDocument/2006/relationships" xmlns:p="http://schemas.openxmlformats.org/presentationml/2006/main">
+  <p:cSld>
+    <p:spTree>
+      <p:nvGrpSpPr>
+        <p:cNvPr id="1" name=""/>
+        <p:cNvGrpSpPr/>
+        <p:nvPr/>
+      </p:nvGrpSpPr>
+      <p:grpSpPr>
+        <a:xfrm>
+          <a:off x="0" y="0"/>
+          <a:ext cx="0" cy="0"/>
+          <a:chOff x="0" y="0"/>
+          <a:chExt cx="0" cy="0"/>
+        </a:xfrm>
+      </p:grpSpPr>
+      <p:sp>
+        <p:nvSpPr>
+          <p:cNvPr id="2" name="제목 1">
+            <a:extLst>
+              <a:ext uri="{FF2B5EF4-FFF2-40B4-BE49-F238E27FC236}">
+                <a16:creationId xmlns:a16="http://schemas.microsoft.com/office/drawing/2014/main" id="{535B601F-9C0F-4D5D-83A5-904D164D0D83}"/>
+              </a:ext>
+            </a:extLst>
+          </p:cNvPr>
+          <p:cNvSpPr>
+            <a:spLocks noGrp="1"/>
+          </p:cNvSpPr>
+          <p:nvPr>
+            <p:ph type="title"/>
+          </p:nvPr>
+        </p:nvSpPr>
+        <p:spPr>
+          <a:xfrm>
+            <a:off x="348858" y="0"/>
+            <a:ext cx="10515600" cy="1325563"/>
+          </a:xfrm>
+        </p:spPr>
+        <p:txBody>
+          <a:bodyPr/>
+          <a:lstStyle/>
+          <a:p>
+            <a:r>
+              <a:rPr lang="en-US" altLang="ko-KR" dirty="0"/>
+              <a:t>stream</a:t>
+            </a:r>
+            <a:endParaRPr lang="ko-KR" altLang="en-US" dirty="0"/>
+          </a:p>
+        </p:txBody>
+      </p:sp>
+    </p:spTree>
+    <p:extLst>
+      <p:ext uri="{BB962C8B-B14F-4D97-AF65-F5344CB8AC3E}">
+        <p14:creationId xmlns:p14="http://schemas.microsoft.com/office/powerpoint/2010/main" val="1446212719"/>
+      </p:ext>
+    </p:extLst>
+  </p:cSld>
+  <p:clrMapOvr>
+    <a:masterClrMapping/>
+  </p:clrMapOvr>
+</p:sld>
+</file>
+
+<file path=ppt/slides/slide19.xml><?xml version="1.0" encoding="utf-8"?>
 <p:sld xmlns:a="http://schemas.openxmlformats.org/drawingml/2006/main" xmlns:r="http://schemas.openxmlformats.org/officeDocument/2006/relationships" xmlns:p="http://schemas.openxmlformats.org/presentationml/2006/main">
   <p:cSld>
     <p:spTree>
@@ -8218,7 +9044,7 @@
         </p:nvSpPr>
         <p:spPr>
           <a:xfrm>
-            <a:off x="616819" y="201496"/>
+            <a:off x="244763" y="-64430"/>
             <a:ext cx="10515600" cy="1325563"/>
           </a:xfrm>
         </p:spPr>
@@ -8263,8 +9089,8 @@
         </p:blipFill>
         <p:spPr>
           <a:xfrm>
-            <a:off x="616819" y="1322948"/>
-            <a:ext cx="6646596" cy="2041081"/>
+            <a:off x="616819" y="990155"/>
+            <a:ext cx="6646596" cy="2307227"/>
           </a:xfrm>
           <a:prstGeom prst="rect">
             <a:avLst/>
@@ -8407,8 +9233,229 @@
         </p:nvSpPr>
         <p:spPr>
           <a:xfrm>
-            <a:off x="6843562" y="4285426"/>
-            <a:ext cx="3640740" cy="400110"/>
+            <a:off x="6988019" y="4635083"/>
+            <a:ext cx="1713931" cy="1323439"/>
+          </a:xfrm>
+          <a:prstGeom prst="rect">
+            <a:avLst/>
+          </a:prstGeom>
+          <a:noFill/>
+          <a:ln>
+            <a:solidFill>
+              <a:schemeClr val="accent1"/>
+            </a:solidFill>
+          </a:ln>
+        </p:spPr>
+        <p:txBody>
+          <a:bodyPr wrap="none" rtlCol="0">
+            <a:spAutoFit/>
+          </a:bodyPr>
+          <a:lstStyle/>
+          <a:p>
+            <a:pPr algn="l"/>
+            <a:r>
+              <a:rPr lang="en-US" altLang="ko-KR" sz="2000" dirty="0"/>
+              <a:t>()</a:t>
+            </a:r>
+            <a:r>
+              <a:rPr lang="ko-KR" altLang="en-US" sz="2000" dirty="0"/>
+              <a:t> 우선연산자</a:t>
+            </a:r>
+            <a:endParaRPr lang="en-US" altLang="ko-KR" sz="2000" dirty="0"/>
+          </a:p>
+          <a:p>
+            <a:pPr algn="l"/>
+            <a:endParaRPr lang="en-US" altLang="ko-KR" sz="2000" dirty="0"/>
+          </a:p>
+          <a:p>
+            <a:pPr algn="l"/>
+            <a:r>
+              <a:rPr lang="ko-KR" altLang="en-US" sz="2000" dirty="0"/>
+              <a:t>문자열배열</a:t>
+            </a:r>
+            <a:endParaRPr lang="en-US" altLang="ko-KR" sz="2000" dirty="0"/>
+          </a:p>
+          <a:p>
+            <a:pPr algn="l"/>
+            <a:r>
+              <a:rPr lang="en-US" altLang="ko-KR" sz="2000" dirty="0"/>
+              <a:t>-&gt;</a:t>
+            </a:r>
+            <a:r>
+              <a:rPr lang="ko-KR" altLang="en-US" sz="2000" dirty="0"/>
+              <a:t>수정 가능</a:t>
+            </a:r>
+          </a:p>
+        </p:txBody>
+      </p:sp>
+      <p:sp>
+        <p:nvSpPr>
+          <p:cNvPr id="11" name="TextBox 10">
+            <a:extLst>
+              <a:ext uri="{FF2B5EF4-FFF2-40B4-BE49-F238E27FC236}">
+                <a16:creationId xmlns:a16="http://schemas.microsoft.com/office/drawing/2014/main" id="{1351998A-F8C7-4668-8107-DA92293AECE2}"/>
+              </a:ext>
+            </a:extLst>
+          </p:cNvPr>
+          <p:cNvSpPr txBox="1"/>
+          <p:nvPr/>
+        </p:nvSpPr>
+        <p:spPr>
+          <a:xfrm>
+            <a:off x="7307982" y="782232"/>
+            <a:ext cx="4419800" cy="3477875"/>
+          </a:xfrm>
+          <a:prstGeom prst="rect">
+            <a:avLst/>
+          </a:prstGeom>
+          <a:noFill/>
+          <a:ln>
+            <a:solidFill>
+              <a:schemeClr val="accent1"/>
+            </a:solidFill>
+          </a:ln>
+        </p:spPr>
+        <p:txBody>
+          <a:bodyPr wrap="none" rtlCol="0">
+            <a:spAutoFit/>
+          </a:bodyPr>
+          <a:lstStyle/>
+          <a:p>
+            <a:pPr algn="l"/>
+            <a:r>
+              <a:rPr lang="en-US" altLang="ko-KR" sz="2000" dirty="0"/>
+              <a:t>[]</a:t>
+            </a:r>
+            <a:r>
+              <a:rPr lang="ko-KR" altLang="en-US" sz="2000" dirty="0"/>
+              <a:t> 우선 연산자</a:t>
+            </a:r>
+            <a:endParaRPr lang="en-US" altLang="ko-KR" sz="2000" dirty="0"/>
+          </a:p>
+          <a:p>
+            <a:pPr algn="l"/>
+            <a:endParaRPr lang="en-US" altLang="ko-KR" sz="2000" dirty="0"/>
+          </a:p>
+          <a:p>
+            <a:pPr algn="l"/>
+            <a:r>
+              <a:rPr lang="ko-KR" altLang="en-US" sz="2000" dirty="0"/>
+              <a:t>문자열상수</a:t>
+            </a:r>
+            <a:endParaRPr lang="en-US" altLang="ko-KR" sz="2000" dirty="0"/>
+          </a:p>
+          <a:p>
+            <a:pPr algn="l"/>
+            <a:r>
+              <a:rPr lang="en-US" altLang="ko-KR" sz="2000" dirty="0"/>
+              <a:t>-&gt;</a:t>
+            </a:r>
+            <a:r>
+              <a:rPr lang="ko-KR" altLang="en-US" sz="2000" dirty="0"/>
+              <a:t>프로그램 실행 시 코드영역에 미리</a:t>
+            </a:r>
+            <a:endParaRPr lang="en-US" altLang="ko-KR" sz="2000" dirty="0"/>
+          </a:p>
+          <a:p>
+            <a:pPr algn="l"/>
+            <a:r>
+              <a:rPr lang="ko-KR" altLang="en-US" sz="2000" dirty="0"/>
+              <a:t>할당되어서 추후에 수정이 불가능</a:t>
+            </a:r>
+            <a:endParaRPr lang="en-US" altLang="ko-KR" sz="2000" dirty="0"/>
+          </a:p>
+          <a:p>
+            <a:pPr algn="l"/>
+            <a:endParaRPr lang="en-US" altLang="ko-KR" sz="2000" dirty="0"/>
+          </a:p>
+          <a:p>
+            <a:pPr algn="l"/>
+            <a:r>
+              <a:rPr lang="en-US" altLang="ko-KR" sz="2000" dirty="0"/>
+              <a:t>vs</a:t>
+            </a:r>
+            <a:r>
+              <a:rPr lang="ko-KR" altLang="en-US" sz="2000" dirty="0"/>
+              <a:t>최적화로 인해 해당 문자열을 </a:t>
+            </a:r>
+            <a:endParaRPr lang="en-US" altLang="ko-KR" sz="2000" dirty="0"/>
+          </a:p>
+          <a:p>
+            <a:pPr algn="l"/>
+            <a:r>
+              <a:rPr lang="ko-KR" altLang="en-US" sz="2000" dirty="0"/>
+              <a:t>다시 이용 가능</a:t>
+            </a:r>
+            <a:endParaRPr lang="en-US" altLang="ko-KR" sz="2000" dirty="0"/>
+          </a:p>
+          <a:p>
+            <a:pPr algn="l"/>
+            <a:r>
+              <a:rPr lang="en-US" altLang="ko-KR" sz="2000" dirty="0"/>
+              <a:t>A</a:t>
+            </a:r>
+            <a:r>
+              <a:rPr lang="ko-KR" altLang="en-US" sz="2000" dirty="0"/>
+              <a:t> 스택 </a:t>
+            </a:r>
+            <a:r>
+              <a:rPr lang="en-US" altLang="ko-KR" sz="2000" dirty="0"/>
+              <a:t>: char* </a:t>
+            </a:r>
+            <a:r>
+              <a:rPr lang="en-US" altLang="ko-KR" sz="2000" dirty="0" err="1"/>
+              <a:t>argv</a:t>
+            </a:r>
+            <a:r>
+              <a:rPr lang="en-US" altLang="ko-KR" sz="2000" dirty="0"/>
+              <a:t> = “ABC”;</a:t>
+            </a:r>
+          </a:p>
+          <a:p>
+            <a:pPr algn="l"/>
+            <a:r>
+              <a:rPr lang="en-US" altLang="ko-KR" sz="2000" dirty="0"/>
+              <a:t>B </a:t>
+            </a:r>
+            <a:r>
+              <a:rPr lang="ko-KR" altLang="en-US" sz="2000" dirty="0"/>
+              <a:t>스택 </a:t>
+            </a:r>
+            <a:r>
+              <a:rPr lang="en-US" altLang="ko-KR" sz="2000" dirty="0"/>
+              <a:t>: char* </a:t>
+            </a:r>
+            <a:r>
+              <a:rPr lang="en-US" altLang="ko-KR" sz="2000" dirty="0" err="1"/>
+              <a:t>argv</a:t>
+            </a:r>
+            <a:r>
+              <a:rPr lang="en-US" altLang="ko-KR" sz="2000" dirty="0"/>
+              <a:t> = “ABC”;</a:t>
+            </a:r>
+          </a:p>
+          <a:p>
+            <a:pPr algn="l"/>
+            <a:endParaRPr lang="ko-KR" altLang="en-US" sz="2000" dirty="0"/>
+          </a:p>
+        </p:txBody>
+      </p:sp>
+      <p:sp>
+        <p:nvSpPr>
+          <p:cNvPr id="3" name="TextBox 2">
+            <a:extLst>
+              <a:ext uri="{FF2B5EF4-FFF2-40B4-BE49-F238E27FC236}">
+                <a16:creationId xmlns:a16="http://schemas.microsoft.com/office/drawing/2014/main" id="{D7520075-B150-476E-ABE2-681970633BB2}"/>
+              </a:ext>
+            </a:extLst>
+          </p:cNvPr>
+          <p:cNvSpPr txBox="1"/>
+          <p:nvPr/>
+        </p:nvSpPr>
+        <p:spPr>
+          <a:xfrm>
+            <a:off x="10891644" y="3389848"/>
+            <a:ext cx="1300356" cy="400110"/>
           </a:xfrm>
           <a:prstGeom prst="rect">
             <a:avLst/>
@@ -8424,60 +9471,53 @@
             <a:pPr algn="l"/>
             <a:r>
               <a:rPr lang="ko-KR" altLang="en-US" sz="2000" dirty="0"/>
-              <a:t>각 문자열마다 </a:t>
-            </a:r>
-            <a:r>
-              <a:rPr lang="en-US" altLang="ko-KR" sz="2000" dirty="0"/>
-              <a:t>NULL</a:t>
-            </a:r>
-            <a:r>
-              <a:rPr lang="ko-KR" altLang="en-US" sz="2000" dirty="0"/>
-              <a:t>문자 존재</a:t>
-            </a:r>
-          </a:p>
-        </p:txBody>
-      </p:sp>
-      <p:sp>
-        <p:nvSpPr>
-          <p:cNvPr id="11" name="TextBox 10">
-            <a:extLst>
-              <a:ext uri="{FF2B5EF4-FFF2-40B4-BE49-F238E27FC236}">
-                <a16:creationId xmlns:a16="http://schemas.microsoft.com/office/drawing/2014/main" id="{1351998A-F8C7-4668-8107-DA92293AECE2}"/>
-              </a:ext>
-            </a:extLst>
-          </p:cNvPr>
-          <p:cNvSpPr txBox="1"/>
+              <a:t>같은 주소</a:t>
+            </a:r>
+          </a:p>
+        </p:txBody>
+      </p:sp>
+      <p:sp>
+        <p:nvSpPr>
+          <p:cNvPr id="4" name="오른쪽 중괄호 3">
+            <a:extLst>
+              <a:ext uri="{FF2B5EF4-FFF2-40B4-BE49-F238E27FC236}">
+                <a16:creationId xmlns:a16="http://schemas.microsoft.com/office/drawing/2014/main" id="{669289EA-A17F-486D-9A9B-E76583BA08FE}"/>
+              </a:ext>
+            </a:extLst>
+          </p:cNvPr>
+          <p:cNvSpPr/>
           <p:nvPr/>
         </p:nvSpPr>
         <p:spPr>
           <a:xfrm>
-            <a:off x="7446295" y="1813906"/>
-            <a:ext cx="3127779" cy="400110"/>
+            <a:off x="10678043" y="3332121"/>
+            <a:ext cx="164640" cy="520804"/>
           </a:xfrm>
-          <a:prstGeom prst="rect">
+          <a:prstGeom prst="rightBrace">
             <a:avLst/>
           </a:prstGeom>
-          <a:noFill/>
+          <a:ln w="28575"/>
         </p:spPr>
-        <p:txBody>
-          <a:bodyPr wrap="none" rtlCol="0">
-            <a:spAutoFit/>
-          </a:bodyPr>
+        <p:style>
+          <a:lnRef idx="1">
+            <a:schemeClr val="accent1"/>
+          </a:lnRef>
+          <a:fillRef idx="0">
+            <a:schemeClr val="accent1"/>
+          </a:fillRef>
+          <a:effectRef idx="0">
+            <a:schemeClr val="accent1"/>
+          </a:effectRef>
+          <a:fontRef idx="minor">
+            <a:schemeClr val="tx1"/>
+          </a:fontRef>
+        </p:style>
+        <p:txBody>
+          <a:bodyPr rtlCol="0" anchor="ctr"/>
           <a:lstStyle/>
           <a:p>
-            <a:pPr algn="l"/>
-            <a:r>
-              <a:rPr lang="ko-KR" altLang="en-US" sz="2000" dirty="0"/>
-              <a:t>배열 끝에 </a:t>
-            </a:r>
-            <a:r>
-              <a:rPr lang="en-US" altLang="ko-KR" sz="2000" dirty="0"/>
-              <a:t>NULL</a:t>
-            </a:r>
-            <a:r>
-              <a:rPr lang="ko-KR" altLang="en-US" sz="2000" dirty="0"/>
-              <a:t>문자 존재</a:t>
-            </a:r>
+            <a:pPr algn="ctr"/>
+            <a:endParaRPr lang="ko-KR" altLang="en-US"/>
           </a:p>
         </p:txBody>
       </p:sp>

--- a/darknet_withC.pptx
+++ b/darknet_withC.pptx
@@ -19,11 +19,8 @@
     <p:sldId id="273" r:id="rId13"/>
     <p:sldId id="275" r:id="rId14"/>
     <p:sldId id="276" r:id="rId15"/>
-    <p:sldId id="277" r:id="rId16"/>
-    <p:sldId id="278" r:id="rId17"/>
-    <p:sldId id="279" r:id="rId18"/>
-    <p:sldId id="280" r:id="rId19"/>
-    <p:sldId id="272" r:id="rId20"/>
+    <p:sldId id="272" r:id="rId16"/>
+    <p:sldId id="281" r:id="rId17"/>
   </p:sldIdLst>
   <p:sldSz cx="12192000" cy="6858000"/>
   <p:notesSz cx="6858000" cy="9144000"/>
@@ -4941,262 +4938,6 @@
           <p:cNvPr id="2" name="제목 1">
             <a:extLst>
               <a:ext uri="{FF2B5EF4-FFF2-40B4-BE49-F238E27FC236}">
-                <a16:creationId xmlns:a16="http://schemas.microsoft.com/office/drawing/2014/main" id="{535B601F-9C0F-4D5D-83A5-904D164D0D83}"/>
-              </a:ext>
-            </a:extLst>
-          </p:cNvPr>
-          <p:cNvSpPr>
-            <a:spLocks noGrp="1"/>
-          </p:cNvSpPr>
-          <p:nvPr>
-            <p:ph type="title"/>
-          </p:nvPr>
-        </p:nvSpPr>
-        <p:spPr>
-          <a:xfrm>
-            <a:off x="348858" y="0"/>
-            <a:ext cx="10515600" cy="1325563"/>
-          </a:xfrm>
-        </p:spPr>
-        <p:txBody>
-          <a:bodyPr/>
-          <a:lstStyle/>
-          <a:p>
-            <a:r>
-              <a:rPr lang="en-US" altLang="ko-KR" dirty="0"/>
-              <a:t>stream</a:t>
-            </a:r>
-            <a:endParaRPr lang="ko-KR" altLang="en-US" dirty="0"/>
-          </a:p>
-        </p:txBody>
-      </p:sp>
-    </p:spTree>
-    <p:extLst>
-      <p:ext uri="{BB962C8B-B14F-4D97-AF65-F5344CB8AC3E}">
-        <p14:creationId xmlns:p14="http://schemas.microsoft.com/office/powerpoint/2010/main" val="2023912576"/>
-      </p:ext>
-    </p:extLst>
-  </p:cSld>
-  <p:clrMapOvr>
-    <a:masterClrMapping/>
-  </p:clrMapOvr>
-</p:sld>
-</file>
-
-<file path=ppt/slides/slide16.xml><?xml version="1.0" encoding="utf-8"?>
-<p:sld xmlns:a="http://schemas.openxmlformats.org/drawingml/2006/main" xmlns:r="http://schemas.openxmlformats.org/officeDocument/2006/relationships" xmlns:p="http://schemas.openxmlformats.org/presentationml/2006/main">
-  <p:cSld>
-    <p:spTree>
-      <p:nvGrpSpPr>
-        <p:cNvPr id="1" name=""/>
-        <p:cNvGrpSpPr/>
-        <p:nvPr/>
-      </p:nvGrpSpPr>
-      <p:grpSpPr>
-        <a:xfrm>
-          <a:off x="0" y="0"/>
-          <a:ext cx="0" cy="0"/>
-          <a:chOff x="0" y="0"/>
-          <a:chExt cx="0" cy="0"/>
-        </a:xfrm>
-      </p:grpSpPr>
-      <p:sp>
-        <p:nvSpPr>
-          <p:cNvPr id="2" name="제목 1">
-            <a:extLst>
-              <a:ext uri="{FF2B5EF4-FFF2-40B4-BE49-F238E27FC236}">
-                <a16:creationId xmlns:a16="http://schemas.microsoft.com/office/drawing/2014/main" id="{535B601F-9C0F-4D5D-83A5-904D164D0D83}"/>
-              </a:ext>
-            </a:extLst>
-          </p:cNvPr>
-          <p:cNvSpPr>
-            <a:spLocks noGrp="1"/>
-          </p:cNvSpPr>
-          <p:nvPr>
-            <p:ph type="title"/>
-          </p:nvPr>
-        </p:nvSpPr>
-        <p:spPr>
-          <a:xfrm>
-            <a:off x="348858" y="0"/>
-            <a:ext cx="10515600" cy="1325563"/>
-          </a:xfrm>
-        </p:spPr>
-        <p:txBody>
-          <a:bodyPr/>
-          <a:lstStyle/>
-          <a:p>
-            <a:r>
-              <a:rPr lang="en-US" altLang="ko-KR" dirty="0"/>
-              <a:t>stream</a:t>
-            </a:r>
-            <a:endParaRPr lang="ko-KR" altLang="en-US" dirty="0"/>
-          </a:p>
-        </p:txBody>
-      </p:sp>
-    </p:spTree>
-    <p:extLst>
-      <p:ext uri="{BB962C8B-B14F-4D97-AF65-F5344CB8AC3E}">
-        <p14:creationId xmlns:p14="http://schemas.microsoft.com/office/powerpoint/2010/main" val="369992566"/>
-      </p:ext>
-    </p:extLst>
-  </p:cSld>
-  <p:clrMapOvr>
-    <a:masterClrMapping/>
-  </p:clrMapOvr>
-</p:sld>
-</file>
-
-<file path=ppt/slides/slide17.xml><?xml version="1.0" encoding="utf-8"?>
-<p:sld xmlns:a="http://schemas.openxmlformats.org/drawingml/2006/main" xmlns:r="http://schemas.openxmlformats.org/officeDocument/2006/relationships" xmlns:p="http://schemas.openxmlformats.org/presentationml/2006/main">
-  <p:cSld>
-    <p:spTree>
-      <p:nvGrpSpPr>
-        <p:cNvPr id="1" name=""/>
-        <p:cNvGrpSpPr/>
-        <p:nvPr/>
-      </p:nvGrpSpPr>
-      <p:grpSpPr>
-        <a:xfrm>
-          <a:off x="0" y="0"/>
-          <a:ext cx="0" cy="0"/>
-          <a:chOff x="0" y="0"/>
-          <a:chExt cx="0" cy="0"/>
-        </a:xfrm>
-      </p:grpSpPr>
-      <p:sp>
-        <p:nvSpPr>
-          <p:cNvPr id="2" name="제목 1">
-            <a:extLst>
-              <a:ext uri="{FF2B5EF4-FFF2-40B4-BE49-F238E27FC236}">
-                <a16:creationId xmlns:a16="http://schemas.microsoft.com/office/drawing/2014/main" id="{535B601F-9C0F-4D5D-83A5-904D164D0D83}"/>
-              </a:ext>
-            </a:extLst>
-          </p:cNvPr>
-          <p:cNvSpPr>
-            <a:spLocks noGrp="1"/>
-          </p:cNvSpPr>
-          <p:nvPr>
-            <p:ph type="title"/>
-          </p:nvPr>
-        </p:nvSpPr>
-        <p:spPr>
-          <a:xfrm>
-            <a:off x="348858" y="0"/>
-            <a:ext cx="10515600" cy="1325563"/>
-          </a:xfrm>
-        </p:spPr>
-        <p:txBody>
-          <a:bodyPr/>
-          <a:lstStyle/>
-          <a:p>
-            <a:r>
-              <a:rPr lang="en-US" altLang="ko-KR" dirty="0"/>
-              <a:t>stream</a:t>
-            </a:r>
-            <a:endParaRPr lang="ko-KR" altLang="en-US" dirty="0"/>
-          </a:p>
-        </p:txBody>
-      </p:sp>
-    </p:spTree>
-    <p:extLst>
-      <p:ext uri="{BB962C8B-B14F-4D97-AF65-F5344CB8AC3E}">
-        <p14:creationId xmlns:p14="http://schemas.microsoft.com/office/powerpoint/2010/main" val="3167768891"/>
-      </p:ext>
-    </p:extLst>
-  </p:cSld>
-  <p:clrMapOvr>
-    <a:masterClrMapping/>
-  </p:clrMapOvr>
-</p:sld>
-</file>
-
-<file path=ppt/slides/slide18.xml><?xml version="1.0" encoding="utf-8"?>
-<p:sld xmlns:a="http://schemas.openxmlformats.org/drawingml/2006/main" xmlns:r="http://schemas.openxmlformats.org/officeDocument/2006/relationships" xmlns:p="http://schemas.openxmlformats.org/presentationml/2006/main">
-  <p:cSld>
-    <p:spTree>
-      <p:nvGrpSpPr>
-        <p:cNvPr id="1" name=""/>
-        <p:cNvGrpSpPr/>
-        <p:nvPr/>
-      </p:nvGrpSpPr>
-      <p:grpSpPr>
-        <a:xfrm>
-          <a:off x="0" y="0"/>
-          <a:ext cx="0" cy="0"/>
-          <a:chOff x="0" y="0"/>
-          <a:chExt cx="0" cy="0"/>
-        </a:xfrm>
-      </p:grpSpPr>
-      <p:sp>
-        <p:nvSpPr>
-          <p:cNvPr id="2" name="제목 1">
-            <a:extLst>
-              <a:ext uri="{FF2B5EF4-FFF2-40B4-BE49-F238E27FC236}">
-                <a16:creationId xmlns:a16="http://schemas.microsoft.com/office/drawing/2014/main" id="{535B601F-9C0F-4D5D-83A5-904D164D0D83}"/>
-              </a:ext>
-            </a:extLst>
-          </p:cNvPr>
-          <p:cNvSpPr>
-            <a:spLocks noGrp="1"/>
-          </p:cNvSpPr>
-          <p:nvPr>
-            <p:ph type="title"/>
-          </p:nvPr>
-        </p:nvSpPr>
-        <p:spPr>
-          <a:xfrm>
-            <a:off x="348858" y="0"/>
-            <a:ext cx="10515600" cy="1325563"/>
-          </a:xfrm>
-        </p:spPr>
-        <p:txBody>
-          <a:bodyPr/>
-          <a:lstStyle/>
-          <a:p>
-            <a:r>
-              <a:rPr lang="en-US" altLang="ko-KR" dirty="0"/>
-              <a:t>stream</a:t>
-            </a:r>
-            <a:endParaRPr lang="ko-KR" altLang="en-US" dirty="0"/>
-          </a:p>
-        </p:txBody>
-      </p:sp>
-    </p:spTree>
-    <p:extLst>
-      <p:ext uri="{BB962C8B-B14F-4D97-AF65-F5344CB8AC3E}">
-        <p14:creationId xmlns:p14="http://schemas.microsoft.com/office/powerpoint/2010/main" val="1446212719"/>
-      </p:ext>
-    </p:extLst>
-  </p:cSld>
-  <p:clrMapOvr>
-    <a:masterClrMapping/>
-  </p:clrMapOvr>
-</p:sld>
-</file>
-
-<file path=ppt/slides/slide19.xml><?xml version="1.0" encoding="utf-8"?>
-<p:sld xmlns:a="http://schemas.openxmlformats.org/drawingml/2006/main" xmlns:r="http://schemas.openxmlformats.org/officeDocument/2006/relationships" xmlns:p="http://schemas.openxmlformats.org/presentationml/2006/main">
-  <p:cSld>
-    <p:spTree>
-      <p:nvGrpSpPr>
-        <p:cNvPr id="1" name=""/>
-        <p:cNvGrpSpPr/>
-        <p:nvPr/>
-      </p:nvGrpSpPr>
-      <p:grpSpPr>
-        <a:xfrm>
-          <a:off x="0" y="0"/>
-          <a:ext cx="0" cy="0"/>
-          <a:chOff x="0" y="0"/>
-          <a:chExt cx="0" cy="0"/>
-        </a:xfrm>
-      </p:grpSpPr>
-      <p:sp>
-        <p:nvSpPr>
-          <p:cNvPr id="2" name="제목 1">
-            <a:extLst>
-              <a:ext uri="{FF2B5EF4-FFF2-40B4-BE49-F238E27FC236}">
                 <a16:creationId xmlns:a16="http://schemas.microsoft.com/office/drawing/2014/main" id="{9688C44B-0B06-4395-B87F-B2F93CE79E8E}"/>
               </a:ext>
             </a:extLst>
@@ -5259,6 +5000,270 @@
     <p:extLst>
       <p:ext uri="{BB962C8B-B14F-4D97-AF65-F5344CB8AC3E}">
         <p14:creationId xmlns:p14="http://schemas.microsoft.com/office/powerpoint/2010/main" val="977356293"/>
+      </p:ext>
+    </p:extLst>
+  </p:cSld>
+  <p:clrMapOvr>
+    <a:masterClrMapping/>
+  </p:clrMapOvr>
+</p:sld>
+</file>
+
+<file path=ppt/slides/slide16.xml><?xml version="1.0" encoding="utf-8"?>
+<p:sld xmlns:a="http://schemas.openxmlformats.org/drawingml/2006/main" xmlns:r="http://schemas.openxmlformats.org/officeDocument/2006/relationships" xmlns:p="http://schemas.openxmlformats.org/presentationml/2006/main">
+  <p:cSld>
+    <p:spTree>
+      <p:nvGrpSpPr>
+        <p:cNvPr id="1" name=""/>
+        <p:cNvGrpSpPr/>
+        <p:nvPr/>
+      </p:nvGrpSpPr>
+      <p:grpSpPr>
+        <a:xfrm>
+          <a:off x="0" y="0"/>
+          <a:ext cx="0" cy="0"/>
+          <a:chOff x="0" y="0"/>
+          <a:chExt cx="0" cy="0"/>
+        </a:xfrm>
+      </p:grpSpPr>
+      <p:sp>
+        <p:nvSpPr>
+          <p:cNvPr id="2" name="제목 1">
+            <a:extLst>
+              <a:ext uri="{FF2B5EF4-FFF2-40B4-BE49-F238E27FC236}">
+                <a16:creationId xmlns:a16="http://schemas.microsoft.com/office/drawing/2014/main" id="{65A5AACB-F12E-4444-A645-CDAA420B4B9C}"/>
+              </a:ext>
+            </a:extLst>
+          </p:cNvPr>
+          <p:cNvSpPr>
+            <a:spLocks noGrp="1"/>
+          </p:cNvSpPr>
+          <p:nvPr>
+            <p:ph type="title"/>
+          </p:nvPr>
+        </p:nvSpPr>
+        <p:spPr/>
+        <p:txBody>
+          <a:bodyPr/>
+          <a:lstStyle/>
+          <a:p>
+            <a:r>
+              <a:rPr lang="en-US" altLang="ko-KR" dirty="0"/>
+              <a:t>random</a:t>
+            </a:r>
+            <a:r>
+              <a:rPr lang="ko-KR" altLang="en-US" dirty="0"/>
+              <a:t>함수</a:t>
+            </a:r>
+          </a:p>
+        </p:txBody>
+      </p:sp>
+      <p:sp>
+        <p:nvSpPr>
+          <p:cNvPr id="5" name="TextBox 4">
+            <a:extLst>
+              <a:ext uri="{FF2B5EF4-FFF2-40B4-BE49-F238E27FC236}">
+                <a16:creationId xmlns:a16="http://schemas.microsoft.com/office/drawing/2014/main" id="{ECE2E6C6-4B27-4434-B795-3ECCEC356F5C}"/>
+              </a:ext>
+            </a:extLst>
+          </p:cNvPr>
+          <p:cNvSpPr txBox="1"/>
+          <p:nvPr/>
+        </p:nvSpPr>
+        <p:spPr>
+          <a:xfrm>
+            <a:off x="1200912" y="1690688"/>
+            <a:ext cx="11264622" cy="2985433"/>
+          </a:xfrm>
+          <a:prstGeom prst="rect">
+            <a:avLst/>
+          </a:prstGeom>
+          <a:noFill/>
+        </p:spPr>
+        <p:txBody>
+          <a:bodyPr wrap="none" rtlCol="0">
+            <a:spAutoFit/>
+          </a:bodyPr>
+          <a:lstStyle/>
+          <a:p>
+            <a:pPr algn="l"/>
+            <a:r>
+              <a:rPr lang="en-US" altLang="ko-KR" sz="2800" dirty="0"/>
+              <a:t>rand()</a:t>
+            </a:r>
+          </a:p>
+          <a:p>
+            <a:pPr algn="l"/>
+            <a:r>
+              <a:rPr lang="en-US" altLang="ko-KR" sz="2000" dirty="0"/>
+              <a:t>: [0 ~</a:t>
+            </a:r>
+            <a:r>
+              <a:rPr lang="ko-KR" altLang="en-US" sz="2000" dirty="0"/>
+              <a:t> </a:t>
+            </a:r>
+            <a:r>
+              <a:rPr lang="en-US" altLang="ko-KR" sz="2000" dirty="0"/>
+              <a:t>RAND_MAX]</a:t>
+            </a:r>
+            <a:r>
+              <a:rPr lang="ko-KR" altLang="en-US" sz="2000" dirty="0"/>
+              <a:t> 사이의 수를 반환</a:t>
+            </a:r>
+            <a:r>
+              <a:rPr lang="en-US" altLang="ko-KR" sz="2000" dirty="0"/>
+              <a:t>, RAND_MAX</a:t>
+            </a:r>
+            <a:r>
+              <a:rPr lang="ko-KR" altLang="en-US" sz="2000" dirty="0"/>
+              <a:t>는 </a:t>
+            </a:r>
+            <a:r>
+              <a:rPr lang="en-US" altLang="ko-KR" sz="2000" dirty="0" err="1"/>
+              <a:t>stdlib.h</a:t>
+            </a:r>
+            <a:r>
+              <a:rPr lang="ko-KR" altLang="en-US" sz="2000" dirty="0"/>
+              <a:t>에 정의되어 있음</a:t>
+            </a:r>
+            <a:r>
+              <a:rPr lang="en-US" altLang="ko-KR" sz="2000" dirty="0"/>
+              <a:t>. </a:t>
+            </a:r>
+          </a:p>
+          <a:p>
+            <a:pPr algn="l"/>
+            <a:r>
+              <a:rPr lang="en-US" altLang="ko-KR" sz="2000" dirty="0"/>
+              <a:t> </a:t>
+            </a:r>
+            <a:r>
+              <a:rPr lang="ko-KR" altLang="en-US" sz="2000" dirty="0"/>
+              <a:t>프로그램 생성시 값이 정해져서 들어가기 때문에 매번 똑같은 값이 나오게 됨</a:t>
+            </a:r>
+            <a:r>
+              <a:rPr lang="en-US" altLang="ko-KR" sz="2000" dirty="0"/>
+              <a:t>.</a:t>
+            </a:r>
+          </a:p>
+          <a:p>
+            <a:pPr algn="l"/>
+            <a:r>
+              <a:rPr lang="en-US" altLang="ko-KR" sz="2000" dirty="0"/>
+              <a:t>	</a:t>
+            </a:r>
+          </a:p>
+          <a:p>
+            <a:pPr algn="l"/>
+            <a:r>
+              <a:rPr lang="en-US" altLang="ko-KR" sz="2000" dirty="0" err="1"/>
+              <a:t>srand</a:t>
+            </a:r>
+            <a:r>
+              <a:rPr lang="en-US" altLang="ko-KR" sz="2000" dirty="0"/>
+              <a:t>(seed)</a:t>
+            </a:r>
+          </a:p>
+          <a:p>
+            <a:pPr algn="l"/>
+            <a:r>
+              <a:rPr lang="en-US" altLang="ko-KR" sz="2000" dirty="0"/>
+              <a:t>:</a:t>
+            </a:r>
+            <a:r>
+              <a:rPr lang="ko-KR" altLang="en-US" sz="2000" dirty="0"/>
+              <a:t> </a:t>
+            </a:r>
+            <a:r>
+              <a:rPr lang="en-US" altLang="ko-KR" sz="2000" dirty="0"/>
+              <a:t>rand()</a:t>
+            </a:r>
+            <a:r>
+              <a:rPr lang="ko-KR" altLang="en-US" sz="2000" dirty="0"/>
+              <a:t>함수의 수를 초기화</a:t>
+            </a:r>
+            <a:r>
+              <a:rPr lang="en-US" altLang="ko-KR" sz="2000" dirty="0"/>
+              <a:t>, </a:t>
+            </a:r>
+            <a:r>
+              <a:rPr lang="ko-KR" altLang="en-US" sz="2000" dirty="0"/>
+              <a:t>내부적으로 </a:t>
+            </a:r>
+            <a:r>
+              <a:rPr lang="en-US" altLang="ko-KR" sz="2000" dirty="0"/>
+              <a:t>seed </a:t>
+            </a:r>
+            <a:r>
+              <a:rPr lang="ko-KR" altLang="en-US" sz="2000" dirty="0"/>
+              <a:t>값과 매칭되는 숫자가 </a:t>
+            </a:r>
+            <a:r>
+              <a:rPr lang="en-US" altLang="ko-KR" sz="2000" dirty="0"/>
+              <a:t>rand()</a:t>
+            </a:r>
+            <a:r>
+              <a:rPr lang="ko-KR" altLang="en-US" sz="2000" dirty="0"/>
+              <a:t>에 반영</a:t>
+            </a:r>
+            <a:endParaRPr lang="en-US" altLang="ko-KR" sz="2000" dirty="0"/>
+          </a:p>
+          <a:p>
+            <a:pPr algn="l"/>
+            <a:endParaRPr lang="en-US" altLang="ko-KR" sz="2000" dirty="0"/>
+          </a:p>
+          <a:p>
+            <a:pPr algn="l"/>
+            <a:r>
+              <a:rPr lang="en-US" altLang="ko-KR" sz="2000" dirty="0"/>
+              <a:t>time(NULL)</a:t>
+            </a:r>
+          </a:p>
+          <a:p>
+            <a:pPr algn="l"/>
+            <a:r>
+              <a:rPr lang="en-US" altLang="ko-KR" sz="2000" dirty="0"/>
+              <a:t>: UTC</a:t>
+            </a:r>
+            <a:r>
+              <a:rPr lang="ko-KR" altLang="en-US" sz="2000" dirty="0"/>
+              <a:t>기준 현재까지 흐른 시간을 초</a:t>
+            </a:r>
+            <a:r>
+              <a:rPr lang="en-US" altLang="ko-KR" sz="2000" dirty="0"/>
+              <a:t>(sec)</a:t>
+            </a:r>
+            <a:r>
+              <a:rPr lang="ko-KR" altLang="en-US" sz="2000" dirty="0"/>
+              <a:t>로 반환</a:t>
+            </a:r>
+            <a:r>
+              <a:rPr lang="en-US" altLang="ko-KR" sz="2000" dirty="0"/>
+              <a:t>, seed</a:t>
+            </a:r>
+            <a:r>
+              <a:rPr lang="ko-KR" altLang="en-US" sz="2000" dirty="0"/>
+              <a:t>에 </a:t>
+            </a:r>
+            <a:r>
+              <a:rPr lang="ko-KR" altLang="en-US" sz="2000" dirty="0" err="1"/>
+              <a:t>넣을시</a:t>
+            </a:r>
+            <a:r>
+              <a:rPr lang="ko-KR" altLang="en-US" sz="2000" dirty="0"/>
+              <a:t> 항상 변화하는 숫자로 사용 가능</a:t>
+            </a:r>
+            <a:r>
+              <a:rPr lang="en-US" altLang="ko-KR" sz="2000" dirty="0"/>
+              <a:t>	</a:t>
+            </a:r>
+          </a:p>
+        </p:txBody>
+      </p:sp>
+    </p:spTree>
+    <p:extLst>
+      <p:ext uri="{BB962C8B-B14F-4D97-AF65-F5344CB8AC3E}">
+        <p14:creationId xmlns:p14="http://schemas.microsoft.com/office/powerpoint/2010/main" val="1658235629"/>
       </p:ext>
     </p:extLst>
   </p:cSld>

--- a/darknet_withC.pptx
+++ b/darknet_withC.pptx
@@ -21,6 +21,7 @@
     <p:sldId id="276" r:id="rId15"/>
     <p:sldId id="272" r:id="rId16"/>
     <p:sldId id="281" r:id="rId17"/>
+    <p:sldId id="282" r:id="rId18"/>
   </p:sldIdLst>
   <p:sldSz cx="12192000" cy="6858000"/>
   <p:notesSz cx="6858000" cy="9144000"/>
@@ -318,7 +319,7 @@
           <a:p>
             <a:fld id="{8F186270-8102-4A14-AA74-8937BBD30F05}" type="datetimeFigureOut">
               <a:rPr lang="ko-KR" altLang="en-US" smtClean="0"/>
-              <a:t>2020-07-31</a:t>
+              <a:t>2020-08-03</a:t>
             </a:fld>
             <a:endParaRPr lang="ko-KR" altLang="en-US"/>
           </a:p>
@@ -516,7 +517,7 @@
           <a:p>
             <a:fld id="{8F186270-8102-4A14-AA74-8937BBD30F05}" type="datetimeFigureOut">
               <a:rPr lang="ko-KR" altLang="en-US" smtClean="0"/>
-              <a:t>2020-07-31</a:t>
+              <a:t>2020-08-03</a:t>
             </a:fld>
             <a:endParaRPr lang="ko-KR" altLang="en-US"/>
           </a:p>
@@ -724,7 +725,7 @@
           <a:p>
             <a:fld id="{8F186270-8102-4A14-AA74-8937BBD30F05}" type="datetimeFigureOut">
               <a:rPr lang="ko-KR" altLang="en-US" smtClean="0"/>
-              <a:t>2020-07-31</a:t>
+              <a:t>2020-08-03</a:t>
             </a:fld>
             <a:endParaRPr lang="ko-KR" altLang="en-US"/>
           </a:p>
@@ -922,7 +923,7 @@
           <a:p>
             <a:fld id="{8F186270-8102-4A14-AA74-8937BBD30F05}" type="datetimeFigureOut">
               <a:rPr lang="ko-KR" altLang="en-US" smtClean="0"/>
-              <a:t>2020-07-31</a:t>
+              <a:t>2020-08-03</a:t>
             </a:fld>
             <a:endParaRPr lang="ko-KR" altLang="en-US"/>
           </a:p>
@@ -1197,7 +1198,7 @@
           <a:p>
             <a:fld id="{8F186270-8102-4A14-AA74-8937BBD30F05}" type="datetimeFigureOut">
               <a:rPr lang="ko-KR" altLang="en-US" smtClean="0"/>
-              <a:t>2020-07-31</a:t>
+              <a:t>2020-08-03</a:t>
             </a:fld>
             <a:endParaRPr lang="ko-KR" altLang="en-US"/>
           </a:p>
@@ -1462,7 +1463,7 @@
           <a:p>
             <a:fld id="{8F186270-8102-4A14-AA74-8937BBD30F05}" type="datetimeFigureOut">
               <a:rPr lang="ko-KR" altLang="en-US" smtClean="0"/>
-              <a:t>2020-07-31</a:t>
+              <a:t>2020-08-03</a:t>
             </a:fld>
             <a:endParaRPr lang="ko-KR" altLang="en-US"/>
           </a:p>
@@ -1874,7 +1875,7 @@
           <a:p>
             <a:fld id="{8F186270-8102-4A14-AA74-8937BBD30F05}" type="datetimeFigureOut">
               <a:rPr lang="ko-KR" altLang="en-US" smtClean="0"/>
-              <a:t>2020-07-31</a:t>
+              <a:t>2020-08-03</a:t>
             </a:fld>
             <a:endParaRPr lang="ko-KR" altLang="en-US"/>
           </a:p>
@@ -2015,7 +2016,7 @@
           <a:p>
             <a:fld id="{8F186270-8102-4A14-AA74-8937BBD30F05}" type="datetimeFigureOut">
               <a:rPr lang="ko-KR" altLang="en-US" smtClean="0"/>
-              <a:t>2020-07-31</a:t>
+              <a:t>2020-08-03</a:t>
             </a:fld>
             <a:endParaRPr lang="ko-KR" altLang="en-US"/>
           </a:p>
@@ -2128,7 +2129,7 @@
           <a:p>
             <a:fld id="{8F186270-8102-4A14-AA74-8937BBD30F05}" type="datetimeFigureOut">
               <a:rPr lang="ko-KR" altLang="en-US" smtClean="0"/>
-              <a:t>2020-07-31</a:t>
+              <a:t>2020-08-03</a:t>
             </a:fld>
             <a:endParaRPr lang="ko-KR" altLang="en-US"/>
           </a:p>
@@ -2439,7 +2440,7 @@
           <a:p>
             <a:fld id="{8F186270-8102-4A14-AA74-8937BBD30F05}" type="datetimeFigureOut">
               <a:rPr lang="ko-KR" altLang="en-US" smtClean="0"/>
-              <a:t>2020-07-31</a:t>
+              <a:t>2020-08-03</a:t>
             </a:fld>
             <a:endParaRPr lang="ko-KR" altLang="en-US"/>
           </a:p>
@@ -2727,7 +2728,7 @@
           <a:p>
             <a:fld id="{8F186270-8102-4A14-AA74-8937BBD30F05}" type="datetimeFigureOut">
               <a:rPr lang="ko-KR" altLang="en-US" smtClean="0"/>
-              <a:t>2020-07-31</a:t>
+              <a:t>2020-08-03</a:t>
             </a:fld>
             <a:endParaRPr lang="ko-KR" altLang="en-US"/>
           </a:p>
@@ -2968,7 +2969,7 @@
           <a:p>
             <a:fld id="{8F186270-8102-4A14-AA74-8937BBD30F05}" type="datetimeFigureOut">
               <a:rPr lang="ko-KR" altLang="en-US" smtClean="0"/>
-              <a:t>2020-07-31</a:t>
+              <a:t>2020-08-03</a:t>
             </a:fld>
             <a:endParaRPr lang="ko-KR" altLang="en-US"/>
           </a:p>
@@ -5273,6 +5274,114 @@
 </p:sld>
 </file>
 
+<file path=ppt/slides/slide17.xml><?xml version="1.0" encoding="utf-8"?>
+<p:sld xmlns:a="http://schemas.openxmlformats.org/drawingml/2006/main" xmlns:r="http://schemas.openxmlformats.org/officeDocument/2006/relationships" xmlns:p="http://schemas.openxmlformats.org/presentationml/2006/main">
+  <p:cSld>
+    <p:spTree>
+      <p:nvGrpSpPr>
+        <p:cNvPr id="1" name=""/>
+        <p:cNvGrpSpPr/>
+        <p:nvPr/>
+      </p:nvGrpSpPr>
+      <p:grpSpPr>
+        <a:xfrm>
+          <a:off x="0" y="0"/>
+          <a:ext cx="0" cy="0"/>
+          <a:chOff x="0" y="0"/>
+          <a:chExt cx="0" cy="0"/>
+        </a:xfrm>
+      </p:grpSpPr>
+      <p:sp>
+        <p:nvSpPr>
+          <p:cNvPr id="2" name="제목 1">
+            <a:extLst>
+              <a:ext uri="{FF2B5EF4-FFF2-40B4-BE49-F238E27FC236}">
+                <a16:creationId xmlns:a16="http://schemas.microsoft.com/office/drawing/2014/main" id="{E0E55B61-7C0A-46B8-BCC5-0EEBFF96DE94}"/>
+              </a:ext>
+            </a:extLst>
+          </p:cNvPr>
+          <p:cNvSpPr>
+            <a:spLocks noGrp="1"/>
+          </p:cNvSpPr>
+          <p:nvPr>
+            <p:ph type="title"/>
+          </p:nvPr>
+        </p:nvSpPr>
+        <p:spPr/>
+        <p:txBody>
+          <a:bodyPr/>
+          <a:lstStyle/>
+          <a:p>
+            <a:endParaRPr lang="ko-KR" altLang="en-US" dirty="0"/>
+          </a:p>
+        </p:txBody>
+      </p:sp>
+      <p:sp>
+        <p:nvSpPr>
+          <p:cNvPr id="3" name="내용 개체 틀 2">
+            <a:extLst>
+              <a:ext uri="{FF2B5EF4-FFF2-40B4-BE49-F238E27FC236}">
+                <a16:creationId xmlns:a16="http://schemas.microsoft.com/office/drawing/2014/main" id="{0C3BA14C-B473-4FED-8E55-F79E54796CC7}"/>
+              </a:ext>
+            </a:extLst>
+          </p:cNvPr>
+          <p:cNvSpPr>
+            <a:spLocks noGrp="1"/>
+          </p:cNvSpPr>
+          <p:nvPr>
+            <p:ph sz="half" idx="1"/>
+          </p:nvPr>
+        </p:nvSpPr>
+        <p:spPr/>
+        <p:txBody>
+          <a:bodyPr/>
+          <a:lstStyle/>
+          <a:p>
+            <a:r>
+              <a:rPr lang="ko-KR" altLang="en-US" dirty="0"/>
+              <a:t>연결리스트 그림으로 만들어서 활용</a:t>
+            </a:r>
+          </a:p>
+        </p:txBody>
+      </p:sp>
+      <p:sp>
+        <p:nvSpPr>
+          <p:cNvPr id="4" name="내용 개체 틀 3">
+            <a:extLst>
+              <a:ext uri="{FF2B5EF4-FFF2-40B4-BE49-F238E27FC236}">
+                <a16:creationId xmlns:a16="http://schemas.microsoft.com/office/drawing/2014/main" id="{3A919376-C509-44F3-BC5C-DD2E2EF40038}"/>
+              </a:ext>
+            </a:extLst>
+          </p:cNvPr>
+          <p:cNvSpPr>
+            <a:spLocks noGrp="1"/>
+          </p:cNvSpPr>
+          <p:nvPr>
+            <p:ph sz="half" idx="2"/>
+          </p:nvPr>
+        </p:nvSpPr>
+        <p:spPr/>
+        <p:txBody>
+          <a:bodyPr/>
+          <a:lstStyle/>
+          <a:p>
+            <a:endParaRPr lang="ko-KR" altLang="en-US"/>
+          </a:p>
+        </p:txBody>
+      </p:sp>
+    </p:spTree>
+    <p:extLst>
+      <p:ext uri="{BB962C8B-B14F-4D97-AF65-F5344CB8AC3E}">
+        <p14:creationId xmlns:p14="http://schemas.microsoft.com/office/powerpoint/2010/main" val="887802984"/>
+      </p:ext>
+    </p:extLst>
+  </p:cSld>
+  <p:clrMapOvr>
+    <a:masterClrMapping/>
+  </p:clrMapOvr>
+</p:sld>
+</file>
+
 <file path=ppt/slides/slide2.xml><?xml version="1.0" encoding="utf-8"?>
 <p:sld xmlns:a="http://schemas.openxmlformats.org/drawingml/2006/main" xmlns:r="http://schemas.openxmlformats.org/officeDocument/2006/relationships" xmlns:p="http://schemas.openxmlformats.org/presentationml/2006/main">
   <p:cSld>
